--- a/slideshow/Teologia Sistematica y Biblica - Myer Pearlman/Clases/4. Dios.pptx
+++ b/slideshow/Teologia Sistematica y Biblica - Myer Pearlman/Clases/4. Dios.pptx
@@ -15,6 +15,12 @@
     <p:sldId id="263" r:id="rId9"/>
     <p:sldId id="266" r:id="rId10"/>
     <p:sldId id="267" r:id="rId11"/>
+    <p:sldId id="268" r:id="rId12"/>
+    <p:sldId id="269" r:id="rId13"/>
+    <p:sldId id="270" r:id="rId14"/>
+    <p:sldId id="271" r:id="rId15"/>
+    <p:sldId id="272" r:id="rId16"/>
+    <p:sldId id="273" r:id="rId17"/>
   </p:sldIdLst>
   <p:sldSz cx="9144000" cy="5715000" type="screen16x10"/>
   <p:notesSz cx="6858000" cy="9144000"/>
@@ -252,7 +258,7 @@
           <a:p>
             <a:fld id="{50DEE611-8BEF-4990-B4F5-91A0FAC492E5}" type="datetimeFigureOut">
               <a:rPr lang="es-VE" smtClean="0"/>
-              <a:t>3/3/2021</a:t>
+              <a:t>5/3/2021</a:t>
             </a:fld>
             <a:endParaRPr lang="es-VE" dirty="0"/>
           </a:p>
@@ -422,7 +428,7 @@
           <a:p>
             <a:fld id="{50DEE611-8BEF-4990-B4F5-91A0FAC492E5}" type="datetimeFigureOut">
               <a:rPr lang="es-VE" smtClean="0"/>
-              <a:t>3/3/2021</a:t>
+              <a:t>5/3/2021</a:t>
             </a:fld>
             <a:endParaRPr lang="es-VE" dirty="0"/>
           </a:p>
@@ -602,7 +608,7 @@
           <a:p>
             <a:fld id="{50DEE611-8BEF-4990-B4F5-91A0FAC492E5}" type="datetimeFigureOut">
               <a:rPr lang="es-VE" smtClean="0"/>
-              <a:t>3/3/2021</a:t>
+              <a:t>5/3/2021</a:t>
             </a:fld>
             <a:endParaRPr lang="es-VE" dirty="0"/>
           </a:p>
@@ -772,7 +778,7 @@
           <a:p>
             <a:fld id="{50DEE611-8BEF-4990-B4F5-91A0FAC492E5}" type="datetimeFigureOut">
               <a:rPr lang="es-VE" smtClean="0"/>
-              <a:t>3/3/2021</a:t>
+              <a:t>5/3/2021</a:t>
             </a:fld>
             <a:endParaRPr lang="es-VE" dirty="0"/>
           </a:p>
@@ -1018,7 +1024,7 @@
           <a:p>
             <a:fld id="{50DEE611-8BEF-4990-B4F5-91A0FAC492E5}" type="datetimeFigureOut">
               <a:rPr lang="es-VE" smtClean="0"/>
-              <a:t>3/3/2021</a:t>
+              <a:t>5/3/2021</a:t>
             </a:fld>
             <a:endParaRPr lang="es-VE" dirty="0"/>
           </a:p>
@@ -1250,7 +1256,7 @@
           <a:p>
             <a:fld id="{50DEE611-8BEF-4990-B4F5-91A0FAC492E5}" type="datetimeFigureOut">
               <a:rPr lang="es-VE" smtClean="0"/>
-              <a:t>3/3/2021</a:t>
+              <a:t>5/3/2021</a:t>
             </a:fld>
             <a:endParaRPr lang="es-VE" dirty="0"/>
           </a:p>
@@ -1617,7 +1623,7 @@
           <a:p>
             <a:fld id="{50DEE611-8BEF-4990-B4F5-91A0FAC492E5}" type="datetimeFigureOut">
               <a:rPr lang="es-VE" smtClean="0"/>
-              <a:t>3/3/2021</a:t>
+              <a:t>5/3/2021</a:t>
             </a:fld>
             <a:endParaRPr lang="es-VE" dirty="0"/>
           </a:p>
@@ -1735,7 +1741,7 @@
           <a:p>
             <a:fld id="{50DEE611-8BEF-4990-B4F5-91A0FAC492E5}" type="datetimeFigureOut">
               <a:rPr lang="es-VE" smtClean="0"/>
-              <a:t>3/3/2021</a:t>
+              <a:t>5/3/2021</a:t>
             </a:fld>
             <a:endParaRPr lang="es-VE" dirty="0"/>
           </a:p>
@@ -1830,7 +1836,7 @@
           <a:p>
             <a:fld id="{50DEE611-8BEF-4990-B4F5-91A0FAC492E5}" type="datetimeFigureOut">
               <a:rPr lang="es-VE" smtClean="0"/>
-              <a:t>3/3/2021</a:t>
+              <a:t>5/3/2021</a:t>
             </a:fld>
             <a:endParaRPr lang="es-VE" dirty="0"/>
           </a:p>
@@ -2107,7 +2113,7 @@
           <a:p>
             <a:fld id="{50DEE611-8BEF-4990-B4F5-91A0FAC492E5}" type="datetimeFigureOut">
               <a:rPr lang="es-VE" smtClean="0"/>
-              <a:t>3/3/2021</a:t>
+              <a:t>5/3/2021</a:t>
             </a:fld>
             <a:endParaRPr lang="es-VE" dirty="0"/>
           </a:p>
@@ -2364,7 +2370,7 @@
           <a:p>
             <a:fld id="{50DEE611-8BEF-4990-B4F5-91A0FAC492E5}" type="datetimeFigureOut">
               <a:rPr lang="es-VE" smtClean="0"/>
-              <a:t>3/3/2021</a:t>
+              <a:t>5/3/2021</a:t>
             </a:fld>
             <a:endParaRPr lang="es-VE" dirty="0"/>
           </a:p>
@@ -2580,7 +2586,7 @@
           <a:p>
             <a:fld id="{50DEE611-8BEF-4990-B4F5-91A0FAC492E5}" type="datetimeFigureOut">
               <a:rPr lang="es-VE" smtClean="0"/>
-              <a:t>3/3/2021</a:t>
+              <a:t>5/3/2021</a:t>
             </a:fld>
             <a:endParaRPr lang="es-VE" dirty="0"/>
           </a:p>
@@ -3115,22 +3121,22 @@
         <a:gradFill flip="none" rotWithShape="1">
           <a:gsLst>
             <a:gs pos="0">
-              <a:schemeClr val="accent5">
+              <a:schemeClr val="accent6">
                 <a:lumMod val="89000"/>
               </a:schemeClr>
             </a:gs>
             <a:gs pos="23000">
-              <a:schemeClr val="accent5">
+              <a:schemeClr val="accent6">
                 <a:lumMod val="89000"/>
               </a:schemeClr>
             </a:gs>
             <a:gs pos="69000">
-              <a:schemeClr val="accent5">
+              <a:schemeClr val="accent6">
                 <a:lumMod val="75000"/>
               </a:schemeClr>
             </a:gs>
             <a:gs pos="97000">
-              <a:schemeClr val="accent5">
+              <a:schemeClr val="accent6">
                 <a:lumMod val="70000"/>
               </a:schemeClr>
             </a:gs>
@@ -3198,6 +3204,2115 @@
     <p:extLst>
       <p:ext uri="{BB962C8B-B14F-4D97-AF65-F5344CB8AC3E}">
         <p14:creationId xmlns:p14="http://schemas.microsoft.com/office/powerpoint/2010/main" val="2043484831"/>
+      </p:ext>
+    </p:extLst>
+  </p:cSld>
+  <p:clrMapOvr>
+    <a:masterClrMapping/>
+  </p:clrMapOvr>
+</p:sld>
+</file>
+
+<file path=ppt/slides/slide11.xml><?xml version="1.0" encoding="utf-8"?>
+<p:sld xmlns:a="http://schemas.openxmlformats.org/drawingml/2006/main" xmlns:r="http://schemas.openxmlformats.org/officeDocument/2006/relationships" xmlns:p="http://schemas.openxmlformats.org/presentationml/2006/main">
+  <p:cSld>
+    <p:bg>
+      <p:bgPr>
+        <a:gradFill flip="none" rotWithShape="1">
+          <a:gsLst>
+            <a:gs pos="0">
+              <a:schemeClr val="accent6">
+                <a:lumMod val="89000"/>
+              </a:schemeClr>
+            </a:gs>
+            <a:gs pos="23000">
+              <a:schemeClr val="accent6">
+                <a:lumMod val="89000"/>
+              </a:schemeClr>
+            </a:gs>
+            <a:gs pos="69000">
+              <a:schemeClr val="accent6">
+                <a:lumMod val="75000"/>
+              </a:schemeClr>
+            </a:gs>
+            <a:gs pos="97000">
+              <a:schemeClr val="accent6">
+                <a:lumMod val="70000"/>
+              </a:schemeClr>
+            </a:gs>
+          </a:gsLst>
+          <a:path path="circle">
+            <a:fillToRect l="50000" t="50000" r="50000" b="50000"/>
+          </a:path>
+          <a:tileRect/>
+        </a:gradFill>
+        <a:effectLst/>
+      </p:bgPr>
+    </p:bg>
+    <p:spTree>
+      <p:nvGrpSpPr>
+        <p:cNvPr id="1" name=""/>
+        <p:cNvGrpSpPr/>
+        <p:nvPr/>
+      </p:nvGrpSpPr>
+      <p:grpSpPr>
+        <a:xfrm>
+          <a:off x="0" y="0"/>
+          <a:ext cx="0" cy="0"/>
+          <a:chOff x="0" y="0"/>
+          <a:chExt cx="0" cy="0"/>
+        </a:xfrm>
+      </p:grpSpPr>
+      <p:sp>
+        <p:nvSpPr>
+          <p:cNvPr id="2" name="Título 1">
+            <a:extLst>
+              <a:ext uri="{FF2B5EF4-FFF2-40B4-BE49-F238E27FC236}">
+                <a16:creationId xmlns:a16="http://schemas.microsoft.com/office/drawing/2014/main" id="{C65A0631-47E2-4854-94DA-DD27A379FEF1}"/>
+              </a:ext>
+            </a:extLst>
+          </p:cNvPr>
+          <p:cNvSpPr>
+            <a:spLocks noGrp="1"/>
+          </p:cNvSpPr>
+          <p:nvPr>
+            <p:ph type="title"/>
+          </p:nvPr>
+        </p:nvSpPr>
+        <p:spPr>
+          <a:xfrm>
+            <a:off x="391887" y="309281"/>
+            <a:ext cx="8360228" cy="1160931"/>
+          </a:xfrm>
+        </p:spPr>
+        <p:txBody>
+          <a:bodyPr anchor="ctr">
+            <a:normAutofit fontScale="90000"/>
+          </a:bodyPr>
+          <a:lstStyle/>
+          <a:p>
+            <a:r>
+              <a:rPr lang="es-VE" sz="6000" b="1" dirty="0"/>
+              <a:t>3. CREENCIAS ERRÓNEAS</a:t>
+            </a:r>
+            <a:br>
+              <a:rPr lang="es-VE" sz="6600" b="1" dirty="0"/>
+            </a:br>
+            <a:r>
+              <a:rPr lang="es-VE" b="1" i="1" dirty="0"/>
+              <a:t>¿Qué son estas creencias?</a:t>
+            </a:r>
+            <a:endParaRPr lang="es-VE" sz="6600" b="1" dirty="0"/>
+          </a:p>
+        </p:txBody>
+      </p:sp>
+      <p:sp>
+        <p:nvSpPr>
+          <p:cNvPr id="3" name="Marcador de contenido 2">
+            <a:extLst>
+              <a:ext uri="{FF2B5EF4-FFF2-40B4-BE49-F238E27FC236}">
+                <a16:creationId xmlns:a16="http://schemas.microsoft.com/office/drawing/2014/main" id="{AA130F57-7D31-4139-81B2-4D70486C00F2}"/>
+              </a:ext>
+            </a:extLst>
+          </p:cNvPr>
+          <p:cNvSpPr>
+            <a:spLocks noGrp="1"/>
+          </p:cNvSpPr>
+          <p:nvPr>
+            <p:ph idx="1"/>
+          </p:nvPr>
+        </p:nvSpPr>
+        <p:spPr>
+          <a:xfrm>
+            <a:off x="391887" y="1604685"/>
+            <a:ext cx="8360228" cy="3935505"/>
+          </a:xfrm>
+        </p:spPr>
+        <p:txBody>
+          <a:bodyPr anchor="ctr">
+            <a:normAutofit/>
+          </a:bodyPr>
+          <a:lstStyle/>
+          <a:p>
+            <a:pPr marL="0" indent="0">
+              <a:buNone/>
+            </a:pPr>
+            <a:r>
+              <a:rPr lang="es-VE" sz="2000" dirty="0">
+                <a:solidFill>
+                  <a:srgbClr val="F2F2F2"/>
+                </a:solidFill>
+                <a:latin typeface="Verdana" panose="020B0604030504040204" pitchFamily="34" charset="0"/>
+              </a:rPr>
+              <a:t>Hay </a:t>
+            </a:r>
+            <a:r>
+              <a:rPr lang="es-VE" sz="2000" b="1" dirty="0">
+                <a:solidFill>
+                  <a:srgbClr val="F2F2F2"/>
+                </a:solidFill>
+                <a:latin typeface="Verdana" panose="020B0604030504040204" pitchFamily="34" charset="0"/>
+              </a:rPr>
+              <a:t>otros puntos de vista</a:t>
+            </a:r>
+            <a:r>
+              <a:rPr lang="es-VE" sz="2000" dirty="0">
+                <a:solidFill>
+                  <a:srgbClr val="F2F2F2"/>
+                </a:solidFill>
+                <a:latin typeface="Verdana" panose="020B0604030504040204" pitchFamily="34" charset="0"/>
+              </a:rPr>
+              <a:t> relativos a Dios </a:t>
+            </a:r>
+            <a:r>
+              <a:rPr lang="es-VE" sz="2000" b="1" dirty="0">
+                <a:solidFill>
+                  <a:srgbClr val="F2F2F2"/>
+                </a:solidFill>
+                <a:latin typeface="Verdana" panose="020B0604030504040204" pitchFamily="34" charset="0"/>
+              </a:rPr>
+              <a:t>aparte de las Escrituras</a:t>
+            </a:r>
+            <a:r>
+              <a:rPr lang="es-VE" sz="2000" dirty="0">
+                <a:solidFill>
+                  <a:srgbClr val="F2F2F2"/>
+                </a:solidFill>
+                <a:latin typeface="Verdana" panose="020B0604030504040204" pitchFamily="34" charset="0"/>
+              </a:rPr>
+              <a:t>. De ellos, algunos son:</a:t>
+            </a:r>
+          </a:p>
+          <a:p>
+            <a:pPr marL="0" indent="0">
+              <a:buNone/>
+            </a:pPr>
+            <a:endParaRPr lang="es-VE" sz="2000" dirty="0">
+              <a:solidFill>
+                <a:srgbClr val="F2F2F2"/>
+              </a:solidFill>
+              <a:latin typeface="Verdana" panose="020B0604030504040204" pitchFamily="34" charset="0"/>
+            </a:endParaRPr>
+          </a:p>
+          <a:p>
+            <a:pPr marL="457200" indent="-457200">
+              <a:buFont typeface="+mj-lt"/>
+              <a:buAutoNum type="arabicPeriod"/>
+            </a:pPr>
+            <a:r>
+              <a:rPr lang="es-VE" sz="2000" dirty="0">
+                <a:solidFill>
+                  <a:srgbClr val="F2F2F2"/>
+                </a:solidFill>
+                <a:latin typeface="Verdana" panose="020B0604030504040204" pitchFamily="34" charset="0"/>
+              </a:rPr>
+              <a:t>Verdades recalcadas con exceso.</a:t>
+            </a:r>
+          </a:p>
+          <a:p>
+            <a:pPr marL="457200" indent="-457200">
+              <a:buFont typeface="+mj-lt"/>
+              <a:buAutoNum type="arabicPeriod"/>
+            </a:pPr>
+            <a:r>
+              <a:rPr lang="es-VE" sz="2000" dirty="0">
+                <a:solidFill>
+                  <a:srgbClr val="F2F2F2"/>
+                </a:solidFill>
+                <a:latin typeface="Verdana" panose="020B0604030504040204" pitchFamily="34" charset="0"/>
+              </a:rPr>
+              <a:t>Verdades que no se han acentuado como es debido.</a:t>
+            </a:r>
+          </a:p>
+          <a:p>
+            <a:pPr marL="457200" indent="-457200">
+              <a:buFont typeface="+mj-lt"/>
+              <a:buAutoNum type="arabicPeriod"/>
+            </a:pPr>
+            <a:r>
+              <a:rPr lang="es-VE" sz="2000" dirty="0">
+                <a:solidFill>
+                  <a:srgbClr val="F2F2F2"/>
+                </a:solidFill>
+                <a:latin typeface="Verdana" panose="020B0604030504040204" pitchFamily="34" charset="0"/>
+              </a:rPr>
+              <a:t>Verdades falseadas, tergiversadas.</a:t>
+            </a:r>
+          </a:p>
+          <a:p>
+            <a:pPr marL="0" indent="0">
+              <a:buNone/>
+            </a:pPr>
+            <a:endParaRPr lang="es-VE" sz="2000" dirty="0">
+              <a:solidFill>
+                <a:srgbClr val="F2F2F2"/>
+              </a:solidFill>
+              <a:latin typeface="Verdana" panose="020B0604030504040204" pitchFamily="34" charset="0"/>
+            </a:endParaRPr>
+          </a:p>
+          <a:p>
+            <a:pPr marL="0" indent="0">
+              <a:buNone/>
+            </a:pPr>
+            <a:r>
+              <a:rPr lang="es-VE" sz="2000" dirty="0">
+                <a:solidFill>
+                  <a:srgbClr val="F2F2F2"/>
+                </a:solidFill>
+                <a:latin typeface="Verdana" panose="020B0604030504040204" pitchFamily="34" charset="0"/>
+              </a:rPr>
+              <a:t>¿Por qué vamos a considerarlos? Porque es muy difícil describir a la perfección el ser de Dios, y al ver </a:t>
+            </a:r>
+            <a:r>
+              <a:rPr lang="es-VE" sz="2000" b="1" dirty="0">
+                <a:solidFill>
+                  <a:srgbClr val="F2F2F2"/>
+                </a:solidFill>
+                <a:latin typeface="Verdana" panose="020B0604030504040204" pitchFamily="34" charset="0"/>
+              </a:rPr>
+              <a:t>lo que no es</a:t>
+            </a:r>
+            <a:r>
+              <a:rPr lang="es-VE" sz="2000" dirty="0">
+                <a:solidFill>
+                  <a:srgbClr val="F2F2F2"/>
+                </a:solidFill>
+                <a:latin typeface="Verdana" panose="020B0604030504040204" pitchFamily="34" charset="0"/>
+              </a:rPr>
+              <a:t>, recibiremos ayuda para entender mejor </a:t>
+            </a:r>
+            <a:r>
+              <a:rPr lang="es-VE" sz="2000" b="1" dirty="0">
+                <a:solidFill>
+                  <a:srgbClr val="F2F2F2"/>
+                </a:solidFill>
+                <a:latin typeface="Verdana" panose="020B0604030504040204" pitchFamily="34" charset="0"/>
+              </a:rPr>
+              <a:t>lo que es</a:t>
+            </a:r>
+            <a:r>
+              <a:rPr lang="es-VE" sz="2000" dirty="0">
+                <a:solidFill>
+                  <a:srgbClr val="F2F2F2"/>
+                </a:solidFill>
+                <a:latin typeface="Verdana" panose="020B0604030504040204" pitchFamily="34" charset="0"/>
+              </a:rPr>
+              <a:t>.</a:t>
+            </a:r>
+          </a:p>
+        </p:txBody>
+      </p:sp>
+    </p:spTree>
+    <p:extLst>
+      <p:ext uri="{BB962C8B-B14F-4D97-AF65-F5344CB8AC3E}">
+        <p14:creationId xmlns:p14="http://schemas.microsoft.com/office/powerpoint/2010/main" val="2011543436"/>
+      </p:ext>
+    </p:extLst>
+  </p:cSld>
+  <p:clrMapOvr>
+    <a:masterClrMapping/>
+  </p:clrMapOvr>
+</p:sld>
+</file>
+
+<file path=ppt/slides/slide12.xml><?xml version="1.0" encoding="utf-8"?>
+<p:sld xmlns:a="http://schemas.openxmlformats.org/drawingml/2006/main" xmlns:r="http://schemas.openxmlformats.org/officeDocument/2006/relationships" xmlns:p="http://schemas.openxmlformats.org/presentationml/2006/main">
+  <p:cSld>
+    <p:bg>
+      <p:bgPr>
+        <a:gradFill flip="none" rotWithShape="1">
+          <a:gsLst>
+            <a:gs pos="0">
+              <a:schemeClr val="accent6">
+                <a:lumMod val="89000"/>
+              </a:schemeClr>
+            </a:gs>
+            <a:gs pos="23000">
+              <a:schemeClr val="accent6">
+                <a:lumMod val="89000"/>
+              </a:schemeClr>
+            </a:gs>
+            <a:gs pos="69000">
+              <a:schemeClr val="accent6">
+                <a:lumMod val="75000"/>
+              </a:schemeClr>
+            </a:gs>
+            <a:gs pos="97000">
+              <a:schemeClr val="accent6">
+                <a:lumMod val="70000"/>
+              </a:schemeClr>
+            </a:gs>
+          </a:gsLst>
+          <a:path path="circle">
+            <a:fillToRect l="50000" t="50000" r="50000" b="50000"/>
+          </a:path>
+          <a:tileRect/>
+        </a:gradFill>
+        <a:effectLst/>
+      </p:bgPr>
+    </p:bg>
+    <p:spTree>
+      <p:nvGrpSpPr>
+        <p:cNvPr id="1" name=""/>
+        <p:cNvGrpSpPr/>
+        <p:nvPr/>
+      </p:nvGrpSpPr>
+      <p:grpSpPr>
+        <a:xfrm>
+          <a:off x="0" y="0"/>
+          <a:ext cx="0" cy="0"/>
+          <a:chOff x="0" y="0"/>
+          <a:chExt cx="0" cy="0"/>
+        </a:xfrm>
+      </p:grpSpPr>
+      <p:sp>
+        <p:nvSpPr>
+          <p:cNvPr id="2" name="Título 1">
+            <a:extLst>
+              <a:ext uri="{FF2B5EF4-FFF2-40B4-BE49-F238E27FC236}">
+                <a16:creationId xmlns:a16="http://schemas.microsoft.com/office/drawing/2014/main" id="{C65A0631-47E2-4854-94DA-DD27A379FEF1}"/>
+              </a:ext>
+            </a:extLst>
+          </p:cNvPr>
+          <p:cNvSpPr>
+            <a:spLocks noGrp="1"/>
+          </p:cNvSpPr>
+          <p:nvPr>
+            <p:ph type="title"/>
+          </p:nvPr>
+        </p:nvSpPr>
+        <p:spPr>
+          <a:xfrm>
+            <a:off x="391887" y="309281"/>
+            <a:ext cx="8360228" cy="1160931"/>
+          </a:xfrm>
+        </p:spPr>
+        <p:txBody>
+          <a:bodyPr anchor="ctr">
+            <a:normAutofit fontScale="90000"/>
+          </a:bodyPr>
+          <a:lstStyle/>
+          <a:p>
+            <a:r>
+              <a:rPr lang="es-VE" sz="6000" b="1" dirty="0"/>
+              <a:t>3. CREENCIAS ERRÓNEAS</a:t>
+            </a:r>
+            <a:br>
+              <a:rPr lang="es-VE" sz="6600" b="1" dirty="0"/>
+            </a:br>
+            <a:r>
+              <a:rPr lang="es-VE" b="1" i="1" dirty="0"/>
+              <a:t>3.1. Agnosticismo</a:t>
+            </a:r>
+            <a:endParaRPr lang="es-VE" sz="6600" b="1" dirty="0"/>
+          </a:p>
+        </p:txBody>
+      </p:sp>
+      <p:sp>
+        <p:nvSpPr>
+          <p:cNvPr id="3" name="Marcador de contenido 2">
+            <a:extLst>
+              <a:ext uri="{FF2B5EF4-FFF2-40B4-BE49-F238E27FC236}">
+                <a16:creationId xmlns:a16="http://schemas.microsoft.com/office/drawing/2014/main" id="{AA130F57-7D31-4139-81B2-4D70486C00F2}"/>
+              </a:ext>
+            </a:extLst>
+          </p:cNvPr>
+          <p:cNvSpPr>
+            <a:spLocks noGrp="1"/>
+          </p:cNvSpPr>
+          <p:nvPr>
+            <p:ph idx="1"/>
+          </p:nvPr>
+        </p:nvSpPr>
+        <p:spPr>
+          <a:xfrm>
+            <a:off x="391887" y="1604685"/>
+            <a:ext cx="8360228" cy="3935505"/>
+          </a:xfrm>
+        </p:spPr>
+        <p:txBody>
+          <a:bodyPr anchor="ctr">
+            <a:normAutofit lnSpcReduction="10000"/>
+          </a:bodyPr>
+          <a:lstStyle/>
+          <a:p>
+            <a:pPr marL="0" indent="0">
+              <a:buNone/>
+            </a:pPr>
+            <a:r>
+              <a:rPr lang="es-VE" sz="2000" dirty="0">
+                <a:solidFill>
+                  <a:srgbClr val="F2F2F2"/>
+                </a:solidFill>
+                <a:latin typeface="Verdana" panose="020B0604030504040204" pitchFamily="34" charset="0"/>
+              </a:rPr>
+              <a:t>El agnosticismo, de un vocablo griego que significa “</a:t>
+            </a:r>
+            <a:r>
+              <a:rPr lang="es-VE" sz="2000" b="1" dirty="0">
+                <a:solidFill>
+                  <a:srgbClr val="F2F2F2"/>
+                </a:solidFill>
+                <a:latin typeface="Verdana" panose="020B0604030504040204" pitchFamily="34" charset="0"/>
+              </a:rPr>
+              <a:t>desconocido” </a:t>
+            </a:r>
+            <a:r>
+              <a:rPr lang="es-VE" sz="2000" dirty="0">
+                <a:solidFill>
+                  <a:srgbClr val="F2F2F2"/>
+                </a:solidFill>
+                <a:latin typeface="Verdana" panose="020B0604030504040204" pitchFamily="34" charset="0"/>
+              </a:rPr>
+              <a:t>o</a:t>
+            </a:r>
+            <a:r>
+              <a:rPr lang="es-VE" sz="2000" b="1" dirty="0">
+                <a:solidFill>
+                  <a:srgbClr val="F2F2F2"/>
+                </a:solidFill>
+                <a:latin typeface="Verdana" panose="020B0604030504040204" pitchFamily="34" charset="0"/>
+              </a:rPr>
+              <a:t> “imposible de conocer”</a:t>
+            </a:r>
+            <a:r>
+              <a:rPr lang="es-VE" sz="2000" dirty="0">
+                <a:solidFill>
+                  <a:srgbClr val="F2F2F2"/>
+                </a:solidFill>
+                <a:latin typeface="Verdana" panose="020B0604030504040204" pitchFamily="34" charset="0"/>
+              </a:rPr>
+              <a:t>, niega a la inteligencia humana capacidad para </a:t>
+            </a:r>
+            <a:r>
+              <a:rPr lang="es-VE" sz="2000" b="1" dirty="0">
+                <a:solidFill>
+                  <a:srgbClr val="F2F2F2"/>
+                </a:solidFill>
+                <a:latin typeface="Verdana" panose="020B0604030504040204" pitchFamily="34" charset="0"/>
+              </a:rPr>
+              <a:t>conocer a Dios</a:t>
+            </a:r>
+            <a:r>
+              <a:rPr lang="es-VE" sz="2000" dirty="0">
+                <a:solidFill>
+                  <a:srgbClr val="F2F2F2"/>
+                </a:solidFill>
+                <a:latin typeface="Verdana" panose="020B0604030504040204" pitchFamily="34" charset="0"/>
+              </a:rPr>
+              <a:t>. </a:t>
+            </a:r>
+          </a:p>
+          <a:p>
+            <a:pPr marL="0" indent="0">
+              <a:buNone/>
+            </a:pPr>
+            <a:endParaRPr lang="es-VE" sz="2000" dirty="0">
+              <a:solidFill>
+                <a:srgbClr val="F2F2F2"/>
+              </a:solidFill>
+              <a:latin typeface="Verdana" panose="020B0604030504040204" pitchFamily="34" charset="0"/>
+            </a:endParaRPr>
+          </a:p>
+          <a:p>
+            <a:pPr marL="0" indent="0">
+              <a:buNone/>
+            </a:pPr>
+            <a:r>
+              <a:rPr lang="es-VE" sz="2000" dirty="0">
+                <a:solidFill>
+                  <a:schemeClr val="bg1">
+                    <a:lumMod val="95000"/>
+                    <a:lumOff val="5000"/>
+                  </a:schemeClr>
+                </a:solidFill>
+                <a:highlight>
+                  <a:srgbClr val="FFFF00"/>
+                </a:highlight>
+                <a:latin typeface="Verdana" panose="020B0604030504040204" pitchFamily="34" charset="0"/>
+              </a:rPr>
+              <a:t>“La mente finita no puede comprender lo infinito”</a:t>
+            </a:r>
+            <a:r>
+              <a:rPr lang="es-VE" sz="2000" dirty="0">
+                <a:solidFill>
+                  <a:srgbClr val="F2F2F2"/>
+                </a:solidFill>
+                <a:latin typeface="Verdana" panose="020B0604030504040204" pitchFamily="34" charset="0"/>
+              </a:rPr>
+              <a:t>, </a:t>
+            </a:r>
+            <a:r>
+              <a:rPr lang="es-VE" sz="2000" b="1" dirty="0">
+                <a:solidFill>
+                  <a:srgbClr val="F2F2F2"/>
+                </a:solidFill>
+                <a:latin typeface="Verdana" panose="020B0604030504040204" pitchFamily="34" charset="0"/>
+              </a:rPr>
+              <a:t>declara el agnóstico</a:t>
+            </a:r>
+            <a:r>
+              <a:rPr lang="es-VE" sz="2000" dirty="0">
+                <a:solidFill>
+                  <a:srgbClr val="F2F2F2"/>
+                </a:solidFill>
+                <a:latin typeface="Verdana" panose="020B0604030504040204" pitchFamily="34" charset="0"/>
+              </a:rPr>
+              <a:t>.</a:t>
+            </a:r>
+          </a:p>
+          <a:p>
+            <a:pPr marL="0" indent="0">
+              <a:buNone/>
+            </a:pPr>
+            <a:endParaRPr lang="es-VE" sz="2000" dirty="0">
+              <a:solidFill>
+                <a:srgbClr val="F2F2F2"/>
+              </a:solidFill>
+              <a:latin typeface="Verdana" panose="020B0604030504040204" pitchFamily="34" charset="0"/>
+            </a:endParaRPr>
+          </a:p>
+          <a:p>
+            <a:pPr marL="0" indent="0">
+              <a:buNone/>
+            </a:pPr>
+            <a:r>
+              <a:rPr lang="es-VE" sz="2000" dirty="0">
+                <a:solidFill>
+                  <a:srgbClr val="F2F2F2"/>
+                </a:solidFill>
+                <a:latin typeface="Verdana" panose="020B0604030504040204" pitchFamily="34" charset="0"/>
+              </a:rPr>
+              <a:t>Las Sagradas Escrituras se basan en la premisa de que </a:t>
+            </a:r>
+            <a:r>
+              <a:rPr lang="es-VE" sz="2000" b="1" dirty="0">
+                <a:solidFill>
+                  <a:srgbClr val="F2F2F2"/>
+                </a:solidFill>
+                <a:latin typeface="Verdana" panose="020B0604030504040204" pitchFamily="34" charset="0"/>
+              </a:rPr>
+              <a:t>Dios es conocible</a:t>
+            </a:r>
+            <a:r>
+              <a:rPr lang="es-VE" sz="2000" dirty="0">
+                <a:solidFill>
+                  <a:srgbClr val="F2F2F2"/>
+                </a:solidFill>
+                <a:latin typeface="Verdana" panose="020B0604030504040204" pitchFamily="34" charset="0"/>
+              </a:rPr>
+              <a:t>; por otra parte se nos advierte que aun “</a:t>
+            </a:r>
+            <a:r>
+              <a:rPr lang="es-VE" sz="2000" b="1" dirty="0">
+                <a:solidFill>
+                  <a:srgbClr val="F2F2F2"/>
+                </a:solidFill>
+                <a:latin typeface="Verdana" panose="020B0604030504040204" pitchFamily="34" charset="0"/>
+              </a:rPr>
+              <a:t>conocemos en parte</a:t>
+            </a:r>
+            <a:r>
+              <a:rPr lang="es-VE" sz="2000" dirty="0">
+                <a:solidFill>
+                  <a:srgbClr val="F2F2F2"/>
+                </a:solidFill>
+                <a:latin typeface="Verdana" panose="020B0604030504040204" pitchFamily="34" charset="0"/>
+              </a:rPr>
+              <a:t>”.</a:t>
+            </a:r>
+          </a:p>
+          <a:p>
+            <a:pPr marL="0" indent="0">
+              <a:buNone/>
+            </a:pPr>
+            <a:endParaRPr lang="es-VE" sz="2000" dirty="0">
+              <a:solidFill>
+                <a:srgbClr val="F2F2F2"/>
+              </a:solidFill>
+              <a:latin typeface="Verdana" panose="020B0604030504040204" pitchFamily="34" charset="0"/>
+            </a:endParaRPr>
+          </a:p>
+          <a:p>
+            <a:pPr marL="0" indent="0">
+              <a:buNone/>
+            </a:pPr>
+            <a:r>
+              <a:rPr lang="es-VE" sz="2000" b="1" dirty="0">
+                <a:solidFill>
+                  <a:srgbClr val="F2F2F2"/>
+                </a:solidFill>
+                <a:latin typeface="Verdana" panose="020B0604030504040204" pitchFamily="34" charset="0"/>
+              </a:rPr>
+              <a:t>Referencia:</a:t>
+            </a:r>
+            <a:r>
+              <a:rPr lang="es-VE" sz="2000" dirty="0">
+                <a:solidFill>
+                  <a:srgbClr val="F2F2F2"/>
+                </a:solidFill>
+                <a:latin typeface="Verdana" panose="020B0604030504040204" pitchFamily="34" charset="0"/>
+              </a:rPr>
+              <a:t> </a:t>
+            </a:r>
+            <a:r>
+              <a:rPr lang="es-VE" sz="2000" b="1" dirty="0">
+                <a:solidFill>
+                  <a:srgbClr val="FFFF00"/>
+                </a:solidFill>
+                <a:latin typeface="Verdana" panose="020B0604030504040204" pitchFamily="34" charset="0"/>
+              </a:rPr>
+              <a:t>1 Co 13:9-12</a:t>
+            </a:r>
+            <a:r>
+              <a:rPr lang="es-VE" sz="2000" dirty="0">
+                <a:solidFill>
+                  <a:srgbClr val="F2F2F2"/>
+                </a:solidFill>
+                <a:latin typeface="Verdana" panose="020B0604030504040204" pitchFamily="34" charset="0"/>
+              </a:rPr>
+              <a:t>.</a:t>
+            </a:r>
+          </a:p>
+        </p:txBody>
+      </p:sp>
+    </p:spTree>
+    <p:extLst>
+      <p:ext uri="{BB962C8B-B14F-4D97-AF65-F5344CB8AC3E}">
+        <p14:creationId xmlns:p14="http://schemas.microsoft.com/office/powerpoint/2010/main" val="604124700"/>
+      </p:ext>
+    </p:extLst>
+  </p:cSld>
+  <p:clrMapOvr>
+    <a:masterClrMapping/>
+  </p:clrMapOvr>
+</p:sld>
+</file>
+
+<file path=ppt/slides/slide13.xml><?xml version="1.0" encoding="utf-8"?>
+<p:sld xmlns:a="http://schemas.openxmlformats.org/drawingml/2006/main" xmlns:r="http://schemas.openxmlformats.org/officeDocument/2006/relationships" xmlns:p="http://schemas.openxmlformats.org/presentationml/2006/main">
+  <p:cSld>
+    <p:bg>
+      <p:bgPr>
+        <a:gradFill flip="none" rotWithShape="1">
+          <a:gsLst>
+            <a:gs pos="0">
+              <a:schemeClr val="accent6">
+                <a:lumMod val="89000"/>
+              </a:schemeClr>
+            </a:gs>
+            <a:gs pos="23000">
+              <a:schemeClr val="accent6">
+                <a:lumMod val="89000"/>
+              </a:schemeClr>
+            </a:gs>
+            <a:gs pos="69000">
+              <a:schemeClr val="accent6">
+                <a:lumMod val="75000"/>
+              </a:schemeClr>
+            </a:gs>
+            <a:gs pos="97000">
+              <a:schemeClr val="accent6">
+                <a:lumMod val="70000"/>
+              </a:schemeClr>
+            </a:gs>
+          </a:gsLst>
+          <a:path path="circle">
+            <a:fillToRect l="50000" t="50000" r="50000" b="50000"/>
+          </a:path>
+          <a:tileRect/>
+        </a:gradFill>
+        <a:effectLst/>
+      </p:bgPr>
+    </p:bg>
+    <p:spTree>
+      <p:nvGrpSpPr>
+        <p:cNvPr id="1" name=""/>
+        <p:cNvGrpSpPr/>
+        <p:nvPr/>
+      </p:nvGrpSpPr>
+      <p:grpSpPr>
+        <a:xfrm>
+          <a:off x="0" y="0"/>
+          <a:ext cx="0" cy="0"/>
+          <a:chOff x="0" y="0"/>
+          <a:chExt cx="0" cy="0"/>
+        </a:xfrm>
+      </p:grpSpPr>
+      <p:sp>
+        <p:nvSpPr>
+          <p:cNvPr id="2" name="Título 1">
+            <a:extLst>
+              <a:ext uri="{FF2B5EF4-FFF2-40B4-BE49-F238E27FC236}">
+                <a16:creationId xmlns:a16="http://schemas.microsoft.com/office/drawing/2014/main" id="{C65A0631-47E2-4854-94DA-DD27A379FEF1}"/>
+              </a:ext>
+            </a:extLst>
+          </p:cNvPr>
+          <p:cNvSpPr>
+            <a:spLocks noGrp="1"/>
+          </p:cNvSpPr>
+          <p:nvPr>
+            <p:ph type="title"/>
+          </p:nvPr>
+        </p:nvSpPr>
+        <p:spPr>
+          <a:xfrm>
+            <a:off x="391887" y="309281"/>
+            <a:ext cx="8360228" cy="1160931"/>
+          </a:xfrm>
+        </p:spPr>
+        <p:txBody>
+          <a:bodyPr anchor="ctr">
+            <a:normAutofit fontScale="90000"/>
+          </a:bodyPr>
+          <a:lstStyle/>
+          <a:p>
+            <a:r>
+              <a:rPr lang="es-VE" sz="6000" b="1" dirty="0"/>
+              <a:t>3. CREENCIAS ERRÓNEAS</a:t>
+            </a:r>
+            <a:br>
+              <a:rPr lang="es-VE" sz="6600" b="1" dirty="0"/>
+            </a:br>
+            <a:r>
+              <a:rPr lang="es-VE" b="1" i="1" dirty="0"/>
+              <a:t>3.2. Politeísmo</a:t>
+            </a:r>
+            <a:endParaRPr lang="es-VE" sz="6600" b="1" dirty="0"/>
+          </a:p>
+        </p:txBody>
+      </p:sp>
+      <p:sp>
+        <p:nvSpPr>
+          <p:cNvPr id="3" name="Marcador de contenido 2">
+            <a:extLst>
+              <a:ext uri="{FF2B5EF4-FFF2-40B4-BE49-F238E27FC236}">
+                <a16:creationId xmlns:a16="http://schemas.microsoft.com/office/drawing/2014/main" id="{AA130F57-7D31-4139-81B2-4D70486C00F2}"/>
+              </a:ext>
+            </a:extLst>
+          </p:cNvPr>
+          <p:cNvSpPr>
+            <a:spLocks noGrp="1"/>
+          </p:cNvSpPr>
+          <p:nvPr>
+            <p:ph idx="1"/>
+          </p:nvPr>
+        </p:nvSpPr>
+        <p:spPr>
+          <a:xfrm>
+            <a:off x="391887" y="1604685"/>
+            <a:ext cx="8360228" cy="3935505"/>
+          </a:xfrm>
+        </p:spPr>
+        <p:txBody>
+          <a:bodyPr anchor="ctr">
+            <a:normAutofit/>
+          </a:bodyPr>
+          <a:lstStyle/>
+          <a:p>
+            <a:pPr marL="0" indent="0">
+              <a:buNone/>
+            </a:pPr>
+            <a:r>
+              <a:rPr lang="es-VE" sz="2000" dirty="0">
+                <a:solidFill>
+                  <a:srgbClr val="F2F2F2"/>
+                </a:solidFill>
+                <a:latin typeface="Verdana" panose="020B0604030504040204" pitchFamily="34" charset="0"/>
+              </a:rPr>
+              <a:t>Este vocablo significa </a:t>
+            </a:r>
+            <a:r>
+              <a:rPr lang="es-VE" sz="2000" b="1" dirty="0">
+                <a:solidFill>
+                  <a:srgbClr val="F2F2F2"/>
+                </a:solidFill>
+                <a:latin typeface="Verdana" panose="020B0604030504040204" pitchFamily="34" charset="0"/>
+              </a:rPr>
+              <a:t>”adoración de muchos dioses”</a:t>
+            </a:r>
+            <a:r>
+              <a:rPr lang="es-VE" sz="2000" dirty="0">
+                <a:solidFill>
+                  <a:srgbClr val="F2F2F2"/>
+                </a:solidFill>
+                <a:latin typeface="Verdana" panose="020B0604030504040204" pitchFamily="34" charset="0"/>
+              </a:rPr>
+              <a:t>. Fue característica de las religiones antiguas, y se practica todavía en muchos países.</a:t>
+            </a:r>
+          </a:p>
+          <a:p>
+            <a:pPr marL="0" indent="0">
+              <a:buNone/>
+            </a:pPr>
+            <a:endParaRPr lang="es-VE" sz="2000" dirty="0">
+              <a:solidFill>
+                <a:srgbClr val="F2F2F2"/>
+              </a:solidFill>
+              <a:latin typeface="Verdana" panose="020B0604030504040204" pitchFamily="34" charset="0"/>
+            </a:endParaRPr>
+          </a:p>
+          <a:p>
+            <a:pPr marL="0" indent="0">
+              <a:buNone/>
+            </a:pPr>
+            <a:r>
+              <a:rPr lang="es-VE" sz="2000" dirty="0">
+                <a:solidFill>
+                  <a:srgbClr val="F2F2F2"/>
+                </a:solidFill>
+                <a:latin typeface="Verdana" panose="020B0604030504040204" pitchFamily="34" charset="0"/>
+              </a:rPr>
+              <a:t>Se basa en la idea de que el universo es gobernado, no por una fuerza, </a:t>
+            </a:r>
+            <a:r>
+              <a:rPr lang="es-VE" sz="2000" b="1" dirty="0">
+                <a:solidFill>
+                  <a:srgbClr val="F2F2F2"/>
+                </a:solidFill>
+                <a:latin typeface="Verdana" panose="020B0604030504040204" pitchFamily="34" charset="0"/>
+              </a:rPr>
+              <a:t>sino por varias</a:t>
+            </a:r>
+            <a:r>
+              <a:rPr lang="es-VE" sz="2000" dirty="0">
+                <a:solidFill>
+                  <a:srgbClr val="F2F2F2"/>
+                </a:solidFill>
+                <a:latin typeface="Verdana" panose="020B0604030504040204" pitchFamily="34" charset="0"/>
+              </a:rPr>
+              <a:t>, de manera que hay un </a:t>
+            </a:r>
+            <a:r>
+              <a:rPr lang="es-VE" sz="2000" b="1" dirty="0">
+                <a:solidFill>
+                  <a:srgbClr val="F2F2F2"/>
+                </a:solidFill>
+                <a:latin typeface="Verdana" panose="020B0604030504040204" pitchFamily="34" charset="0"/>
+              </a:rPr>
+              <a:t>dios</a:t>
+            </a:r>
+            <a:r>
+              <a:rPr lang="es-VE" sz="2000" dirty="0">
+                <a:solidFill>
+                  <a:srgbClr val="F2F2F2"/>
+                </a:solidFill>
+                <a:latin typeface="Verdana" panose="020B0604030504040204" pitchFamily="34" charset="0"/>
+              </a:rPr>
+              <a:t> del agua, </a:t>
+            </a:r>
+            <a:r>
+              <a:rPr lang="es-VE" sz="2000" b="1" dirty="0">
+                <a:solidFill>
+                  <a:srgbClr val="F2F2F2"/>
+                </a:solidFill>
+                <a:latin typeface="Verdana" panose="020B0604030504040204" pitchFamily="34" charset="0"/>
+              </a:rPr>
+              <a:t>dios</a:t>
+            </a:r>
+            <a:r>
+              <a:rPr lang="es-VE" sz="2000" dirty="0">
+                <a:solidFill>
+                  <a:srgbClr val="F2F2F2"/>
+                </a:solidFill>
+                <a:latin typeface="Verdana" panose="020B0604030504040204" pitchFamily="34" charset="0"/>
+              </a:rPr>
+              <a:t> del fuego, </a:t>
+            </a:r>
+            <a:r>
+              <a:rPr lang="es-VE" sz="2000" b="1" dirty="0">
+                <a:solidFill>
+                  <a:srgbClr val="F2F2F2"/>
+                </a:solidFill>
+                <a:latin typeface="Verdana" panose="020B0604030504040204" pitchFamily="34" charset="0"/>
+              </a:rPr>
+              <a:t>dios</a:t>
+            </a:r>
+            <a:r>
+              <a:rPr lang="es-VE" sz="2000" dirty="0">
+                <a:solidFill>
+                  <a:srgbClr val="F2F2F2"/>
+                </a:solidFill>
+                <a:latin typeface="Verdana" panose="020B0604030504040204" pitchFamily="34" charset="0"/>
+              </a:rPr>
+              <a:t> de las montañas, </a:t>
+            </a:r>
+            <a:r>
+              <a:rPr lang="es-VE" sz="2000" b="1" dirty="0">
+                <a:solidFill>
+                  <a:srgbClr val="F2F2F2"/>
+                </a:solidFill>
+                <a:latin typeface="Verdana" panose="020B0604030504040204" pitchFamily="34" charset="0"/>
+              </a:rPr>
+              <a:t>dios</a:t>
+            </a:r>
+            <a:r>
+              <a:rPr lang="es-VE" sz="2000" dirty="0">
+                <a:solidFill>
+                  <a:srgbClr val="F2F2F2"/>
+                </a:solidFill>
+                <a:latin typeface="Verdana" panose="020B0604030504040204" pitchFamily="34" charset="0"/>
+              </a:rPr>
+              <a:t> de la guerra, y así sucesivamente.</a:t>
+            </a:r>
+          </a:p>
+          <a:p>
+            <a:pPr marL="0" indent="0">
+              <a:buNone/>
+            </a:pPr>
+            <a:endParaRPr lang="es-VE" sz="2000" dirty="0">
+              <a:solidFill>
+                <a:srgbClr val="F2F2F2"/>
+              </a:solidFill>
+              <a:latin typeface="Verdana" panose="020B0604030504040204" pitchFamily="34" charset="0"/>
+            </a:endParaRPr>
+          </a:p>
+          <a:p>
+            <a:pPr marL="0" indent="0">
+              <a:buNone/>
+            </a:pPr>
+            <a:r>
+              <a:rPr lang="es-VE" sz="2000" dirty="0">
+                <a:solidFill>
+                  <a:srgbClr val="F2F2F2"/>
+                </a:solidFill>
+                <a:latin typeface="Verdana" panose="020B0604030504040204" pitchFamily="34" charset="0"/>
+              </a:rPr>
+              <a:t>Esta creencia fue la consecuencia natural del paganismo, que hizo muchos dioses de objetos y fuerzas naturales, </a:t>
+            </a:r>
+            <a:r>
+              <a:rPr lang="es-VE" sz="2000" dirty="0">
+                <a:solidFill>
+                  <a:srgbClr val="FFFF00"/>
+                </a:solidFill>
+                <a:latin typeface="Verdana" panose="020B0604030504040204" pitchFamily="34" charset="0"/>
+              </a:rPr>
+              <a:t>“honrando y dando culto a las criaturas antes que al Creador”</a:t>
+            </a:r>
+            <a:r>
+              <a:rPr lang="es-VE" sz="2000" dirty="0">
+                <a:solidFill>
+                  <a:srgbClr val="F2F2F2"/>
+                </a:solidFill>
+                <a:latin typeface="Verdana" panose="020B0604030504040204" pitchFamily="34" charset="0"/>
+              </a:rPr>
+              <a:t> </a:t>
+            </a:r>
+            <a:r>
+              <a:rPr lang="es-VE" sz="2000" b="1" dirty="0">
+                <a:solidFill>
+                  <a:srgbClr val="FFFF00"/>
+                </a:solidFill>
+                <a:latin typeface="Verdana" panose="020B0604030504040204" pitchFamily="34" charset="0"/>
+              </a:rPr>
+              <a:t>[</a:t>
+            </a:r>
+            <a:r>
+              <a:rPr lang="es-VE" sz="2000" b="1" dirty="0" err="1">
+                <a:solidFill>
+                  <a:srgbClr val="FFFF00"/>
+                </a:solidFill>
+                <a:latin typeface="Verdana" panose="020B0604030504040204" pitchFamily="34" charset="0"/>
+              </a:rPr>
+              <a:t>Rm</a:t>
+            </a:r>
+            <a:r>
+              <a:rPr lang="es-VE" sz="2000" b="1" dirty="0">
+                <a:solidFill>
+                  <a:srgbClr val="FFFF00"/>
+                </a:solidFill>
+                <a:latin typeface="Verdana" panose="020B0604030504040204" pitchFamily="34" charset="0"/>
+              </a:rPr>
+              <a:t> 1:25]</a:t>
+            </a:r>
+            <a:r>
+              <a:rPr lang="es-VE" sz="2000" dirty="0">
+                <a:solidFill>
+                  <a:srgbClr val="F2F2F2"/>
+                </a:solidFill>
+                <a:latin typeface="Verdana" panose="020B0604030504040204" pitchFamily="34" charset="0"/>
+              </a:rPr>
+              <a:t>.</a:t>
+            </a:r>
+          </a:p>
+        </p:txBody>
+      </p:sp>
+    </p:spTree>
+    <p:extLst>
+      <p:ext uri="{BB962C8B-B14F-4D97-AF65-F5344CB8AC3E}">
+        <p14:creationId xmlns:p14="http://schemas.microsoft.com/office/powerpoint/2010/main" val="1462976873"/>
+      </p:ext>
+    </p:extLst>
+  </p:cSld>
+  <p:clrMapOvr>
+    <a:masterClrMapping/>
+  </p:clrMapOvr>
+</p:sld>
+</file>
+
+<file path=ppt/slides/slide14.xml><?xml version="1.0" encoding="utf-8"?>
+<p:sld xmlns:a="http://schemas.openxmlformats.org/drawingml/2006/main" xmlns:r="http://schemas.openxmlformats.org/officeDocument/2006/relationships" xmlns:p="http://schemas.openxmlformats.org/presentationml/2006/main">
+  <p:cSld>
+    <p:bg>
+      <p:bgPr>
+        <a:gradFill flip="none" rotWithShape="1">
+          <a:gsLst>
+            <a:gs pos="0">
+              <a:schemeClr val="accent6">
+                <a:lumMod val="89000"/>
+              </a:schemeClr>
+            </a:gs>
+            <a:gs pos="23000">
+              <a:schemeClr val="accent6">
+                <a:lumMod val="89000"/>
+              </a:schemeClr>
+            </a:gs>
+            <a:gs pos="69000">
+              <a:schemeClr val="accent6">
+                <a:lumMod val="75000"/>
+              </a:schemeClr>
+            </a:gs>
+            <a:gs pos="97000">
+              <a:schemeClr val="accent6">
+                <a:lumMod val="70000"/>
+              </a:schemeClr>
+            </a:gs>
+          </a:gsLst>
+          <a:path path="circle">
+            <a:fillToRect l="50000" t="50000" r="50000" b="50000"/>
+          </a:path>
+          <a:tileRect/>
+        </a:gradFill>
+        <a:effectLst/>
+      </p:bgPr>
+    </p:bg>
+    <p:spTree>
+      <p:nvGrpSpPr>
+        <p:cNvPr id="1" name=""/>
+        <p:cNvGrpSpPr/>
+        <p:nvPr/>
+      </p:nvGrpSpPr>
+      <p:grpSpPr>
+        <a:xfrm>
+          <a:off x="0" y="0"/>
+          <a:ext cx="0" cy="0"/>
+          <a:chOff x="0" y="0"/>
+          <a:chExt cx="0" cy="0"/>
+        </a:xfrm>
+      </p:grpSpPr>
+      <p:sp>
+        <p:nvSpPr>
+          <p:cNvPr id="2" name="Título 1">
+            <a:extLst>
+              <a:ext uri="{FF2B5EF4-FFF2-40B4-BE49-F238E27FC236}">
+                <a16:creationId xmlns:a16="http://schemas.microsoft.com/office/drawing/2014/main" id="{C65A0631-47E2-4854-94DA-DD27A379FEF1}"/>
+              </a:ext>
+            </a:extLst>
+          </p:cNvPr>
+          <p:cNvSpPr>
+            <a:spLocks noGrp="1"/>
+          </p:cNvSpPr>
+          <p:nvPr>
+            <p:ph type="title"/>
+          </p:nvPr>
+        </p:nvSpPr>
+        <p:spPr>
+          <a:xfrm>
+            <a:off x="391887" y="309281"/>
+            <a:ext cx="8360228" cy="1160931"/>
+          </a:xfrm>
+        </p:spPr>
+        <p:txBody>
+          <a:bodyPr anchor="ctr">
+            <a:normAutofit fontScale="90000"/>
+          </a:bodyPr>
+          <a:lstStyle/>
+          <a:p>
+            <a:r>
+              <a:rPr lang="es-VE" sz="6000" b="1" dirty="0"/>
+              <a:t>3. CREENCIAS ERRÓNEAS</a:t>
+            </a:r>
+            <a:br>
+              <a:rPr lang="es-VE" sz="6600" b="1" dirty="0"/>
+            </a:br>
+            <a:r>
+              <a:rPr lang="es-VE" b="1" i="1" dirty="0"/>
+              <a:t>3.3. Panteísmo</a:t>
+            </a:r>
+            <a:endParaRPr lang="es-VE" sz="6600" b="1" dirty="0"/>
+          </a:p>
+        </p:txBody>
+      </p:sp>
+      <p:sp>
+        <p:nvSpPr>
+          <p:cNvPr id="3" name="Marcador de contenido 2">
+            <a:extLst>
+              <a:ext uri="{FF2B5EF4-FFF2-40B4-BE49-F238E27FC236}">
+                <a16:creationId xmlns:a16="http://schemas.microsoft.com/office/drawing/2014/main" id="{AA130F57-7D31-4139-81B2-4D70486C00F2}"/>
+              </a:ext>
+            </a:extLst>
+          </p:cNvPr>
+          <p:cNvSpPr>
+            <a:spLocks noGrp="1"/>
+          </p:cNvSpPr>
+          <p:nvPr>
+            <p:ph idx="1"/>
+          </p:nvPr>
+        </p:nvSpPr>
+        <p:spPr>
+          <a:xfrm>
+            <a:off x="391885" y="1622611"/>
+            <a:ext cx="4180113" cy="1743636"/>
+          </a:xfrm>
+        </p:spPr>
+        <p:txBody>
+          <a:bodyPr anchor="ctr">
+            <a:normAutofit/>
+          </a:bodyPr>
+          <a:lstStyle/>
+          <a:p>
+            <a:pPr marL="0" indent="0">
+              <a:buNone/>
+            </a:pPr>
+            <a:r>
+              <a:rPr lang="es-VE" sz="2000" dirty="0">
+                <a:solidFill>
+                  <a:srgbClr val="F2F2F2"/>
+                </a:solidFill>
+                <a:latin typeface="Verdana" panose="020B0604030504040204" pitchFamily="34" charset="0"/>
+              </a:rPr>
+              <a:t>El </a:t>
+            </a:r>
+            <a:r>
+              <a:rPr lang="es-VE" sz="2000" b="1" dirty="0">
+                <a:solidFill>
+                  <a:srgbClr val="F2F2F2"/>
+                </a:solidFill>
+                <a:latin typeface="Verdana" panose="020B0604030504040204" pitchFamily="34" charset="0"/>
+              </a:rPr>
+              <a:t>“panteísmo”</a:t>
+            </a:r>
+            <a:r>
+              <a:rPr lang="es-VE" sz="2000" dirty="0">
+                <a:solidFill>
+                  <a:srgbClr val="F2F2F2"/>
+                </a:solidFill>
+                <a:latin typeface="Verdana" panose="020B0604030504040204" pitchFamily="34" charset="0"/>
+              </a:rPr>
+              <a:t> es una concepción del mundo y una doctrina filosófica según la cual el universo, la naturaleza y Dios son lo mismo.</a:t>
+            </a:r>
+          </a:p>
+        </p:txBody>
+      </p:sp>
+      <p:graphicFrame>
+        <p:nvGraphicFramePr>
+          <p:cNvPr id="8" name="Tabla 8">
+            <a:extLst>
+              <a:ext uri="{FF2B5EF4-FFF2-40B4-BE49-F238E27FC236}">
+                <a16:creationId xmlns:a16="http://schemas.microsoft.com/office/drawing/2014/main" id="{5F8025B8-B853-4299-9299-AC725AD6C9B8}"/>
+              </a:ext>
+            </a:extLst>
+          </p:cNvPr>
+          <p:cNvGraphicFramePr>
+            <a:graphicFrameLocks noGrp="1"/>
+          </p:cNvGraphicFramePr>
+          <p:nvPr>
+            <p:extLst>
+              <p:ext uri="{D42A27DB-BD31-4B8C-83A1-F6EECF244321}">
+                <p14:modId xmlns:p14="http://schemas.microsoft.com/office/powerpoint/2010/main" val="2105160068"/>
+              </p:ext>
+            </p:extLst>
+          </p:nvPr>
+        </p:nvGraphicFramePr>
+        <p:xfrm>
+          <a:off x="4571999" y="1618127"/>
+          <a:ext cx="4180113" cy="1748119"/>
+        </p:xfrm>
+        <a:graphic>
+          <a:graphicData uri="http://schemas.openxmlformats.org/drawingml/2006/table">
+            <a:tbl>
+              <a:tblPr firstRow="1" bandRow="1">
+                <a:tableStyleId>{638B1855-1B75-4FBE-930C-398BA8C253C6}</a:tableStyleId>
+              </a:tblPr>
+              <a:tblGrid>
+                <a:gridCol w="890586">
+                  <a:extLst>
+                    <a:ext uri="{9D8B030D-6E8A-4147-A177-3AD203B41FA5}">
+                      <a16:colId xmlns:a16="http://schemas.microsoft.com/office/drawing/2014/main" val="852551054"/>
+                    </a:ext>
+                  </a:extLst>
+                </a:gridCol>
+                <a:gridCol w="1837848">
+                  <a:extLst>
+                    <a:ext uri="{9D8B030D-6E8A-4147-A177-3AD203B41FA5}">
+                      <a16:colId xmlns:a16="http://schemas.microsoft.com/office/drawing/2014/main" val="4008511744"/>
+                    </a:ext>
+                  </a:extLst>
+                </a:gridCol>
+                <a:gridCol w="1451679">
+                  <a:extLst>
+                    <a:ext uri="{9D8B030D-6E8A-4147-A177-3AD203B41FA5}">
+                      <a16:colId xmlns:a16="http://schemas.microsoft.com/office/drawing/2014/main" val="183743980"/>
+                    </a:ext>
+                  </a:extLst>
+                </a:gridCol>
+              </a:tblGrid>
+              <a:tr h="514495">
+                <a:tc>
+                  <a:txBody>
+                    <a:bodyPr/>
+                    <a:lstStyle/>
+                    <a:p>
+                      <a:pPr algn="ctr"/>
+                      <a:r>
+                        <a:rPr lang="es-VE" sz="2000" dirty="0"/>
+                        <a:t>Griego</a:t>
+                      </a:r>
+                    </a:p>
+                  </a:txBody>
+                  <a:tcPr anchor="ctr"/>
+                </a:tc>
+                <a:tc>
+                  <a:txBody>
+                    <a:bodyPr/>
+                    <a:lstStyle/>
+                    <a:p>
+                      <a:pPr algn="ctr"/>
+                      <a:r>
+                        <a:rPr lang="es-VE" sz="2000" dirty="0"/>
+                        <a:t>Transliteración</a:t>
+                      </a:r>
+                    </a:p>
+                  </a:txBody>
+                  <a:tcPr anchor="ctr"/>
+                </a:tc>
+                <a:tc>
+                  <a:txBody>
+                    <a:bodyPr/>
+                    <a:lstStyle/>
+                    <a:p>
+                      <a:pPr algn="ctr"/>
+                      <a:r>
+                        <a:rPr lang="es-VE" sz="2000" dirty="0"/>
+                        <a:t>Traducción</a:t>
+                      </a:r>
+                    </a:p>
+                  </a:txBody>
+                  <a:tcPr anchor="ctr"/>
+                </a:tc>
+                <a:extLst>
+                  <a:ext uri="{0D108BD9-81ED-4DB2-BD59-A6C34878D82A}">
+                    <a16:rowId xmlns:a16="http://schemas.microsoft.com/office/drawing/2014/main" val="3396364068"/>
+                  </a:ext>
+                </a:extLst>
+              </a:tr>
+              <a:tr h="616812">
+                <a:tc>
+                  <a:txBody>
+                    <a:bodyPr/>
+                    <a:lstStyle/>
+                    <a:p>
+                      <a:pPr algn="ctr"/>
+                      <a:r>
+                        <a:rPr lang="es-VE" sz="2800" dirty="0"/>
+                        <a:t>π</a:t>
+                      </a:r>
+                      <a:r>
+                        <a:rPr lang="es-VE" sz="2800" dirty="0" err="1"/>
+                        <a:t>ᾶν</a:t>
+                      </a:r>
+                      <a:endParaRPr lang="es-VE" sz="2800" dirty="0"/>
+                    </a:p>
+                  </a:txBody>
+                  <a:tcPr anchor="ctr"/>
+                </a:tc>
+                <a:tc>
+                  <a:txBody>
+                    <a:bodyPr/>
+                    <a:lstStyle/>
+                    <a:p>
+                      <a:pPr algn="ctr"/>
+                      <a:r>
+                        <a:rPr lang="es-VE" sz="2800" dirty="0"/>
+                        <a:t>pan</a:t>
+                      </a:r>
+                    </a:p>
+                  </a:txBody>
+                  <a:tcPr anchor="ctr"/>
+                </a:tc>
+                <a:tc>
+                  <a:txBody>
+                    <a:bodyPr/>
+                    <a:lstStyle/>
+                    <a:p>
+                      <a:pPr algn="ctr"/>
+                      <a:r>
+                        <a:rPr lang="es-VE" sz="2800" dirty="0"/>
+                        <a:t>todo</a:t>
+                      </a:r>
+                    </a:p>
+                  </a:txBody>
+                  <a:tcPr anchor="ctr"/>
+                </a:tc>
+                <a:extLst>
+                  <a:ext uri="{0D108BD9-81ED-4DB2-BD59-A6C34878D82A}">
+                    <a16:rowId xmlns:a16="http://schemas.microsoft.com/office/drawing/2014/main" val="2156665573"/>
+                  </a:ext>
+                </a:extLst>
+              </a:tr>
+              <a:tr h="616812">
+                <a:tc>
+                  <a:txBody>
+                    <a:bodyPr/>
+                    <a:lstStyle/>
+                    <a:p>
+                      <a:pPr algn="ctr"/>
+                      <a:r>
+                        <a:rPr lang="es-VE" sz="2800" dirty="0" err="1"/>
+                        <a:t>θεός</a:t>
+                      </a:r>
+                      <a:endParaRPr lang="es-VE" sz="2800" dirty="0"/>
+                    </a:p>
+                  </a:txBody>
+                  <a:tcPr anchor="ctr"/>
+                </a:tc>
+                <a:tc>
+                  <a:txBody>
+                    <a:bodyPr/>
+                    <a:lstStyle/>
+                    <a:p>
+                      <a:pPr algn="ctr"/>
+                      <a:r>
+                        <a:rPr lang="es-VE" sz="2800" dirty="0" err="1"/>
+                        <a:t>theos</a:t>
+                      </a:r>
+                      <a:endParaRPr lang="es-VE" sz="2800" dirty="0"/>
+                    </a:p>
+                  </a:txBody>
+                  <a:tcPr anchor="ctr"/>
+                </a:tc>
+                <a:tc>
+                  <a:txBody>
+                    <a:bodyPr/>
+                    <a:lstStyle/>
+                    <a:p>
+                      <a:pPr algn="ctr"/>
+                      <a:r>
+                        <a:rPr lang="es-VE" sz="2800" dirty="0"/>
+                        <a:t>Dios</a:t>
+                      </a:r>
+                    </a:p>
+                  </a:txBody>
+                  <a:tcPr anchor="ctr"/>
+                </a:tc>
+                <a:extLst>
+                  <a:ext uri="{0D108BD9-81ED-4DB2-BD59-A6C34878D82A}">
+                    <a16:rowId xmlns:a16="http://schemas.microsoft.com/office/drawing/2014/main" val="3346772487"/>
+                  </a:ext>
+                </a:extLst>
+              </a:tr>
+            </a:tbl>
+          </a:graphicData>
+        </a:graphic>
+      </p:graphicFrame>
+      <p:sp>
+        <p:nvSpPr>
+          <p:cNvPr id="10" name="Marcador de contenido 2">
+            <a:extLst>
+              <a:ext uri="{FF2B5EF4-FFF2-40B4-BE49-F238E27FC236}">
+                <a16:creationId xmlns:a16="http://schemas.microsoft.com/office/drawing/2014/main" id="{83E36A6A-5715-449F-B213-32986F3CF615}"/>
+              </a:ext>
+            </a:extLst>
+          </p:cNvPr>
+          <p:cNvSpPr txBox="1">
+            <a:spLocks/>
+          </p:cNvSpPr>
+          <p:nvPr/>
+        </p:nvSpPr>
+        <p:spPr>
+          <a:xfrm>
+            <a:off x="391884" y="3370730"/>
+            <a:ext cx="8360228" cy="2115670"/>
+          </a:xfrm>
+          <a:prstGeom prst="rect">
+            <a:avLst/>
+          </a:prstGeom>
+        </p:spPr>
+        <p:txBody>
+          <a:bodyPr vert="horz" lIns="91440" tIns="45720" rIns="91440" bIns="45720" rtlCol="0" anchor="ctr">
+            <a:normAutofit/>
+          </a:bodyPr>
+          <a:lstStyle>
+            <a:lvl1pPr marL="171446" indent="-171446" algn="l" defTabSz="685783" rtl="0" eaLnBrk="1" latinLnBrk="0" hangingPunct="1">
+              <a:lnSpc>
+                <a:spcPct val="90000"/>
+              </a:lnSpc>
+              <a:spcBef>
+                <a:spcPts val="751"/>
+              </a:spcBef>
+              <a:buFont typeface="Arial" panose="020B0604020202020204" pitchFamily="34" charset="0"/>
+              <a:buChar char="•"/>
+              <a:defRPr sz="2100" kern="1200">
+                <a:solidFill>
+                  <a:schemeClr val="tx1"/>
+                </a:solidFill>
+                <a:latin typeface="+mn-lt"/>
+                <a:ea typeface="+mn-ea"/>
+                <a:cs typeface="+mn-cs"/>
+              </a:defRPr>
+            </a:lvl1pPr>
+            <a:lvl2pPr marL="514338" indent="-171446" algn="l" defTabSz="685783" rtl="0" eaLnBrk="1" latinLnBrk="0" hangingPunct="1">
+              <a:lnSpc>
+                <a:spcPct val="90000"/>
+              </a:lnSpc>
+              <a:spcBef>
+                <a:spcPts val="375"/>
+              </a:spcBef>
+              <a:buFont typeface="Arial" panose="020B0604020202020204" pitchFamily="34" charset="0"/>
+              <a:buChar char="•"/>
+              <a:defRPr sz="1800" kern="1200">
+                <a:solidFill>
+                  <a:schemeClr val="tx1"/>
+                </a:solidFill>
+                <a:latin typeface="+mn-lt"/>
+                <a:ea typeface="+mn-ea"/>
+                <a:cs typeface="+mn-cs"/>
+              </a:defRPr>
+            </a:lvl2pPr>
+            <a:lvl3pPr marL="857229" indent="-171446" algn="l" defTabSz="685783" rtl="0" eaLnBrk="1" latinLnBrk="0" hangingPunct="1">
+              <a:lnSpc>
+                <a:spcPct val="90000"/>
+              </a:lnSpc>
+              <a:spcBef>
+                <a:spcPts val="375"/>
+              </a:spcBef>
+              <a:buFont typeface="Arial" panose="020B0604020202020204" pitchFamily="34" charset="0"/>
+              <a:buChar char="•"/>
+              <a:defRPr sz="1500" kern="1200">
+                <a:solidFill>
+                  <a:schemeClr val="tx1"/>
+                </a:solidFill>
+                <a:latin typeface="+mn-lt"/>
+                <a:ea typeface="+mn-ea"/>
+                <a:cs typeface="+mn-cs"/>
+              </a:defRPr>
+            </a:lvl3pPr>
+            <a:lvl4pPr marL="1200121" indent="-171446" algn="l" defTabSz="685783" rtl="0" eaLnBrk="1" latinLnBrk="0" hangingPunct="1">
+              <a:lnSpc>
+                <a:spcPct val="90000"/>
+              </a:lnSpc>
+              <a:spcBef>
+                <a:spcPts val="375"/>
+              </a:spcBef>
+              <a:buFont typeface="Arial" panose="020B0604020202020204" pitchFamily="34" charset="0"/>
+              <a:buChar char="•"/>
+              <a:defRPr sz="1351" kern="1200">
+                <a:solidFill>
+                  <a:schemeClr val="tx1"/>
+                </a:solidFill>
+                <a:latin typeface="+mn-lt"/>
+                <a:ea typeface="+mn-ea"/>
+                <a:cs typeface="+mn-cs"/>
+              </a:defRPr>
+            </a:lvl4pPr>
+            <a:lvl5pPr marL="1543012" indent="-171446" algn="l" defTabSz="685783" rtl="0" eaLnBrk="1" latinLnBrk="0" hangingPunct="1">
+              <a:lnSpc>
+                <a:spcPct val="90000"/>
+              </a:lnSpc>
+              <a:spcBef>
+                <a:spcPts val="375"/>
+              </a:spcBef>
+              <a:buFont typeface="Arial" panose="020B0604020202020204" pitchFamily="34" charset="0"/>
+              <a:buChar char="•"/>
+              <a:defRPr sz="1351" kern="1200">
+                <a:solidFill>
+                  <a:schemeClr val="tx1"/>
+                </a:solidFill>
+                <a:latin typeface="+mn-lt"/>
+                <a:ea typeface="+mn-ea"/>
+                <a:cs typeface="+mn-cs"/>
+              </a:defRPr>
+            </a:lvl5pPr>
+            <a:lvl6pPr marL="1885904" indent="-171446" algn="l" defTabSz="685783" rtl="0" eaLnBrk="1" latinLnBrk="0" hangingPunct="1">
+              <a:lnSpc>
+                <a:spcPct val="90000"/>
+              </a:lnSpc>
+              <a:spcBef>
+                <a:spcPts val="375"/>
+              </a:spcBef>
+              <a:buFont typeface="Arial" panose="020B0604020202020204" pitchFamily="34" charset="0"/>
+              <a:buChar char="•"/>
+              <a:defRPr sz="1351" kern="1200">
+                <a:solidFill>
+                  <a:schemeClr val="tx1"/>
+                </a:solidFill>
+                <a:latin typeface="+mn-lt"/>
+                <a:ea typeface="+mn-ea"/>
+                <a:cs typeface="+mn-cs"/>
+              </a:defRPr>
+            </a:lvl6pPr>
+            <a:lvl7pPr marL="2228795" indent="-171446" algn="l" defTabSz="685783" rtl="0" eaLnBrk="1" latinLnBrk="0" hangingPunct="1">
+              <a:lnSpc>
+                <a:spcPct val="90000"/>
+              </a:lnSpc>
+              <a:spcBef>
+                <a:spcPts val="375"/>
+              </a:spcBef>
+              <a:buFont typeface="Arial" panose="020B0604020202020204" pitchFamily="34" charset="0"/>
+              <a:buChar char="•"/>
+              <a:defRPr sz="1351" kern="1200">
+                <a:solidFill>
+                  <a:schemeClr val="tx1"/>
+                </a:solidFill>
+                <a:latin typeface="+mn-lt"/>
+                <a:ea typeface="+mn-ea"/>
+                <a:cs typeface="+mn-cs"/>
+              </a:defRPr>
+            </a:lvl7pPr>
+            <a:lvl8pPr marL="2571686" indent="-171446" algn="l" defTabSz="685783" rtl="0" eaLnBrk="1" latinLnBrk="0" hangingPunct="1">
+              <a:lnSpc>
+                <a:spcPct val="90000"/>
+              </a:lnSpc>
+              <a:spcBef>
+                <a:spcPts val="375"/>
+              </a:spcBef>
+              <a:buFont typeface="Arial" panose="020B0604020202020204" pitchFamily="34" charset="0"/>
+              <a:buChar char="•"/>
+              <a:defRPr sz="1351" kern="1200">
+                <a:solidFill>
+                  <a:schemeClr val="tx1"/>
+                </a:solidFill>
+                <a:latin typeface="+mn-lt"/>
+                <a:ea typeface="+mn-ea"/>
+                <a:cs typeface="+mn-cs"/>
+              </a:defRPr>
+            </a:lvl8pPr>
+            <a:lvl9pPr marL="2914578" indent="-171446" algn="l" defTabSz="685783" rtl="0" eaLnBrk="1" latinLnBrk="0" hangingPunct="1">
+              <a:lnSpc>
+                <a:spcPct val="90000"/>
+              </a:lnSpc>
+              <a:spcBef>
+                <a:spcPts val="375"/>
+              </a:spcBef>
+              <a:buFont typeface="Arial" panose="020B0604020202020204" pitchFamily="34" charset="0"/>
+              <a:buChar char="•"/>
+              <a:defRPr sz="1351" kern="1200">
+                <a:solidFill>
+                  <a:schemeClr val="tx1"/>
+                </a:solidFill>
+                <a:latin typeface="+mn-lt"/>
+                <a:ea typeface="+mn-ea"/>
+                <a:cs typeface="+mn-cs"/>
+              </a:defRPr>
+            </a:lvl9pPr>
+          </a:lstStyle>
+          <a:p>
+            <a:pPr marL="0" indent="0">
+              <a:buNone/>
+            </a:pPr>
+            <a:r>
+              <a:rPr lang="es-VE" sz="2000" dirty="0">
+                <a:solidFill>
+                  <a:srgbClr val="F2F2F2"/>
+                </a:solidFill>
+                <a:latin typeface="Verdana" panose="020B0604030504040204" pitchFamily="34" charset="0"/>
+              </a:rPr>
+              <a:t>Las Sagradas Escrituras corrigen ese </a:t>
+            </a:r>
+            <a:r>
+              <a:rPr lang="es-VE" sz="2000" b="1" dirty="0">
+                <a:solidFill>
+                  <a:srgbClr val="F2F2F2"/>
+                </a:solidFill>
+                <a:latin typeface="Verdana" panose="020B0604030504040204" pitchFamily="34" charset="0"/>
+              </a:rPr>
+              <a:t>punto de vista falso, tergiversado</a:t>
+            </a:r>
+            <a:r>
+              <a:rPr lang="es-VE" sz="2000" dirty="0">
+                <a:solidFill>
+                  <a:srgbClr val="F2F2F2"/>
+                </a:solidFill>
+                <a:latin typeface="Verdana" panose="020B0604030504040204" pitchFamily="34" charset="0"/>
+              </a:rPr>
+              <a:t>, del panteísmo. Aunque el texto sagrado nos enseña que </a:t>
+            </a:r>
+            <a:r>
+              <a:rPr lang="es-VE" sz="2000" b="1" dirty="0">
+                <a:solidFill>
+                  <a:srgbClr val="F2F2F2"/>
+                </a:solidFill>
+                <a:latin typeface="Verdana" panose="020B0604030504040204" pitchFamily="34" charset="0"/>
+              </a:rPr>
+              <a:t>Dios se revela en la naturaleza</a:t>
+            </a:r>
+            <a:r>
+              <a:rPr lang="es-VE" sz="2000" dirty="0">
+                <a:solidFill>
+                  <a:srgbClr val="F2F2F2"/>
+                </a:solidFill>
+                <a:latin typeface="Verdana" panose="020B0604030504040204" pitchFamily="34" charset="0"/>
+              </a:rPr>
+              <a:t>, al mismo tiempo hace una distinción entre Dios y la naturaleza. El panteísmo dice que Dios es el universo; la Biblia expresa que </a:t>
+            </a:r>
+            <a:r>
+              <a:rPr lang="es-VE" sz="2000" b="1" dirty="0">
+                <a:solidFill>
+                  <a:srgbClr val="F2F2F2"/>
+                </a:solidFill>
+                <a:latin typeface="Verdana" panose="020B0604030504040204" pitchFamily="34" charset="0"/>
+              </a:rPr>
+              <a:t>Dios hizo el universo</a:t>
+            </a:r>
+            <a:r>
+              <a:rPr lang="es-VE" sz="2000" dirty="0">
+                <a:solidFill>
+                  <a:srgbClr val="F2F2F2"/>
+                </a:solidFill>
+                <a:latin typeface="Verdana" panose="020B0604030504040204" pitchFamily="34" charset="0"/>
+              </a:rPr>
+              <a:t>. </a:t>
+            </a:r>
+            <a:r>
+              <a:rPr lang="es-VE" sz="2000" b="1" dirty="0">
+                <a:solidFill>
+                  <a:srgbClr val="FFFF00"/>
+                </a:solidFill>
+                <a:latin typeface="Verdana" panose="020B0604030504040204" pitchFamily="34" charset="0"/>
+              </a:rPr>
+              <a:t>[Gn 1:1]</a:t>
+            </a:r>
+          </a:p>
+        </p:txBody>
+      </p:sp>
+    </p:spTree>
+    <p:extLst>
+      <p:ext uri="{BB962C8B-B14F-4D97-AF65-F5344CB8AC3E}">
+        <p14:creationId xmlns:p14="http://schemas.microsoft.com/office/powerpoint/2010/main" val="2934310288"/>
+      </p:ext>
+    </p:extLst>
+  </p:cSld>
+  <p:clrMapOvr>
+    <a:masterClrMapping/>
+  </p:clrMapOvr>
+</p:sld>
+</file>
+
+<file path=ppt/slides/slide15.xml><?xml version="1.0" encoding="utf-8"?>
+<p:sld xmlns:a="http://schemas.openxmlformats.org/drawingml/2006/main" xmlns:r="http://schemas.openxmlformats.org/officeDocument/2006/relationships" xmlns:p="http://schemas.openxmlformats.org/presentationml/2006/main">
+  <p:cSld>
+    <p:bg>
+      <p:bgPr>
+        <a:gradFill flip="none" rotWithShape="1">
+          <a:gsLst>
+            <a:gs pos="0">
+              <a:schemeClr val="accent6">
+                <a:lumMod val="89000"/>
+              </a:schemeClr>
+            </a:gs>
+            <a:gs pos="23000">
+              <a:schemeClr val="accent6">
+                <a:lumMod val="89000"/>
+              </a:schemeClr>
+            </a:gs>
+            <a:gs pos="69000">
+              <a:schemeClr val="accent6">
+                <a:lumMod val="75000"/>
+              </a:schemeClr>
+            </a:gs>
+            <a:gs pos="97000">
+              <a:schemeClr val="accent6">
+                <a:lumMod val="70000"/>
+              </a:schemeClr>
+            </a:gs>
+          </a:gsLst>
+          <a:path path="circle">
+            <a:fillToRect l="50000" t="50000" r="50000" b="50000"/>
+          </a:path>
+          <a:tileRect/>
+        </a:gradFill>
+        <a:effectLst/>
+      </p:bgPr>
+    </p:bg>
+    <p:spTree>
+      <p:nvGrpSpPr>
+        <p:cNvPr id="1" name=""/>
+        <p:cNvGrpSpPr/>
+        <p:nvPr/>
+      </p:nvGrpSpPr>
+      <p:grpSpPr>
+        <a:xfrm>
+          <a:off x="0" y="0"/>
+          <a:ext cx="0" cy="0"/>
+          <a:chOff x="0" y="0"/>
+          <a:chExt cx="0" cy="0"/>
+        </a:xfrm>
+      </p:grpSpPr>
+      <p:sp>
+        <p:nvSpPr>
+          <p:cNvPr id="2" name="Título 1">
+            <a:extLst>
+              <a:ext uri="{FF2B5EF4-FFF2-40B4-BE49-F238E27FC236}">
+                <a16:creationId xmlns:a16="http://schemas.microsoft.com/office/drawing/2014/main" id="{C65A0631-47E2-4854-94DA-DD27A379FEF1}"/>
+              </a:ext>
+            </a:extLst>
+          </p:cNvPr>
+          <p:cNvSpPr>
+            <a:spLocks noGrp="1"/>
+          </p:cNvSpPr>
+          <p:nvPr>
+            <p:ph type="title"/>
+          </p:nvPr>
+        </p:nvSpPr>
+        <p:spPr>
+          <a:xfrm>
+            <a:off x="391887" y="309281"/>
+            <a:ext cx="8360228" cy="1160931"/>
+          </a:xfrm>
+        </p:spPr>
+        <p:txBody>
+          <a:bodyPr anchor="ctr">
+            <a:normAutofit fontScale="90000"/>
+          </a:bodyPr>
+          <a:lstStyle/>
+          <a:p>
+            <a:r>
+              <a:rPr lang="es-VE" sz="6000" b="1" dirty="0"/>
+              <a:t>3. CREENCIAS ERRÓNEAS</a:t>
+            </a:r>
+            <a:br>
+              <a:rPr lang="es-VE" sz="6600" b="1" dirty="0"/>
+            </a:br>
+            <a:r>
+              <a:rPr lang="es-VE" b="1" i="1" dirty="0"/>
+              <a:t>3.4. </a:t>
+            </a:r>
+            <a:r>
+              <a:rPr lang="en-US" b="1" i="1" dirty="0"/>
+              <a:t> </a:t>
+            </a:r>
+            <a:r>
+              <a:rPr lang="es-VE" b="1" i="1" dirty="0"/>
+              <a:t>Materialismo</a:t>
+            </a:r>
+            <a:endParaRPr lang="es-VE" sz="6600" b="1" dirty="0"/>
+          </a:p>
+        </p:txBody>
+      </p:sp>
+      <p:sp>
+        <p:nvSpPr>
+          <p:cNvPr id="3" name="Marcador de contenido 2">
+            <a:extLst>
+              <a:ext uri="{FF2B5EF4-FFF2-40B4-BE49-F238E27FC236}">
+                <a16:creationId xmlns:a16="http://schemas.microsoft.com/office/drawing/2014/main" id="{AA130F57-7D31-4139-81B2-4D70486C00F2}"/>
+              </a:ext>
+            </a:extLst>
+          </p:cNvPr>
+          <p:cNvSpPr>
+            <a:spLocks noGrp="1"/>
+          </p:cNvSpPr>
+          <p:nvPr>
+            <p:ph idx="1"/>
+          </p:nvPr>
+        </p:nvSpPr>
+        <p:spPr>
+          <a:xfrm>
+            <a:off x="391887" y="1604685"/>
+            <a:ext cx="8360228" cy="3935505"/>
+          </a:xfrm>
+        </p:spPr>
+        <p:txBody>
+          <a:bodyPr anchor="ctr">
+            <a:normAutofit/>
+          </a:bodyPr>
+          <a:lstStyle/>
+          <a:p>
+            <a:pPr marL="0" indent="0">
+              <a:buNone/>
+            </a:pPr>
+            <a:r>
+              <a:rPr lang="es-VE" dirty="0"/>
+              <a:t>El materialismo es la doctrina filosófica según la cual </a:t>
+            </a:r>
+            <a:r>
+              <a:rPr lang="es-VE" b="1" dirty="0"/>
+              <a:t>la materia es lo primario</a:t>
+            </a:r>
+            <a:r>
+              <a:rPr lang="es-VE" dirty="0"/>
+              <a:t> y que la conciencia existe como consecuencia de un estado altamente organizado de esta, lo que produce un cambio del modo de ser o de las propiedades de un objeto, un individuo, una entidad o un estado.</a:t>
+            </a:r>
+          </a:p>
+          <a:p>
+            <a:pPr marL="0" indent="0">
+              <a:buNone/>
+            </a:pPr>
+            <a:endParaRPr lang="es-VE" dirty="0"/>
+          </a:p>
+          <a:p>
+            <a:pPr marL="0" indent="0">
+              <a:buNone/>
+            </a:pPr>
+            <a:r>
+              <a:rPr lang="es-VE" b="1" dirty="0"/>
+              <a:t>¿Cuál es el antídoto para el materialismo?</a:t>
+            </a:r>
+            <a:r>
+              <a:rPr lang="es-VE" dirty="0"/>
+              <a:t> ¡El evangelio predicado en la demostración del Espíritu y con señales que lo siguen! </a:t>
+            </a:r>
+            <a:r>
+              <a:rPr lang="es-VE" dirty="0">
+                <a:solidFill>
+                  <a:srgbClr val="FFFF00"/>
+                </a:solidFill>
+              </a:rPr>
+              <a:t>[</a:t>
+            </a:r>
+            <a:r>
+              <a:rPr lang="es-VE" b="1" dirty="0">
+                <a:solidFill>
+                  <a:srgbClr val="FFFF00"/>
+                </a:solidFill>
+              </a:rPr>
+              <a:t>Mar 16:20]</a:t>
+            </a:r>
+            <a:r>
+              <a:rPr lang="es-VE" dirty="0">
+                <a:solidFill>
+                  <a:srgbClr val="FFFF00"/>
+                </a:solidFill>
+              </a:rPr>
+              <a:t> “Y ellos, saliendo, predicaron en todas partes, ayudándoles el Señor y confirmando la palabra con las señales que la seguían. Amén. ”</a:t>
+            </a:r>
+          </a:p>
+        </p:txBody>
+      </p:sp>
+    </p:spTree>
+    <p:extLst>
+      <p:ext uri="{BB962C8B-B14F-4D97-AF65-F5344CB8AC3E}">
+        <p14:creationId xmlns:p14="http://schemas.microsoft.com/office/powerpoint/2010/main" val="722042348"/>
+      </p:ext>
+    </p:extLst>
+  </p:cSld>
+  <p:clrMapOvr>
+    <a:masterClrMapping/>
+  </p:clrMapOvr>
+</p:sld>
+</file>
+
+<file path=ppt/slides/slide16.xml><?xml version="1.0" encoding="utf-8"?>
+<p:sld xmlns:a="http://schemas.openxmlformats.org/drawingml/2006/main" xmlns:r="http://schemas.openxmlformats.org/officeDocument/2006/relationships" xmlns:p="http://schemas.openxmlformats.org/presentationml/2006/main">
+  <p:cSld>
+    <p:bg>
+      <p:bgPr>
+        <a:gradFill flip="none" rotWithShape="1">
+          <a:gsLst>
+            <a:gs pos="0">
+              <a:schemeClr val="accent6">
+                <a:lumMod val="89000"/>
+              </a:schemeClr>
+            </a:gs>
+            <a:gs pos="23000">
+              <a:schemeClr val="accent6">
+                <a:lumMod val="89000"/>
+              </a:schemeClr>
+            </a:gs>
+            <a:gs pos="69000">
+              <a:schemeClr val="accent6">
+                <a:lumMod val="75000"/>
+              </a:schemeClr>
+            </a:gs>
+            <a:gs pos="97000">
+              <a:schemeClr val="accent6">
+                <a:lumMod val="70000"/>
+              </a:schemeClr>
+            </a:gs>
+          </a:gsLst>
+          <a:path path="circle">
+            <a:fillToRect l="50000" t="50000" r="50000" b="50000"/>
+          </a:path>
+          <a:tileRect/>
+        </a:gradFill>
+        <a:effectLst/>
+      </p:bgPr>
+    </p:bg>
+    <p:spTree>
+      <p:nvGrpSpPr>
+        <p:cNvPr id="1" name=""/>
+        <p:cNvGrpSpPr/>
+        <p:nvPr/>
+      </p:nvGrpSpPr>
+      <p:grpSpPr>
+        <a:xfrm>
+          <a:off x="0" y="0"/>
+          <a:ext cx="0" cy="0"/>
+          <a:chOff x="0" y="0"/>
+          <a:chExt cx="0" cy="0"/>
+        </a:xfrm>
+      </p:grpSpPr>
+      <p:sp>
+        <p:nvSpPr>
+          <p:cNvPr id="2" name="Título 1">
+            <a:extLst>
+              <a:ext uri="{FF2B5EF4-FFF2-40B4-BE49-F238E27FC236}">
+                <a16:creationId xmlns:a16="http://schemas.microsoft.com/office/drawing/2014/main" id="{C65A0631-47E2-4854-94DA-DD27A379FEF1}"/>
+              </a:ext>
+            </a:extLst>
+          </p:cNvPr>
+          <p:cNvSpPr>
+            <a:spLocks noGrp="1"/>
+          </p:cNvSpPr>
+          <p:nvPr>
+            <p:ph type="title"/>
+          </p:nvPr>
+        </p:nvSpPr>
+        <p:spPr>
+          <a:xfrm>
+            <a:off x="391887" y="309281"/>
+            <a:ext cx="8360228" cy="1160931"/>
+          </a:xfrm>
+        </p:spPr>
+        <p:txBody>
+          <a:bodyPr anchor="ctr">
+            <a:normAutofit fontScale="90000"/>
+          </a:bodyPr>
+          <a:lstStyle/>
+          <a:p>
+            <a:r>
+              <a:rPr lang="es-VE" sz="6000" b="1" dirty="0"/>
+              <a:t>3. CREENCIAS ERRÓNEAS</a:t>
+            </a:r>
+            <a:br>
+              <a:rPr lang="es-VE" sz="6600" b="1" dirty="0"/>
+            </a:br>
+            <a:r>
+              <a:rPr lang="es-VE" b="1" i="1" dirty="0"/>
+              <a:t>3.5.</a:t>
+            </a:r>
+            <a:r>
+              <a:rPr lang="en-US" b="1" i="1" dirty="0"/>
+              <a:t> </a:t>
+            </a:r>
+            <a:r>
+              <a:rPr lang="es-VE" b="1" i="1" dirty="0"/>
+              <a:t>Deísmo</a:t>
+            </a:r>
+            <a:endParaRPr lang="es-VE" sz="6600" b="1" dirty="0"/>
+          </a:p>
+        </p:txBody>
+      </p:sp>
+      <p:sp>
+        <p:nvSpPr>
+          <p:cNvPr id="3" name="Marcador de contenido 2">
+            <a:extLst>
+              <a:ext uri="{FF2B5EF4-FFF2-40B4-BE49-F238E27FC236}">
+                <a16:creationId xmlns:a16="http://schemas.microsoft.com/office/drawing/2014/main" id="{AA130F57-7D31-4139-81B2-4D70486C00F2}"/>
+              </a:ext>
+            </a:extLst>
+          </p:cNvPr>
+          <p:cNvSpPr>
+            <a:spLocks noGrp="1"/>
+          </p:cNvSpPr>
+          <p:nvPr>
+            <p:ph idx="1"/>
+          </p:nvPr>
+        </p:nvSpPr>
+        <p:spPr>
+          <a:xfrm>
+            <a:off x="391887" y="1604685"/>
+            <a:ext cx="8360228" cy="3935505"/>
+          </a:xfrm>
+        </p:spPr>
+        <p:txBody>
+          <a:bodyPr anchor="ctr">
+            <a:normAutofit/>
+          </a:bodyPr>
+          <a:lstStyle/>
+          <a:p>
+            <a:pPr marL="0" indent="0">
+              <a:buNone/>
+            </a:pPr>
+            <a:r>
+              <a:rPr lang="es-VE" dirty="0"/>
+              <a:t>El deísmo admite que </a:t>
+            </a:r>
+            <a:r>
+              <a:rPr lang="es-VE" b="1" dirty="0">
+                <a:solidFill>
+                  <a:schemeClr val="bg1"/>
+                </a:solidFill>
+                <a:highlight>
+                  <a:srgbClr val="FFFF00"/>
+                </a:highlight>
+              </a:rPr>
+              <a:t>hay un Dios personal, que creó al mundo</a:t>
+            </a:r>
+            <a:r>
+              <a:rPr lang="es-VE" dirty="0"/>
+              <a:t>; pero insiste en que después de la creación lo dejó para que </a:t>
+            </a:r>
+            <a:r>
+              <a:rPr lang="es-VE" dirty="0">
+                <a:solidFill>
+                  <a:schemeClr val="bg1"/>
+                </a:solidFill>
+                <a:highlight>
+                  <a:srgbClr val="FFFF00"/>
+                </a:highlight>
+              </a:rPr>
+              <a:t>se gobernara por las leyes naturales</a:t>
+            </a:r>
+            <a:r>
+              <a:rPr lang="es-VE" dirty="0"/>
+              <a:t>. De ahí que no sea posible revelación o milagro alguno. </a:t>
+            </a:r>
+          </a:p>
+          <a:p>
+            <a:pPr marL="0" indent="0">
+              <a:buNone/>
+            </a:pPr>
+            <a:endParaRPr lang="es-VE" dirty="0"/>
+          </a:p>
+          <a:p>
+            <a:pPr marL="0" indent="0">
+              <a:buNone/>
+            </a:pPr>
+            <a:r>
+              <a:rPr lang="es-VE" dirty="0"/>
+              <a:t>Dios está separado del mundo y es realmente superior a él; pero por otra parte, está en el mundo. </a:t>
+            </a:r>
+            <a:r>
+              <a:rPr lang="es-VE" b="1" dirty="0"/>
+              <a:t>Envió al Hijo</a:t>
+            </a:r>
+            <a:r>
+              <a:rPr lang="es-VE" dirty="0"/>
+              <a:t> para que estuviera con nosotros, y </a:t>
+            </a:r>
+            <a:r>
+              <a:rPr lang="es-VE" b="1" dirty="0"/>
+              <a:t>el Hijo envió al Espíritu Santo</a:t>
+            </a:r>
+            <a:r>
+              <a:rPr lang="es-VE" dirty="0"/>
+              <a:t> para que estuviera en nosotros. A la pregunta de </a:t>
+            </a:r>
+            <a:r>
+              <a:rPr lang="es-VE" b="1" dirty="0"/>
+              <a:t>¿está Dios fuera del mundo o en él?</a:t>
+            </a:r>
+            <a:r>
+              <a:rPr lang="es-VE" dirty="0"/>
+              <a:t> la Biblia responde: Está fuera y dentro del mundo.</a:t>
+            </a:r>
+          </a:p>
+        </p:txBody>
+      </p:sp>
+    </p:spTree>
+    <p:extLst>
+      <p:ext uri="{BB962C8B-B14F-4D97-AF65-F5344CB8AC3E}">
+        <p14:creationId xmlns:p14="http://schemas.microsoft.com/office/powerpoint/2010/main" val="2482518816"/>
       </p:ext>
     </p:extLst>
   </p:cSld>
@@ -3389,18 +5504,6 @@
               <a:rPr lang="es-VE" sz="6600" b="1" dirty="0"/>
               <a:t>1. LA EXISTENCIA DE DIOS</a:t>
             </a:r>
-            <a:br>
-              <a:rPr lang="es-VE" sz="6600" b="1" dirty="0"/>
-            </a:br>
-            <a:r>
-              <a:rPr lang="es-VE" b="1" dirty="0"/>
-              <a:t>1.1. </a:t>
-            </a:r>
-            <a:r>
-              <a:rPr lang="es-VE" b="1" i="1" dirty="0"/>
-              <a:t>Su existencia evidente</a:t>
-            </a:r>
-            <a:endParaRPr lang="es-VE" sz="6600" b="1" dirty="0"/>
           </a:p>
         </p:txBody>
       </p:sp>
@@ -3422,8 +5525,8 @@
         </p:nvSpPr>
         <p:spPr>
           <a:xfrm>
-            <a:off x="391887" y="1828800"/>
-            <a:ext cx="8360228" cy="3576917"/>
+            <a:off x="391887" y="1714502"/>
+            <a:ext cx="8360228" cy="3691216"/>
           </a:xfrm>
         </p:spPr>
         <p:txBody>
@@ -3707,8 +5810,8 @@
         </p:nvSpPr>
         <p:spPr>
           <a:xfrm>
-            <a:off x="391887" y="309281"/>
-            <a:ext cx="8360228" cy="1160931"/>
+            <a:off x="228600" y="309281"/>
+            <a:ext cx="8686800" cy="1160931"/>
           </a:xfrm>
         </p:spPr>
         <p:txBody>

--- a/slideshow/Teologia Sistematica y Biblica - Myer Pearlman/Clases/4. Dios.pptx
+++ b/slideshow/Teologia Sistematica y Biblica - Myer Pearlman/Clases/4. Dios.pptx
@@ -21,6 +21,18 @@
     <p:sldId id="271" r:id="rId15"/>
     <p:sldId id="272" r:id="rId16"/>
     <p:sldId id="273" r:id="rId17"/>
+    <p:sldId id="274" r:id="rId18"/>
+    <p:sldId id="275" r:id="rId19"/>
+    <p:sldId id="276" r:id="rId20"/>
+    <p:sldId id="277" r:id="rId21"/>
+    <p:sldId id="278" r:id="rId22"/>
+    <p:sldId id="279" r:id="rId23"/>
+    <p:sldId id="280" r:id="rId24"/>
+    <p:sldId id="281" r:id="rId25"/>
+    <p:sldId id="282" r:id="rId26"/>
+    <p:sldId id="283" r:id="rId27"/>
+    <p:sldId id="284" r:id="rId28"/>
+    <p:sldId id="285" r:id="rId29"/>
   </p:sldIdLst>
   <p:sldSz cx="9144000" cy="5715000" type="screen16x10"/>
   <p:notesSz cx="6858000" cy="9144000"/>
@@ -258,7 +270,7 @@
           <a:p>
             <a:fld id="{50DEE611-8BEF-4990-B4F5-91A0FAC492E5}" type="datetimeFigureOut">
               <a:rPr lang="es-VE" smtClean="0"/>
-              <a:t>5/3/2021</a:t>
+              <a:t>13/3/2021</a:t>
             </a:fld>
             <a:endParaRPr lang="es-VE" dirty="0"/>
           </a:p>
@@ -428,7 +440,7 @@
           <a:p>
             <a:fld id="{50DEE611-8BEF-4990-B4F5-91A0FAC492E5}" type="datetimeFigureOut">
               <a:rPr lang="es-VE" smtClean="0"/>
-              <a:t>5/3/2021</a:t>
+              <a:t>13/3/2021</a:t>
             </a:fld>
             <a:endParaRPr lang="es-VE" dirty="0"/>
           </a:p>
@@ -608,7 +620,7 @@
           <a:p>
             <a:fld id="{50DEE611-8BEF-4990-B4F5-91A0FAC492E5}" type="datetimeFigureOut">
               <a:rPr lang="es-VE" smtClean="0"/>
-              <a:t>5/3/2021</a:t>
+              <a:t>13/3/2021</a:t>
             </a:fld>
             <a:endParaRPr lang="es-VE" dirty="0"/>
           </a:p>
@@ -778,7 +790,7 @@
           <a:p>
             <a:fld id="{50DEE611-8BEF-4990-B4F5-91A0FAC492E5}" type="datetimeFigureOut">
               <a:rPr lang="es-VE" smtClean="0"/>
-              <a:t>5/3/2021</a:t>
+              <a:t>13/3/2021</a:t>
             </a:fld>
             <a:endParaRPr lang="es-VE" dirty="0"/>
           </a:p>
@@ -1024,7 +1036,7 @@
           <a:p>
             <a:fld id="{50DEE611-8BEF-4990-B4F5-91A0FAC492E5}" type="datetimeFigureOut">
               <a:rPr lang="es-VE" smtClean="0"/>
-              <a:t>5/3/2021</a:t>
+              <a:t>13/3/2021</a:t>
             </a:fld>
             <a:endParaRPr lang="es-VE" dirty="0"/>
           </a:p>
@@ -1256,7 +1268,7 @@
           <a:p>
             <a:fld id="{50DEE611-8BEF-4990-B4F5-91A0FAC492E5}" type="datetimeFigureOut">
               <a:rPr lang="es-VE" smtClean="0"/>
-              <a:t>5/3/2021</a:t>
+              <a:t>13/3/2021</a:t>
             </a:fld>
             <a:endParaRPr lang="es-VE" dirty="0"/>
           </a:p>
@@ -1623,7 +1635,7 @@
           <a:p>
             <a:fld id="{50DEE611-8BEF-4990-B4F5-91A0FAC492E5}" type="datetimeFigureOut">
               <a:rPr lang="es-VE" smtClean="0"/>
-              <a:t>5/3/2021</a:t>
+              <a:t>13/3/2021</a:t>
             </a:fld>
             <a:endParaRPr lang="es-VE" dirty="0"/>
           </a:p>
@@ -1741,7 +1753,7 @@
           <a:p>
             <a:fld id="{50DEE611-8BEF-4990-B4F5-91A0FAC492E5}" type="datetimeFigureOut">
               <a:rPr lang="es-VE" smtClean="0"/>
-              <a:t>5/3/2021</a:t>
+              <a:t>13/3/2021</a:t>
             </a:fld>
             <a:endParaRPr lang="es-VE" dirty="0"/>
           </a:p>
@@ -1836,7 +1848,7 @@
           <a:p>
             <a:fld id="{50DEE611-8BEF-4990-B4F5-91A0FAC492E5}" type="datetimeFigureOut">
               <a:rPr lang="es-VE" smtClean="0"/>
-              <a:t>5/3/2021</a:t>
+              <a:t>13/3/2021</a:t>
             </a:fld>
             <a:endParaRPr lang="es-VE" dirty="0"/>
           </a:p>
@@ -2113,7 +2125,7 @@
           <a:p>
             <a:fld id="{50DEE611-8BEF-4990-B4F5-91A0FAC492E5}" type="datetimeFigureOut">
               <a:rPr lang="es-VE" smtClean="0"/>
-              <a:t>5/3/2021</a:t>
+              <a:t>13/3/2021</a:t>
             </a:fld>
             <a:endParaRPr lang="es-VE" dirty="0"/>
           </a:p>
@@ -2370,7 +2382,7 @@
           <a:p>
             <a:fld id="{50DEE611-8BEF-4990-B4F5-91A0FAC492E5}" type="datetimeFigureOut">
               <a:rPr lang="es-VE" smtClean="0"/>
-              <a:t>5/3/2021</a:t>
+              <a:t>13/3/2021</a:t>
             </a:fld>
             <a:endParaRPr lang="es-VE" dirty="0"/>
           </a:p>
@@ -2586,7 +2598,7 @@
           <a:p>
             <a:fld id="{50DEE611-8BEF-4990-B4F5-91A0FAC492E5}" type="datetimeFigureOut">
               <a:rPr lang="es-VE" smtClean="0"/>
-              <a:t>5/3/2021</a:t>
+              <a:t>13/3/2021</a:t>
             </a:fld>
             <a:endParaRPr lang="es-VE" dirty="0"/>
           </a:p>
@@ -5322,7 +5334,7 @@
 </p:sld>
 </file>
 
-<file path=ppt/slides/slide2.xml><?xml version="1.0" encoding="utf-8"?>
+<file path=ppt/slides/slide17.xml><?xml version="1.0" encoding="utf-8"?>
 <p:sld xmlns:a="http://schemas.openxmlformats.org/drawingml/2006/main" xmlns:r="http://schemas.openxmlformats.org/officeDocument/2006/relationships" xmlns:p="http://schemas.openxmlformats.org/presentationml/2006/main">
   <p:cSld>
     <p:bg>
@@ -5330,22 +5342,22 @@
         <a:gradFill flip="none" rotWithShape="1">
           <a:gsLst>
             <a:gs pos="0">
-              <a:schemeClr val="accent1">
+              <a:schemeClr val="accent3">
                 <a:lumMod val="89000"/>
               </a:schemeClr>
             </a:gs>
             <a:gs pos="23000">
-              <a:schemeClr val="accent1">
+              <a:schemeClr val="accent3">
                 <a:lumMod val="89000"/>
               </a:schemeClr>
             </a:gs>
             <a:gs pos="69000">
-              <a:schemeClr val="accent1">
+              <a:schemeClr val="accent3">
                 <a:lumMod val="75000"/>
               </a:schemeClr>
             </a:gs>
             <a:gs pos="97000">
-              <a:schemeClr val="accent1">
+              <a:schemeClr val="accent3">
                 <a:lumMod val="70000"/>
               </a:schemeClr>
             </a:gs>
@@ -5401,6 +5413,525 @@
           <a:lstStyle/>
           <a:p>
             <a:r>
+              <a:rPr lang="es-VE" sz="8000" b="1" dirty="0">
+                <a:latin typeface="+mn-lt"/>
+              </a:rPr>
+              <a:t>3. LOS ATRIBUTOS DE DIOS</a:t>
+            </a:r>
+          </a:p>
+        </p:txBody>
+      </p:sp>
+    </p:spTree>
+    <p:extLst>
+      <p:ext uri="{BB962C8B-B14F-4D97-AF65-F5344CB8AC3E}">
+        <p14:creationId xmlns:p14="http://schemas.microsoft.com/office/powerpoint/2010/main" val="3621874"/>
+      </p:ext>
+    </p:extLst>
+  </p:cSld>
+  <p:clrMapOvr>
+    <a:masterClrMapping/>
+  </p:clrMapOvr>
+</p:sld>
+</file>
+
+<file path=ppt/slides/slide18.xml><?xml version="1.0" encoding="utf-8"?>
+<p:sld xmlns:a="http://schemas.openxmlformats.org/drawingml/2006/main" xmlns:r="http://schemas.openxmlformats.org/officeDocument/2006/relationships" xmlns:p="http://schemas.openxmlformats.org/presentationml/2006/main">
+  <p:cSld>
+    <p:bg>
+      <p:bgPr>
+        <a:gradFill flip="none" rotWithShape="1">
+          <a:gsLst>
+            <a:gs pos="0">
+              <a:schemeClr val="accent3">
+                <a:lumMod val="89000"/>
+              </a:schemeClr>
+            </a:gs>
+            <a:gs pos="23000">
+              <a:schemeClr val="accent3">
+                <a:lumMod val="89000"/>
+              </a:schemeClr>
+            </a:gs>
+            <a:gs pos="69000">
+              <a:schemeClr val="accent3">
+                <a:lumMod val="75000"/>
+              </a:schemeClr>
+            </a:gs>
+            <a:gs pos="97000">
+              <a:schemeClr val="accent3">
+                <a:lumMod val="70000"/>
+              </a:schemeClr>
+            </a:gs>
+          </a:gsLst>
+          <a:path path="circle">
+            <a:fillToRect l="50000" t="50000" r="50000" b="50000"/>
+          </a:path>
+          <a:tileRect/>
+        </a:gradFill>
+        <a:effectLst/>
+      </p:bgPr>
+    </p:bg>
+    <p:spTree>
+      <p:nvGrpSpPr>
+        <p:cNvPr id="1" name=""/>
+        <p:cNvGrpSpPr/>
+        <p:nvPr/>
+      </p:nvGrpSpPr>
+      <p:grpSpPr>
+        <a:xfrm>
+          <a:off x="0" y="0"/>
+          <a:ext cx="0" cy="0"/>
+          <a:chOff x="0" y="0"/>
+          <a:chExt cx="0" cy="0"/>
+        </a:xfrm>
+      </p:grpSpPr>
+      <p:sp>
+        <p:nvSpPr>
+          <p:cNvPr id="2" name="Título 1">
+            <a:extLst>
+              <a:ext uri="{FF2B5EF4-FFF2-40B4-BE49-F238E27FC236}">
+                <a16:creationId xmlns:a16="http://schemas.microsoft.com/office/drawing/2014/main" id="{C65A0631-47E2-4854-94DA-DD27A379FEF1}"/>
+              </a:ext>
+            </a:extLst>
+          </p:cNvPr>
+          <p:cNvSpPr>
+            <a:spLocks noGrp="1"/>
+          </p:cNvSpPr>
+          <p:nvPr>
+            <p:ph type="title"/>
+          </p:nvPr>
+        </p:nvSpPr>
+        <p:spPr>
+          <a:xfrm>
+            <a:off x="228600" y="309281"/>
+            <a:ext cx="8686800" cy="1187009"/>
+          </a:xfrm>
+        </p:spPr>
+        <p:txBody>
+          <a:bodyPr anchor="ctr">
+            <a:normAutofit fontScale="90000"/>
+          </a:bodyPr>
+          <a:lstStyle/>
+          <a:p>
+            <a:r>
+              <a:rPr lang="es-VE" sz="6000" b="1" dirty="0"/>
+              <a:t>3. LOS ATRIBUTOS DE DIOS</a:t>
+            </a:r>
+            <a:br>
+              <a:rPr lang="es-VE" sz="6000" b="1" dirty="0"/>
+            </a:br>
+            <a:r>
+              <a:rPr lang="es-VE" sz="3100" b="1" dirty="0">
+                <a:solidFill>
+                  <a:srgbClr val="FFFF00"/>
+                </a:solidFill>
+              </a:rPr>
+              <a:t>Introducción</a:t>
+            </a:r>
+            <a:endParaRPr lang="es-VE" sz="6600" b="1" dirty="0">
+              <a:solidFill>
+                <a:srgbClr val="FFFF00"/>
+              </a:solidFill>
+            </a:endParaRPr>
+          </a:p>
+        </p:txBody>
+      </p:sp>
+      <p:sp>
+        <p:nvSpPr>
+          <p:cNvPr id="3" name="Marcador de contenido 2">
+            <a:extLst>
+              <a:ext uri="{FF2B5EF4-FFF2-40B4-BE49-F238E27FC236}">
+                <a16:creationId xmlns:a16="http://schemas.microsoft.com/office/drawing/2014/main" id="{AA130F57-7D31-4139-81B2-4D70486C00F2}"/>
+              </a:ext>
+            </a:extLst>
+          </p:cNvPr>
+          <p:cNvSpPr>
+            <a:spLocks noGrp="1"/>
+          </p:cNvSpPr>
+          <p:nvPr>
+            <p:ph idx="1"/>
+          </p:nvPr>
+        </p:nvSpPr>
+        <p:spPr>
+          <a:xfrm>
+            <a:off x="228600" y="1496291"/>
+            <a:ext cx="8686800" cy="4043900"/>
+          </a:xfrm>
+        </p:spPr>
+        <p:txBody>
+          <a:bodyPr anchor="ctr">
+            <a:normAutofit/>
+          </a:bodyPr>
+          <a:lstStyle/>
+          <a:p>
+            <a:pPr marL="0" indent="0">
+              <a:buNone/>
+            </a:pPr>
+            <a:r>
+              <a:rPr lang="es-VE" sz="2800" dirty="0">
+                <a:solidFill>
+                  <a:srgbClr val="F2F2F2"/>
+                </a:solidFill>
+              </a:rPr>
+              <a:t>Dios se ha revelado en un idioma que </a:t>
+            </a:r>
+            <a:r>
+              <a:rPr lang="es-VE" sz="2800" b="1" dirty="0">
+                <a:solidFill>
+                  <a:srgbClr val="F2F2F2"/>
+                </a:solidFill>
+              </a:rPr>
+              <a:t>podemos entender</a:t>
+            </a:r>
+            <a:r>
+              <a:rPr lang="es-VE" sz="2800" dirty="0">
+                <a:solidFill>
+                  <a:srgbClr val="F2F2F2"/>
+                </a:solidFill>
+              </a:rPr>
+              <a:t>, y esa revelación está contenida en </a:t>
+            </a:r>
+            <a:r>
+              <a:rPr lang="es-VE" sz="2800" b="1" dirty="0">
+                <a:solidFill>
+                  <a:srgbClr val="F2F2F2"/>
+                </a:solidFill>
+              </a:rPr>
+              <a:t>las Escrituras</a:t>
+            </a:r>
+            <a:r>
+              <a:rPr lang="es-VE" sz="2800" dirty="0">
+                <a:solidFill>
+                  <a:srgbClr val="F2F2F2"/>
+                </a:solidFill>
+              </a:rPr>
+              <a:t>. Por ejemplo, Dios dice de sí mismo: </a:t>
+            </a:r>
+            <a:r>
+              <a:rPr lang="es-VE" sz="2800" b="1" dirty="0">
+                <a:solidFill>
+                  <a:srgbClr val="F2F2F2"/>
+                </a:solidFill>
+              </a:rPr>
+              <a:t>“Yo soy santo.”</a:t>
+            </a:r>
+            <a:r>
+              <a:rPr lang="es-VE" sz="2800" dirty="0">
+                <a:solidFill>
+                  <a:srgbClr val="F2F2F2"/>
+                </a:solidFill>
+              </a:rPr>
+              <a:t> Por lo tanto podemos decir que </a:t>
+            </a:r>
+            <a:r>
+              <a:rPr lang="es-VE" sz="2800" b="1" dirty="0">
+                <a:solidFill>
+                  <a:srgbClr val="F2F2F2"/>
+                </a:solidFill>
+              </a:rPr>
+              <a:t>Dios es santo</a:t>
+            </a:r>
+            <a:r>
+              <a:rPr lang="es-VE" sz="2800" dirty="0">
+                <a:solidFill>
+                  <a:srgbClr val="F2F2F2"/>
+                </a:solidFill>
+              </a:rPr>
+              <a:t>.</a:t>
+            </a:r>
+          </a:p>
+          <a:p>
+            <a:pPr marL="0" indent="0">
+              <a:buNone/>
+            </a:pPr>
+            <a:endParaRPr lang="es-VE" sz="2800" dirty="0">
+              <a:solidFill>
+                <a:srgbClr val="F2F2F2"/>
+              </a:solidFill>
+            </a:endParaRPr>
+          </a:p>
+          <a:p>
+            <a:pPr marL="0" indent="0">
+              <a:buNone/>
+            </a:pPr>
+            <a:r>
+              <a:rPr lang="es-VE" sz="2800" dirty="0">
+                <a:solidFill>
+                  <a:srgbClr val="F2F2F2"/>
+                </a:solidFill>
+              </a:rPr>
+              <a:t>Podemos regular nuestros pensamientos e ideas con respecto a Dios con la ayuda de </a:t>
+            </a:r>
+            <a:r>
+              <a:rPr lang="es-VE" sz="2800" b="1" dirty="0">
+                <a:solidFill>
+                  <a:srgbClr val="F2F2F2"/>
+                </a:solidFill>
+              </a:rPr>
+              <a:t>la revelación que Dios ha dado de sí mismo</a:t>
+            </a:r>
+            <a:r>
+              <a:rPr lang="es-VE" sz="2800" dirty="0">
+                <a:solidFill>
+                  <a:srgbClr val="F2F2F2"/>
+                </a:solidFill>
+              </a:rPr>
+              <a:t>.</a:t>
+            </a:r>
+          </a:p>
+        </p:txBody>
+      </p:sp>
+    </p:spTree>
+    <p:extLst>
+      <p:ext uri="{BB962C8B-B14F-4D97-AF65-F5344CB8AC3E}">
+        <p14:creationId xmlns:p14="http://schemas.microsoft.com/office/powerpoint/2010/main" val="4231446692"/>
+      </p:ext>
+    </p:extLst>
+  </p:cSld>
+  <p:clrMapOvr>
+    <a:masterClrMapping/>
+  </p:clrMapOvr>
+</p:sld>
+</file>
+
+<file path=ppt/slides/slide19.xml><?xml version="1.0" encoding="utf-8"?>
+<p:sld xmlns:a="http://schemas.openxmlformats.org/drawingml/2006/main" xmlns:r="http://schemas.openxmlformats.org/officeDocument/2006/relationships" xmlns:p="http://schemas.openxmlformats.org/presentationml/2006/main">
+  <p:cSld>
+    <p:bg>
+      <p:bgPr>
+        <a:gradFill flip="none" rotWithShape="1">
+          <a:gsLst>
+            <a:gs pos="0">
+              <a:schemeClr val="accent3">
+                <a:lumMod val="89000"/>
+              </a:schemeClr>
+            </a:gs>
+            <a:gs pos="23000">
+              <a:schemeClr val="accent3">
+                <a:lumMod val="89000"/>
+              </a:schemeClr>
+            </a:gs>
+            <a:gs pos="69000">
+              <a:schemeClr val="accent3">
+                <a:lumMod val="75000"/>
+              </a:schemeClr>
+            </a:gs>
+            <a:gs pos="97000">
+              <a:schemeClr val="accent3">
+                <a:lumMod val="70000"/>
+              </a:schemeClr>
+            </a:gs>
+          </a:gsLst>
+          <a:path path="circle">
+            <a:fillToRect l="50000" t="50000" r="50000" b="50000"/>
+          </a:path>
+          <a:tileRect/>
+        </a:gradFill>
+        <a:effectLst/>
+      </p:bgPr>
+    </p:bg>
+    <p:spTree>
+      <p:nvGrpSpPr>
+        <p:cNvPr id="1" name=""/>
+        <p:cNvGrpSpPr/>
+        <p:nvPr/>
+      </p:nvGrpSpPr>
+      <p:grpSpPr>
+        <a:xfrm>
+          <a:off x="0" y="0"/>
+          <a:ext cx="0" cy="0"/>
+          <a:chOff x="0" y="0"/>
+          <a:chExt cx="0" cy="0"/>
+        </a:xfrm>
+      </p:grpSpPr>
+      <p:sp>
+        <p:nvSpPr>
+          <p:cNvPr id="2" name="Título 1">
+            <a:extLst>
+              <a:ext uri="{FF2B5EF4-FFF2-40B4-BE49-F238E27FC236}">
+                <a16:creationId xmlns:a16="http://schemas.microsoft.com/office/drawing/2014/main" id="{C65A0631-47E2-4854-94DA-DD27A379FEF1}"/>
+              </a:ext>
+            </a:extLst>
+          </p:cNvPr>
+          <p:cNvSpPr>
+            <a:spLocks noGrp="1"/>
+          </p:cNvSpPr>
+          <p:nvPr>
+            <p:ph type="title"/>
+          </p:nvPr>
+        </p:nvSpPr>
+        <p:spPr>
+          <a:xfrm>
+            <a:off x="228600" y="309281"/>
+            <a:ext cx="8686800" cy="1160931"/>
+          </a:xfrm>
+        </p:spPr>
+        <p:txBody>
+          <a:bodyPr anchor="ctr">
+            <a:normAutofit fontScale="90000"/>
+          </a:bodyPr>
+          <a:lstStyle/>
+          <a:p>
+            <a:r>
+              <a:rPr lang="es-VE" sz="6000" b="1" dirty="0"/>
+              <a:t>3. LOS ATRIBUTOS DE DIOS</a:t>
+            </a:r>
+            <a:br>
+              <a:rPr lang="es-VE" sz="6600" b="1" dirty="0"/>
+            </a:br>
+            <a:r>
+              <a:rPr lang="es-VE" sz="3100" b="1" dirty="0"/>
+              <a:t>¿Diferencia entre el nombre de Dios y los atributos de Dios?</a:t>
+            </a:r>
+            <a:endParaRPr lang="es-VE" sz="6600" b="1" dirty="0"/>
+          </a:p>
+        </p:txBody>
+      </p:sp>
+      <p:sp>
+        <p:nvSpPr>
+          <p:cNvPr id="3" name="Marcador de contenido 2">
+            <a:extLst>
+              <a:ext uri="{FF2B5EF4-FFF2-40B4-BE49-F238E27FC236}">
+                <a16:creationId xmlns:a16="http://schemas.microsoft.com/office/drawing/2014/main" id="{AA130F57-7D31-4139-81B2-4D70486C00F2}"/>
+              </a:ext>
+            </a:extLst>
+          </p:cNvPr>
+          <p:cNvSpPr>
+            <a:spLocks noGrp="1"/>
+          </p:cNvSpPr>
+          <p:nvPr>
+            <p:ph idx="1"/>
+          </p:nvPr>
+        </p:nvSpPr>
+        <p:spPr>
+          <a:xfrm>
+            <a:off x="228600" y="1604685"/>
+            <a:ext cx="8686800" cy="3935505"/>
+          </a:xfrm>
+        </p:spPr>
+        <p:txBody>
+          <a:bodyPr anchor="ctr">
+            <a:normAutofit/>
+          </a:bodyPr>
+          <a:lstStyle/>
+          <a:p>
+            <a:pPr marL="0" indent="0" algn="ctr">
+              <a:buNone/>
+            </a:pPr>
+            <a:r>
+              <a:rPr lang="es-VE" sz="4000" dirty="0"/>
+              <a:t>El nombre de Dios expresa </a:t>
+            </a:r>
+            <a:r>
+              <a:rPr lang="es-VE" sz="4000" b="1" dirty="0"/>
+              <a:t>todo su ser</a:t>
+            </a:r>
+            <a:r>
+              <a:rPr lang="es-VE" sz="4000" dirty="0"/>
+              <a:t>, mientras que sus </a:t>
+            </a:r>
+            <a:r>
+              <a:rPr lang="es-VE" sz="4000" b="1" dirty="0"/>
+              <a:t>atributos </a:t>
+            </a:r>
+            <a:r>
+              <a:rPr lang="es-VE" sz="4000" dirty="0"/>
+              <a:t>indican varias facetas o aspectos de su carácter.</a:t>
+            </a:r>
+          </a:p>
+        </p:txBody>
+      </p:sp>
+    </p:spTree>
+    <p:extLst>
+      <p:ext uri="{BB962C8B-B14F-4D97-AF65-F5344CB8AC3E}">
+        <p14:creationId xmlns:p14="http://schemas.microsoft.com/office/powerpoint/2010/main" val="94313125"/>
+      </p:ext>
+    </p:extLst>
+  </p:cSld>
+  <p:clrMapOvr>
+    <a:masterClrMapping/>
+  </p:clrMapOvr>
+</p:sld>
+</file>
+
+<file path=ppt/slides/slide2.xml><?xml version="1.0" encoding="utf-8"?>
+<p:sld xmlns:a="http://schemas.openxmlformats.org/drawingml/2006/main" xmlns:r="http://schemas.openxmlformats.org/officeDocument/2006/relationships" xmlns:p="http://schemas.openxmlformats.org/presentationml/2006/main">
+  <p:cSld>
+    <p:bg>
+      <p:bgPr>
+        <a:gradFill flip="none" rotWithShape="1">
+          <a:gsLst>
+            <a:gs pos="0">
+              <a:schemeClr val="accent1">
+                <a:lumMod val="89000"/>
+              </a:schemeClr>
+            </a:gs>
+            <a:gs pos="23000">
+              <a:schemeClr val="accent1">
+                <a:lumMod val="89000"/>
+              </a:schemeClr>
+            </a:gs>
+            <a:gs pos="69000">
+              <a:schemeClr val="accent1">
+                <a:lumMod val="75000"/>
+              </a:schemeClr>
+            </a:gs>
+            <a:gs pos="97000">
+              <a:schemeClr val="accent1">
+                <a:lumMod val="70000"/>
+              </a:schemeClr>
+            </a:gs>
+          </a:gsLst>
+          <a:path path="circle">
+            <a:fillToRect l="50000" t="50000" r="50000" b="50000"/>
+          </a:path>
+          <a:tileRect/>
+        </a:gradFill>
+        <a:effectLst/>
+      </p:bgPr>
+    </p:bg>
+    <p:spTree>
+      <p:nvGrpSpPr>
+        <p:cNvPr id="1" name=""/>
+        <p:cNvGrpSpPr/>
+        <p:nvPr/>
+      </p:nvGrpSpPr>
+      <p:grpSpPr>
+        <a:xfrm>
+          <a:off x="0" y="0"/>
+          <a:ext cx="0" cy="0"/>
+          <a:chOff x="0" y="0"/>
+          <a:chExt cx="0" cy="0"/>
+        </a:xfrm>
+      </p:grpSpPr>
+      <p:sp>
+        <p:nvSpPr>
+          <p:cNvPr id="2" name="Título 1">
+            <a:extLst>
+              <a:ext uri="{FF2B5EF4-FFF2-40B4-BE49-F238E27FC236}">
+                <a16:creationId xmlns:a16="http://schemas.microsoft.com/office/drawing/2014/main" id="{FD39663B-C752-4318-8673-4C9548A38A4C}"/>
+              </a:ext>
+            </a:extLst>
+          </p:cNvPr>
+          <p:cNvSpPr>
+            <a:spLocks noGrp="1"/>
+          </p:cNvSpPr>
+          <p:nvPr>
+            <p:ph type="ctrTitle"/>
+          </p:nvPr>
+        </p:nvSpPr>
+        <p:spPr>
+          <a:xfrm>
+            <a:off x="313766" y="408214"/>
+            <a:ext cx="8516471" cy="4947557"/>
+          </a:xfrm>
+        </p:spPr>
+        <p:txBody>
+          <a:bodyPr anchor="ctr">
+            <a:noAutofit/>
+          </a:bodyPr>
+          <a:lstStyle/>
+          <a:p>
+            <a:r>
               <a:rPr lang="es-VE" sz="8800" b="1" dirty="0">
                 <a:latin typeface="+mn-lt"/>
               </a:rPr>
@@ -5413,6 +5944,2095 @@
     <p:extLst>
       <p:ext uri="{BB962C8B-B14F-4D97-AF65-F5344CB8AC3E}">
         <p14:creationId xmlns:p14="http://schemas.microsoft.com/office/powerpoint/2010/main" val="3365219149"/>
+      </p:ext>
+    </p:extLst>
+  </p:cSld>
+  <p:clrMapOvr>
+    <a:masterClrMapping/>
+  </p:clrMapOvr>
+</p:sld>
+</file>
+
+<file path=ppt/slides/slide20.xml><?xml version="1.0" encoding="utf-8"?>
+<p:sld xmlns:a="http://schemas.openxmlformats.org/drawingml/2006/main" xmlns:r="http://schemas.openxmlformats.org/officeDocument/2006/relationships" xmlns:p="http://schemas.openxmlformats.org/presentationml/2006/main">
+  <p:cSld>
+    <p:bg>
+      <p:bgPr>
+        <a:gradFill flip="none" rotWithShape="1">
+          <a:gsLst>
+            <a:gs pos="0">
+              <a:schemeClr val="accent3">
+                <a:lumMod val="89000"/>
+              </a:schemeClr>
+            </a:gs>
+            <a:gs pos="23000">
+              <a:schemeClr val="accent3">
+                <a:lumMod val="89000"/>
+              </a:schemeClr>
+            </a:gs>
+            <a:gs pos="69000">
+              <a:schemeClr val="accent3">
+                <a:lumMod val="75000"/>
+              </a:schemeClr>
+            </a:gs>
+            <a:gs pos="97000">
+              <a:schemeClr val="accent3">
+                <a:lumMod val="70000"/>
+              </a:schemeClr>
+            </a:gs>
+          </a:gsLst>
+          <a:path path="circle">
+            <a:fillToRect l="50000" t="50000" r="50000" b="50000"/>
+          </a:path>
+          <a:tileRect/>
+        </a:gradFill>
+        <a:effectLst/>
+      </p:bgPr>
+    </p:bg>
+    <p:spTree>
+      <p:nvGrpSpPr>
+        <p:cNvPr id="1" name=""/>
+        <p:cNvGrpSpPr/>
+        <p:nvPr/>
+      </p:nvGrpSpPr>
+      <p:grpSpPr>
+        <a:xfrm>
+          <a:off x="0" y="0"/>
+          <a:ext cx="0" cy="0"/>
+          <a:chOff x="0" y="0"/>
+          <a:chExt cx="0" cy="0"/>
+        </a:xfrm>
+      </p:grpSpPr>
+      <p:sp>
+        <p:nvSpPr>
+          <p:cNvPr id="2" name="Título 1">
+            <a:extLst>
+              <a:ext uri="{FF2B5EF4-FFF2-40B4-BE49-F238E27FC236}">
+                <a16:creationId xmlns:a16="http://schemas.microsoft.com/office/drawing/2014/main" id="{C65A0631-47E2-4854-94DA-DD27A379FEF1}"/>
+              </a:ext>
+            </a:extLst>
+          </p:cNvPr>
+          <p:cNvSpPr>
+            <a:spLocks noGrp="1"/>
+          </p:cNvSpPr>
+          <p:nvPr>
+            <p:ph type="title"/>
+          </p:nvPr>
+        </p:nvSpPr>
+        <p:spPr>
+          <a:xfrm>
+            <a:off x="228600" y="309281"/>
+            <a:ext cx="8686800" cy="1160931"/>
+          </a:xfrm>
+        </p:spPr>
+        <p:txBody>
+          <a:bodyPr anchor="ctr">
+            <a:normAutofit fontScale="90000"/>
+          </a:bodyPr>
+          <a:lstStyle/>
+          <a:p>
+            <a:r>
+              <a:rPr lang="es-VE" sz="6000" b="1" dirty="0"/>
+              <a:t>3. LOS ATRIBUTOS DE DIOS</a:t>
+            </a:r>
+            <a:br>
+              <a:rPr lang="es-VE" sz="6600" b="1" dirty="0"/>
+            </a:br>
+            <a:r>
+              <a:rPr lang="es-VE" sz="3100" b="1" dirty="0"/>
+              <a:t>Tipos de atributos</a:t>
+            </a:r>
+            <a:endParaRPr lang="es-VE" sz="6600" b="1" dirty="0"/>
+          </a:p>
+        </p:txBody>
+      </p:sp>
+      <p:sp>
+        <p:nvSpPr>
+          <p:cNvPr id="3" name="Marcador de contenido 2">
+            <a:extLst>
+              <a:ext uri="{FF2B5EF4-FFF2-40B4-BE49-F238E27FC236}">
+                <a16:creationId xmlns:a16="http://schemas.microsoft.com/office/drawing/2014/main" id="{AA130F57-7D31-4139-81B2-4D70486C00F2}"/>
+              </a:ext>
+            </a:extLst>
+          </p:cNvPr>
+          <p:cNvSpPr>
+            <a:spLocks noGrp="1"/>
+          </p:cNvSpPr>
+          <p:nvPr>
+            <p:ph idx="1"/>
+          </p:nvPr>
+        </p:nvSpPr>
+        <p:spPr>
+          <a:xfrm>
+            <a:off x="228600" y="1862052"/>
+            <a:ext cx="8686800" cy="3420772"/>
+          </a:xfrm>
+        </p:spPr>
+        <p:txBody>
+          <a:bodyPr anchor="ctr">
+            <a:normAutofit/>
+          </a:bodyPr>
+          <a:lstStyle/>
+          <a:p>
+            <a:pPr marL="742950" indent="-742950">
+              <a:buAutoNum type="arabicPeriod"/>
+            </a:pPr>
+            <a:r>
+              <a:rPr lang="es-VE" sz="2800" b="1" dirty="0">
+                <a:solidFill>
+                  <a:srgbClr val="FFFF00"/>
+                </a:solidFill>
+              </a:rPr>
+              <a:t>Atributos no relacionados:</a:t>
+            </a:r>
+            <a:r>
+              <a:rPr lang="es-VE" sz="2800" dirty="0"/>
+              <a:t> lo que Dios es en sí mismo, aparte de la creación. Responden a la siguiente pregunta: ¿Qué cualidades caracterizaron a Dios antes de existir lo creado?</a:t>
+            </a:r>
+          </a:p>
+          <a:p>
+            <a:pPr marL="742950" indent="-742950">
+              <a:buAutoNum type="arabicPeriod"/>
+            </a:pPr>
+            <a:r>
+              <a:rPr lang="es-VE" sz="2800" b="1" dirty="0">
+                <a:solidFill>
+                  <a:srgbClr val="FFFF00"/>
+                </a:solidFill>
+              </a:rPr>
+              <a:t>Atributos activos:</a:t>
+            </a:r>
+            <a:r>
+              <a:rPr lang="es-VE" sz="2800" dirty="0"/>
+              <a:t> lo que Dios es con relación al universo.</a:t>
+            </a:r>
+          </a:p>
+          <a:p>
+            <a:pPr marL="742950" indent="-742950">
+              <a:buAutoNum type="arabicPeriod"/>
+            </a:pPr>
+            <a:r>
+              <a:rPr lang="es-VE" sz="2800" b="1" dirty="0">
+                <a:solidFill>
+                  <a:srgbClr val="FFFF00"/>
+                </a:solidFill>
+              </a:rPr>
+              <a:t>Los atributos morales:</a:t>
+            </a:r>
+            <a:r>
+              <a:rPr lang="es-VE" sz="2800" dirty="0"/>
+              <a:t> lo que Dios es con relación a sus seres morales.</a:t>
+            </a:r>
+          </a:p>
+        </p:txBody>
+      </p:sp>
+    </p:spTree>
+    <p:extLst>
+      <p:ext uri="{BB962C8B-B14F-4D97-AF65-F5344CB8AC3E}">
+        <p14:creationId xmlns:p14="http://schemas.microsoft.com/office/powerpoint/2010/main" val="759576161"/>
+      </p:ext>
+    </p:extLst>
+  </p:cSld>
+  <p:clrMapOvr>
+    <a:masterClrMapping/>
+  </p:clrMapOvr>
+</p:sld>
+</file>
+
+<file path=ppt/slides/slide21.xml><?xml version="1.0" encoding="utf-8"?>
+<p:sld xmlns:a="http://schemas.openxmlformats.org/drawingml/2006/main" xmlns:r="http://schemas.openxmlformats.org/officeDocument/2006/relationships" xmlns:p="http://schemas.openxmlformats.org/presentationml/2006/main">
+  <p:cSld>
+    <p:bg>
+      <p:bgPr>
+        <a:gradFill flip="none" rotWithShape="1">
+          <a:gsLst>
+            <a:gs pos="0">
+              <a:schemeClr val="accent3">
+                <a:lumMod val="89000"/>
+              </a:schemeClr>
+            </a:gs>
+            <a:gs pos="23000">
+              <a:schemeClr val="accent3">
+                <a:lumMod val="89000"/>
+              </a:schemeClr>
+            </a:gs>
+            <a:gs pos="69000">
+              <a:schemeClr val="accent3">
+                <a:lumMod val="75000"/>
+              </a:schemeClr>
+            </a:gs>
+            <a:gs pos="97000">
+              <a:schemeClr val="accent3">
+                <a:lumMod val="70000"/>
+              </a:schemeClr>
+            </a:gs>
+          </a:gsLst>
+          <a:path path="circle">
+            <a:fillToRect l="50000" t="50000" r="50000" b="50000"/>
+          </a:path>
+          <a:tileRect/>
+        </a:gradFill>
+        <a:effectLst/>
+      </p:bgPr>
+    </p:bg>
+    <p:spTree>
+      <p:nvGrpSpPr>
+        <p:cNvPr id="1" name=""/>
+        <p:cNvGrpSpPr/>
+        <p:nvPr/>
+      </p:nvGrpSpPr>
+      <p:grpSpPr>
+        <a:xfrm>
+          <a:off x="0" y="0"/>
+          <a:ext cx="0" cy="0"/>
+          <a:chOff x="0" y="0"/>
+          <a:chExt cx="0" cy="0"/>
+        </a:xfrm>
+      </p:grpSpPr>
+      <p:sp>
+        <p:nvSpPr>
+          <p:cNvPr id="2" name="Título 1">
+            <a:extLst>
+              <a:ext uri="{FF2B5EF4-FFF2-40B4-BE49-F238E27FC236}">
+                <a16:creationId xmlns:a16="http://schemas.microsoft.com/office/drawing/2014/main" id="{C65A0631-47E2-4854-94DA-DD27A379FEF1}"/>
+              </a:ext>
+            </a:extLst>
+          </p:cNvPr>
+          <p:cNvSpPr>
+            <a:spLocks noGrp="1"/>
+          </p:cNvSpPr>
+          <p:nvPr>
+            <p:ph type="title"/>
+          </p:nvPr>
+        </p:nvSpPr>
+        <p:spPr>
+          <a:xfrm>
+            <a:off x="228600" y="309281"/>
+            <a:ext cx="8686800" cy="1519519"/>
+          </a:xfrm>
+        </p:spPr>
+        <p:txBody>
+          <a:bodyPr anchor="ctr">
+            <a:normAutofit fontScale="90000"/>
+          </a:bodyPr>
+          <a:lstStyle/>
+          <a:p>
+            <a:r>
+              <a:rPr lang="es-VE" sz="6000" b="1" dirty="0"/>
+              <a:t>3. LOS ATRIBUTOS DE DIOS</a:t>
+            </a:r>
+            <a:br>
+              <a:rPr lang="es-VE" sz="6600" b="1" dirty="0"/>
+            </a:br>
+            <a:r>
+              <a:rPr lang="es-VE" sz="3200" b="1" dirty="0"/>
+              <a:t>3.1 Atributos no relacionados</a:t>
+            </a:r>
+            <a:br>
+              <a:rPr lang="es-VE" sz="3200" b="1" dirty="0"/>
+            </a:br>
+            <a:r>
+              <a:rPr lang="es-VE" sz="2700" b="1" dirty="0">
+                <a:solidFill>
+                  <a:srgbClr val="FFFF00"/>
+                </a:solidFill>
+              </a:rPr>
+              <a:t>3.1.1. Espiritualidad</a:t>
+            </a:r>
+            <a:endParaRPr lang="es-VE" sz="6600" b="1" dirty="0">
+              <a:solidFill>
+                <a:srgbClr val="FFFF00"/>
+              </a:solidFill>
+            </a:endParaRPr>
+          </a:p>
+        </p:txBody>
+      </p:sp>
+      <p:sp>
+        <p:nvSpPr>
+          <p:cNvPr id="3" name="Marcador de contenido 2">
+            <a:extLst>
+              <a:ext uri="{FF2B5EF4-FFF2-40B4-BE49-F238E27FC236}">
+                <a16:creationId xmlns:a16="http://schemas.microsoft.com/office/drawing/2014/main" id="{AA130F57-7D31-4139-81B2-4D70486C00F2}"/>
+              </a:ext>
+            </a:extLst>
+          </p:cNvPr>
+          <p:cNvSpPr>
+            <a:spLocks noGrp="1"/>
+          </p:cNvSpPr>
+          <p:nvPr>
+            <p:ph idx="1"/>
+          </p:nvPr>
+        </p:nvSpPr>
+        <p:spPr>
+          <a:xfrm>
+            <a:off x="228600" y="1945178"/>
+            <a:ext cx="8686800" cy="3460540"/>
+          </a:xfrm>
+        </p:spPr>
+        <p:txBody>
+          <a:bodyPr anchor="ctr">
+            <a:normAutofit lnSpcReduction="10000"/>
+          </a:bodyPr>
+          <a:lstStyle/>
+          <a:p>
+            <a:pPr marL="0" indent="0">
+              <a:buNone/>
+            </a:pPr>
+            <a:r>
+              <a:rPr lang="es-VE" sz="2800" dirty="0"/>
+              <a:t>Dios es Espíritu </a:t>
+            </a:r>
+            <a:r>
+              <a:rPr lang="es-VE" sz="2800" b="1" dirty="0">
+                <a:solidFill>
+                  <a:srgbClr val="FFFF00"/>
+                </a:solidFill>
+              </a:rPr>
+              <a:t>[</a:t>
+            </a:r>
+            <a:r>
+              <a:rPr lang="es-VE" sz="2800" b="1" dirty="0" err="1">
+                <a:solidFill>
+                  <a:srgbClr val="FFFF00"/>
+                </a:solidFill>
+              </a:rPr>
+              <a:t>Jn</a:t>
+            </a:r>
+            <a:r>
+              <a:rPr lang="es-VE" sz="2800" b="1" dirty="0">
+                <a:solidFill>
+                  <a:srgbClr val="FFFF00"/>
+                </a:solidFill>
+              </a:rPr>
+              <a:t> 4:24]</a:t>
+            </a:r>
+            <a:r>
+              <a:rPr lang="es-VE" sz="2800" dirty="0"/>
+              <a:t> y como Espíritu, Dios no está sujeto a las </a:t>
+            </a:r>
+            <a:r>
+              <a:rPr lang="es-VE" sz="2800" b="1" dirty="0"/>
+              <a:t>limitaciones</a:t>
+            </a:r>
+            <a:r>
+              <a:rPr lang="es-VE" sz="2800" dirty="0"/>
+              <a:t> que por tener cuerpo sufren los seres humanos.</a:t>
+            </a:r>
+          </a:p>
+          <a:p>
+            <a:pPr marL="0" indent="0">
+              <a:buNone/>
+            </a:pPr>
+            <a:endParaRPr lang="es-VE" sz="2800" dirty="0"/>
+          </a:p>
+          <a:p>
+            <a:pPr marL="0" indent="0">
+              <a:buNone/>
+            </a:pPr>
+            <a:r>
+              <a:rPr lang="es-VE" sz="2800" dirty="0"/>
+              <a:t>No posee miembros corporales o pasiones, no está compuesto de </a:t>
+            </a:r>
+            <a:r>
+              <a:rPr lang="es-VE" sz="2800" b="1" dirty="0"/>
+              <a:t>elementos materiales</a:t>
+            </a:r>
+            <a:r>
+              <a:rPr lang="es-VE" sz="2800" dirty="0"/>
+              <a:t>, y no está sujeto a las condiciones de la </a:t>
+            </a:r>
+            <a:r>
+              <a:rPr lang="es-VE" sz="2800" b="1" dirty="0"/>
+              <a:t>existencia natural</a:t>
+            </a:r>
+            <a:r>
+              <a:rPr lang="es-VE" sz="2800" dirty="0"/>
+              <a:t>. De ahí que no pueda ser visto con ojos naturales o comprendido por los sentidos naturales.</a:t>
+            </a:r>
+          </a:p>
+        </p:txBody>
+      </p:sp>
+    </p:spTree>
+    <p:extLst>
+      <p:ext uri="{BB962C8B-B14F-4D97-AF65-F5344CB8AC3E}">
+        <p14:creationId xmlns:p14="http://schemas.microsoft.com/office/powerpoint/2010/main" val="229912469"/>
+      </p:ext>
+    </p:extLst>
+  </p:cSld>
+  <p:clrMapOvr>
+    <a:masterClrMapping/>
+  </p:clrMapOvr>
+</p:sld>
+</file>
+
+<file path=ppt/slides/slide22.xml><?xml version="1.0" encoding="utf-8"?>
+<p:sld xmlns:a="http://schemas.openxmlformats.org/drawingml/2006/main" xmlns:r="http://schemas.openxmlformats.org/officeDocument/2006/relationships" xmlns:p="http://schemas.openxmlformats.org/presentationml/2006/main">
+  <p:cSld>
+    <p:bg>
+      <p:bgPr>
+        <a:gradFill flip="none" rotWithShape="1">
+          <a:gsLst>
+            <a:gs pos="0">
+              <a:schemeClr val="accent3">
+                <a:lumMod val="89000"/>
+              </a:schemeClr>
+            </a:gs>
+            <a:gs pos="23000">
+              <a:schemeClr val="accent3">
+                <a:lumMod val="89000"/>
+              </a:schemeClr>
+            </a:gs>
+            <a:gs pos="69000">
+              <a:schemeClr val="accent3">
+                <a:lumMod val="75000"/>
+              </a:schemeClr>
+            </a:gs>
+            <a:gs pos="97000">
+              <a:schemeClr val="accent3">
+                <a:lumMod val="70000"/>
+              </a:schemeClr>
+            </a:gs>
+          </a:gsLst>
+          <a:path path="circle">
+            <a:fillToRect l="50000" t="50000" r="50000" b="50000"/>
+          </a:path>
+          <a:tileRect/>
+        </a:gradFill>
+        <a:effectLst/>
+      </p:bgPr>
+    </p:bg>
+    <p:spTree>
+      <p:nvGrpSpPr>
+        <p:cNvPr id="1" name=""/>
+        <p:cNvGrpSpPr/>
+        <p:nvPr/>
+      </p:nvGrpSpPr>
+      <p:grpSpPr>
+        <a:xfrm>
+          <a:off x="0" y="0"/>
+          <a:ext cx="0" cy="0"/>
+          <a:chOff x="0" y="0"/>
+          <a:chExt cx="0" cy="0"/>
+        </a:xfrm>
+      </p:grpSpPr>
+      <p:sp>
+        <p:nvSpPr>
+          <p:cNvPr id="2" name="Título 1">
+            <a:extLst>
+              <a:ext uri="{FF2B5EF4-FFF2-40B4-BE49-F238E27FC236}">
+                <a16:creationId xmlns:a16="http://schemas.microsoft.com/office/drawing/2014/main" id="{C65A0631-47E2-4854-94DA-DD27A379FEF1}"/>
+              </a:ext>
+            </a:extLst>
+          </p:cNvPr>
+          <p:cNvSpPr>
+            <a:spLocks noGrp="1"/>
+          </p:cNvSpPr>
+          <p:nvPr>
+            <p:ph type="title"/>
+          </p:nvPr>
+        </p:nvSpPr>
+        <p:spPr>
+          <a:xfrm>
+            <a:off x="228600" y="309281"/>
+            <a:ext cx="8686800" cy="1519519"/>
+          </a:xfrm>
+        </p:spPr>
+        <p:txBody>
+          <a:bodyPr anchor="ctr">
+            <a:normAutofit fontScale="90000"/>
+          </a:bodyPr>
+          <a:lstStyle/>
+          <a:p>
+            <a:r>
+              <a:rPr lang="es-VE" sz="6000" b="1" dirty="0"/>
+              <a:t>3. LOS ATRIBUTOS DE DIOS</a:t>
+            </a:r>
+            <a:br>
+              <a:rPr lang="es-VE" sz="6600" b="1" dirty="0"/>
+            </a:br>
+            <a:r>
+              <a:rPr lang="es-VE" sz="3200" b="1" dirty="0"/>
+              <a:t>3.1 Atributos no relacionados</a:t>
+            </a:r>
+            <a:br>
+              <a:rPr lang="es-VE" sz="3200" b="1" dirty="0"/>
+            </a:br>
+            <a:r>
+              <a:rPr lang="es-VE" sz="2700" b="1" dirty="0">
+                <a:solidFill>
+                  <a:srgbClr val="FFFF00"/>
+                </a:solidFill>
+              </a:rPr>
+              <a:t>3.1.2. Infinidad</a:t>
+            </a:r>
+            <a:endParaRPr lang="es-VE" sz="6600" b="1" dirty="0">
+              <a:solidFill>
+                <a:srgbClr val="FFFF00"/>
+              </a:solidFill>
+            </a:endParaRPr>
+          </a:p>
+        </p:txBody>
+      </p:sp>
+      <p:sp>
+        <p:nvSpPr>
+          <p:cNvPr id="3" name="Marcador de contenido 2">
+            <a:extLst>
+              <a:ext uri="{FF2B5EF4-FFF2-40B4-BE49-F238E27FC236}">
+                <a16:creationId xmlns:a16="http://schemas.microsoft.com/office/drawing/2014/main" id="{AA130F57-7D31-4139-81B2-4D70486C00F2}"/>
+              </a:ext>
+            </a:extLst>
+          </p:cNvPr>
+          <p:cNvSpPr>
+            <a:spLocks noGrp="1"/>
+          </p:cNvSpPr>
+          <p:nvPr>
+            <p:ph idx="1"/>
+          </p:nvPr>
+        </p:nvSpPr>
+        <p:spPr>
+          <a:xfrm>
+            <a:off x="228600" y="1945178"/>
+            <a:ext cx="8686800" cy="3460540"/>
+          </a:xfrm>
+        </p:spPr>
+        <p:txBody>
+          <a:bodyPr anchor="ctr">
+            <a:normAutofit/>
+          </a:bodyPr>
+          <a:lstStyle/>
+          <a:p>
+            <a:pPr marL="0" indent="0">
+              <a:buNone/>
+            </a:pPr>
+            <a:r>
+              <a:rPr lang="es-VE" sz="2800" dirty="0"/>
+              <a:t>En la </a:t>
+            </a:r>
+            <a:r>
+              <a:rPr lang="es-VE" sz="2800" b="1" dirty="0"/>
+              <a:t>infinidad</a:t>
+            </a:r>
+            <a:r>
+              <a:rPr lang="es-VE" sz="2800" dirty="0"/>
+              <a:t> se implica que </a:t>
+            </a:r>
+            <a:r>
+              <a:rPr lang="es-VE" sz="2800" b="1" dirty="0"/>
+              <a:t>Dios no puede estar limitado</a:t>
+            </a:r>
+            <a:r>
+              <a:rPr lang="es-VE" sz="2800" dirty="0"/>
+              <a:t> por el Universo, por el tiempo, por el espacio ni confinado de ninguna forma a su creación </a:t>
+            </a:r>
+            <a:r>
+              <a:rPr lang="es-VE" sz="2800" b="1" dirty="0">
+                <a:solidFill>
+                  <a:srgbClr val="FFFF00"/>
+                </a:solidFill>
+              </a:rPr>
+              <a:t>[1Re 8:27]</a:t>
+            </a:r>
+            <a:r>
+              <a:rPr lang="es-VE" sz="2800" dirty="0"/>
+              <a:t>.</a:t>
+            </a:r>
+          </a:p>
+          <a:p>
+            <a:pPr marL="0" indent="0">
+              <a:buNone/>
+            </a:pPr>
+            <a:endParaRPr lang="es-VE" sz="2800" dirty="0"/>
+          </a:p>
+          <a:p>
+            <a:pPr marL="0" indent="0">
+              <a:buNone/>
+            </a:pPr>
+            <a:r>
+              <a:rPr lang="es-VE" sz="2800" dirty="0"/>
+              <a:t>Pensemos por contraste en el ser humano, </a:t>
+            </a:r>
+            <a:r>
+              <a:rPr lang="es-VE" sz="2800" b="1" dirty="0"/>
+              <a:t>finito</a:t>
+            </a:r>
+            <a:r>
+              <a:rPr lang="es-VE" sz="2800" dirty="0"/>
+              <a:t>, con una existencia limitada por el tiempo y el espacio. </a:t>
+            </a:r>
+            <a:r>
+              <a:rPr lang="es-VE" sz="2800" b="1" dirty="0"/>
+              <a:t>Para Dios esas limitaciones no aplican</a:t>
+            </a:r>
+            <a:r>
+              <a:rPr lang="es-VE" sz="2800" dirty="0"/>
+              <a:t>.</a:t>
+            </a:r>
+            <a:endParaRPr lang="es-VE" sz="3600" dirty="0"/>
+          </a:p>
+        </p:txBody>
+      </p:sp>
+    </p:spTree>
+    <p:extLst>
+      <p:ext uri="{BB962C8B-B14F-4D97-AF65-F5344CB8AC3E}">
+        <p14:creationId xmlns:p14="http://schemas.microsoft.com/office/powerpoint/2010/main" val="3119814520"/>
+      </p:ext>
+    </p:extLst>
+  </p:cSld>
+  <p:clrMapOvr>
+    <a:masterClrMapping/>
+  </p:clrMapOvr>
+</p:sld>
+</file>
+
+<file path=ppt/slides/slide23.xml><?xml version="1.0" encoding="utf-8"?>
+<p:sld xmlns:a="http://schemas.openxmlformats.org/drawingml/2006/main" xmlns:r="http://schemas.openxmlformats.org/officeDocument/2006/relationships" xmlns:p="http://schemas.openxmlformats.org/presentationml/2006/main">
+  <p:cSld>
+    <p:bg>
+      <p:bgPr>
+        <a:gradFill flip="none" rotWithShape="1">
+          <a:gsLst>
+            <a:gs pos="0">
+              <a:schemeClr val="accent3">
+                <a:lumMod val="89000"/>
+              </a:schemeClr>
+            </a:gs>
+            <a:gs pos="23000">
+              <a:schemeClr val="accent3">
+                <a:lumMod val="89000"/>
+              </a:schemeClr>
+            </a:gs>
+            <a:gs pos="69000">
+              <a:schemeClr val="accent3">
+                <a:lumMod val="75000"/>
+              </a:schemeClr>
+            </a:gs>
+            <a:gs pos="97000">
+              <a:schemeClr val="accent3">
+                <a:lumMod val="70000"/>
+              </a:schemeClr>
+            </a:gs>
+          </a:gsLst>
+          <a:path path="circle">
+            <a:fillToRect l="50000" t="50000" r="50000" b="50000"/>
+          </a:path>
+          <a:tileRect/>
+        </a:gradFill>
+        <a:effectLst/>
+      </p:bgPr>
+    </p:bg>
+    <p:spTree>
+      <p:nvGrpSpPr>
+        <p:cNvPr id="1" name=""/>
+        <p:cNvGrpSpPr/>
+        <p:nvPr/>
+      </p:nvGrpSpPr>
+      <p:grpSpPr>
+        <a:xfrm>
+          <a:off x="0" y="0"/>
+          <a:ext cx="0" cy="0"/>
+          <a:chOff x="0" y="0"/>
+          <a:chExt cx="0" cy="0"/>
+        </a:xfrm>
+      </p:grpSpPr>
+      <p:sp>
+        <p:nvSpPr>
+          <p:cNvPr id="2" name="Título 1">
+            <a:extLst>
+              <a:ext uri="{FF2B5EF4-FFF2-40B4-BE49-F238E27FC236}">
+                <a16:creationId xmlns:a16="http://schemas.microsoft.com/office/drawing/2014/main" id="{C65A0631-47E2-4854-94DA-DD27A379FEF1}"/>
+              </a:ext>
+            </a:extLst>
+          </p:cNvPr>
+          <p:cNvSpPr>
+            <a:spLocks noGrp="1"/>
+          </p:cNvSpPr>
+          <p:nvPr>
+            <p:ph type="title"/>
+          </p:nvPr>
+        </p:nvSpPr>
+        <p:spPr>
+          <a:xfrm>
+            <a:off x="228600" y="309281"/>
+            <a:ext cx="8686800" cy="1519519"/>
+          </a:xfrm>
+        </p:spPr>
+        <p:txBody>
+          <a:bodyPr anchor="ctr">
+            <a:normAutofit fontScale="90000"/>
+          </a:bodyPr>
+          <a:lstStyle/>
+          <a:p>
+            <a:r>
+              <a:rPr lang="es-VE" sz="6000" b="1" dirty="0"/>
+              <a:t>3. LOS ATRIBUTOS DE DIOS</a:t>
+            </a:r>
+            <a:br>
+              <a:rPr lang="es-VE" sz="6600" b="1" dirty="0"/>
+            </a:br>
+            <a:r>
+              <a:rPr lang="es-VE" sz="3200" b="1" dirty="0"/>
+              <a:t>3.1 Atributos no relacionados</a:t>
+            </a:r>
+            <a:br>
+              <a:rPr lang="es-VE" sz="3200" b="1" dirty="0"/>
+            </a:br>
+            <a:r>
+              <a:rPr lang="es-VE" sz="2700" b="1" dirty="0">
+                <a:solidFill>
+                  <a:srgbClr val="FFFF00"/>
+                </a:solidFill>
+              </a:rPr>
+              <a:t>3.1.2. Unidad y unicidad</a:t>
+            </a:r>
+            <a:endParaRPr lang="es-VE" sz="6600" b="1" dirty="0">
+              <a:solidFill>
+                <a:srgbClr val="FFFF00"/>
+              </a:solidFill>
+            </a:endParaRPr>
+          </a:p>
+        </p:txBody>
+      </p:sp>
+      <p:sp>
+        <p:nvSpPr>
+          <p:cNvPr id="3" name="Marcador de contenido 2">
+            <a:extLst>
+              <a:ext uri="{FF2B5EF4-FFF2-40B4-BE49-F238E27FC236}">
+                <a16:creationId xmlns:a16="http://schemas.microsoft.com/office/drawing/2014/main" id="{AA130F57-7D31-4139-81B2-4D70486C00F2}"/>
+              </a:ext>
+            </a:extLst>
+          </p:cNvPr>
+          <p:cNvSpPr>
+            <a:spLocks noGrp="1"/>
+          </p:cNvSpPr>
+          <p:nvPr>
+            <p:ph idx="1"/>
+          </p:nvPr>
+        </p:nvSpPr>
+        <p:spPr>
+          <a:xfrm>
+            <a:off x="228600" y="1945178"/>
+            <a:ext cx="8686800" cy="3460540"/>
+          </a:xfrm>
+        </p:spPr>
+        <p:txBody>
+          <a:bodyPr anchor="ctr">
+            <a:normAutofit/>
+          </a:bodyPr>
+          <a:lstStyle/>
+          <a:p>
+            <a:pPr marL="0" indent="0">
+              <a:buNone/>
+            </a:pPr>
+            <a:r>
+              <a:rPr lang="es-VE" sz="2800" dirty="0"/>
+              <a:t>Dios es numéricamente uno </a:t>
+            </a:r>
+            <a:r>
+              <a:rPr lang="es-VE" sz="2800" b="1" dirty="0"/>
+              <a:t>(unidad)</a:t>
+            </a:r>
+            <a:r>
+              <a:rPr lang="es-VE" sz="2800" dirty="0"/>
+              <a:t> y que en su carácter es único </a:t>
+            </a:r>
+            <a:r>
+              <a:rPr lang="es-VE" sz="2800" b="1" dirty="0"/>
+              <a:t>(unicidad)</a:t>
+            </a:r>
+            <a:r>
+              <a:rPr lang="es-VE" sz="2800" dirty="0"/>
+              <a:t>. Implica que no hay sino un solo Ser Divino, que la naturaleza del caso exige que haya solamente uno, y que todos los otros seres tiene su existencia </a:t>
+            </a:r>
+            <a:r>
+              <a:rPr lang="es-VE" sz="2800" b="1" dirty="0"/>
+              <a:t>de El, por El y par El</a:t>
+            </a:r>
+            <a:r>
+              <a:rPr lang="es-VE" sz="2800" dirty="0"/>
+              <a:t>.</a:t>
+            </a:r>
+          </a:p>
+          <a:p>
+            <a:pPr marL="0" indent="0">
+              <a:buNone/>
+            </a:pPr>
+            <a:endParaRPr lang="es-VE" sz="2800" dirty="0"/>
+          </a:p>
+          <a:p>
+            <a:pPr marL="0" indent="0">
+              <a:buNone/>
+            </a:pPr>
+            <a:r>
+              <a:rPr lang="es-VE" sz="2800" dirty="0"/>
+              <a:t>La Biblia nos enseña en varios pasajes que hay solamente </a:t>
+            </a:r>
+            <a:r>
+              <a:rPr lang="es-VE" sz="2800" b="1" dirty="0"/>
+              <a:t>un Dios verdadero</a:t>
+            </a:r>
+            <a:r>
+              <a:rPr lang="es-VE" sz="2800" dirty="0"/>
+              <a:t>. </a:t>
+            </a:r>
+            <a:r>
+              <a:rPr lang="es-VE" sz="2800" b="1" dirty="0">
+                <a:solidFill>
+                  <a:srgbClr val="FFFF00"/>
+                </a:solidFill>
+              </a:rPr>
+              <a:t>[</a:t>
+            </a:r>
+            <a:r>
+              <a:rPr lang="es-VE" sz="2800" b="1" dirty="0" err="1">
+                <a:solidFill>
+                  <a:srgbClr val="FFFF00"/>
+                </a:solidFill>
+              </a:rPr>
+              <a:t>Dt</a:t>
+            </a:r>
+            <a:r>
+              <a:rPr lang="es-VE" sz="2800" b="1" dirty="0">
+                <a:solidFill>
+                  <a:srgbClr val="FFFF00"/>
+                </a:solidFill>
+              </a:rPr>
+              <a:t> 6:4, 1R 8:60, 1Co 8:6]</a:t>
+            </a:r>
+            <a:endParaRPr lang="es-VE" sz="3600" b="1" dirty="0">
+              <a:solidFill>
+                <a:srgbClr val="FFFF00"/>
+              </a:solidFill>
+            </a:endParaRPr>
+          </a:p>
+        </p:txBody>
+      </p:sp>
+    </p:spTree>
+    <p:extLst>
+      <p:ext uri="{BB962C8B-B14F-4D97-AF65-F5344CB8AC3E}">
+        <p14:creationId xmlns:p14="http://schemas.microsoft.com/office/powerpoint/2010/main" val="1424422967"/>
+      </p:ext>
+    </p:extLst>
+  </p:cSld>
+  <p:clrMapOvr>
+    <a:masterClrMapping/>
+  </p:clrMapOvr>
+</p:sld>
+</file>
+
+<file path=ppt/slides/slide24.xml><?xml version="1.0" encoding="utf-8"?>
+<p:sld xmlns:a="http://schemas.openxmlformats.org/drawingml/2006/main" xmlns:r="http://schemas.openxmlformats.org/officeDocument/2006/relationships" xmlns:p="http://schemas.openxmlformats.org/presentationml/2006/main">
+  <p:cSld>
+    <p:bg>
+      <p:bgPr>
+        <a:gradFill flip="none" rotWithShape="1">
+          <a:gsLst>
+            <a:gs pos="0">
+              <a:schemeClr val="accent3">
+                <a:lumMod val="89000"/>
+              </a:schemeClr>
+            </a:gs>
+            <a:gs pos="23000">
+              <a:schemeClr val="accent3">
+                <a:lumMod val="89000"/>
+              </a:schemeClr>
+            </a:gs>
+            <a:gs pos="69000">
+              <a:schemeClr val="accent3">
+                <a:lumMod val="75000"/>
+              </a:schemeClr>
+            </a:gs>
+            <a:gs pos="97000">
+              <a:schemeClr val="accent3">
+                <a:lumMod val="70000"/>
+              </a:schemeClr>
+            </a:gs>
+          </a:gsLst>
+          <a:path path="circle">
+            <a:fillToRect l="50000" t="50000" r="50000" b="50000"/>
+          </a:path>
+          <a:tileRect/>
+        </a:gradFill>
+        <a:effectLst/>
+      </p:bgPr>
+    </p:bg>
+    <p:spTree>
+      <p:nvGrpSpPr>
+        <p:cNvPr id="1" name=""/>
+        <p:cNvGrpSpPr/>
+        <p:nvPr/>
+      </p:nvGrpSpPr>
+      <p:grpSpPr>
+        <a:xfrm>
+          <a:off x="0" y="0"/>
+          <a:ext cx="0" cy="0"/>
+          <a:chOff x="0" y="0"/>
+          <a:chExt cx="0" cy="0"/>
+        </a:xfrm>
+      </p:grpSpPr>
+      <p:sp>
+        <p:nvSpPr>
+          <p:cNvPr id="2" name="Título 1">
+            <a:extLst>
+              <a:ext uri="{FF2B5EF4-FFF2-40B4-BE49-F238E27FC236}">
+                <a16:creationId xmlns:a16="http://schemas.microsoft.com/office/drawing/2014/main" id="{C65A0631-47E2-4854-94DA-DD27A379FEF1}"/>
+              </a:ext>
+            </a:extLst>
+          </p:cNvPr>
+          <p:cNvSpPr>
+            <a:spLocks noGrp="1"/>
+          </p:cNvSpPr>
+          <p:nvPr>
+            <p:ph type="title"/>
+          </p:nvPr>
+        </p:nvSpPr>
+        <p:spPr>
+          <a:xfrm>
+            <a:off x="228600" y="309281"/>
+            <a:ext cx="8686800" cy="1519519"/>
+          </a:xfrm>
+        </p:spPr>
+        <p:txBody>
+          <a:bodyPr anchor="ctr">
+            <a:normAutofit fontScale="90000"/>
+          </a:bodyPr>
+          <a:lstStyle/>
+          <a:p>
+            <a:r>
+              <a:rPr lang="es-VE" sz="6000" b="1" dirty="0"/>
+              <a:t>3. LOS ATRIBUTOS DE DIOS</a:t>
+            </a:r>
+            <a:br>
+              <a:rPr lang="es-VE" sz="6600" b="1" dirty="0"/>
+            </a:br>
+            <a:r>
+              <a:rPr lang="es-VE" sz="3200" b="1" dirty="0"/>
+              <a:t>3.2 Atributos activos</a:t>
+            </a:r>
+            <a:br>
+              <a:rPr lang="es-VE" sz="3200" b="1" dirty="0"/>
+            </a:br>
+            <a:r>
+              <a:rPr lang="es-VE" sz="2700" b="1" dirty="0">
+                <a:solidFill>
+                  <a:srgbClr val="FFFF00"/>
+                </a:solidFill>
+              </a:rPr>
+              <a:t>3.2.1. Omnipotencia</a:t>
+            </a:r>
+            <a:endParaRPr lang="es-VE" sz="6600" b="1" dirty="0">
+              <a:solidFill>
+                <a:srgbClr val="FFFF00"/>
+              </a:solidFill>
+            </a:endParaRPr>
+          </a:p>
+        </p:txBody>
+      </p:sp>
+      <p:sp>
+        <p:nvSpPr>
+          <p:cNvPr id="3" name="Marcador de contenido 2">
+            <a:extLst>
+              <a:ext uri="{FF2B5EF4-FFF2-40B4-BE49-F238E27FC236}">
+                <a16:creationId xmlns:a16="http://schemas.microsoft.com/office/drawing/2014/main" id="{AA130F57-7D31-4139-81B2-4D70486C00F2}"/>
+              </a:ext>
+            </a:extLst>
+          </p:cNvPr>
+          <p:cNvSpPr>
+            <a:spLocks noGrp="1"/>
+          </p:cNvSpPr>
+          <p:nvPr>
+            <p:ph idx="1"/>
+          </p:nvPr>
+        </p:nvSpPr>
+        <p:spPr>
+          <a:xfrm>
+            <a:off x="228600" y="1945178"/>
+            <a:ext cx="8686800" cy="3460540"/>
+          </a:xfrm>
+        </p:spPr>
+        <p:txBody>
+          <a:bodyPr anchor="ctr">
+            <a:normAutofit fontScale="85000" lnSpcReduction="10000"/>
+          </a:bodyPr>
+          <a:lstStyle/>
+          <a:p>
+            <a:pPr marL="0" indent="0">
+              <a:buNone/>
+            </a:pPr>
+            <a:r>
+              <a:rPr lang="es-VE" sz="2800" dirty="0"/>
+              <a:t>La palabra omnipotente proviene de </a:t>
+            </a:r>
+            <a:r>
+              <a:rPr lang="es-VE" sz="2800" b="1" dirty="0"/>
+              <a:t>“</a:t>
+            </a:r>
+            <a:r>
+              <a:rPr lang="es-VE" sz="2800" b="1" dirty="0" err="1"/>
+              <a:t>omni</a:t>
+            </a:r>
+            <a:r>
+              <a:rPr lang="es-VE" sz="2800" b="1" dirty="0"/>
+              <a:t>”</a:t>
+            </a:r>
+            <a:r>
+              <a:rPr lang="es-VE" sz="2800" dirty="0"/>
+              <a:t> que significa </a:t>
+            </a:r>
+            <a:r>
+              <a:rPr lang="es-VE" sz="2800" b="1" dirty="0"/>
+              <a:t>“todo”</a:t>
+            </a:r>
+            <a:r>
+              <a:rPr lang="es-VE" sz="2800" dirty="0"/>
+              <a:t> y potente que significa </a:t>
+            </a:r>
+            <a:r>
+              <a:rPr lang="es-VE" sz="2800" b="1" dirty="0"/>
+              <a:t>“poder”.</a:t>
+            </a:r>
+            <a:r>
+              <a:rPr lang="es-VE" sz="2800" dirty="0"/>
+              <a:t> El es libre y tiene el poder para hacer todo lo que es consecuente con su naturaleza. Por ejemplo mentir o robar no son cosas consecuentes con su naturaleza.</a:t>
+            </a:r>
+          </a:p>
+          <a:p>
+            <a:pPr marL="0" indent="0">
+              <a:buNone/>
+            </a:pPr>
+            <a:endParaRPr lang="es-VE" sz="2800" dirty="0"/>
+          </a:p>
+          <a:p>
+            <a:pPr marL="0" indent="0">
+              <a:buNone/>
+            </a:pPr>
+            <a:r>
+              <a:rPr lang="es-VE" sz="2800" dirty="0"/>
+              <a:t>También tiene el control y soberanía </a:t>
+            </a:r>
+            <a:r>
+              <a:rPr lang="es-VE" sz="2800" b="1" dirty="0"/>
+              <a:t>sobre todo</a:t>
+            </a:r>
+            <a:r>
+              <a:rPr lang="es-VE" sz="2800" dirty="0"/>
+              <a:t> lo hecho o que puede ser hecho. Ni aun Satanás puede hacer nada sin su consentimiento.</a:t>
+            </a:r>
+          </a:p>
+          <a:p>
+            <a:pPr marL="0" indent="0">
+              <a:buNone/>
+            </a:pPr>
+            <a:endParaRPr lang="es-VE" sz="2800" b="1" dirty="0">
+              <a:solidFill>
+                <a:srgbClr val="FFFF00"/>
+              </a:solidFill>
+            </a:endParaRPr>
+          </a:p>
+          <a:p>
+            <a:pPr marL="0" indent="0">
+              <a:buNone/>
+            </a:pPr>
+            <a:r>
+              <a:rPr lang="es-VE" sz="2400" b="1" dirty="0">
+                <a:solidFill>
+                  <a:srgbClr val="FFFF00"/>
+                </a:solidFill>
+              </a:rPr>
+              <a:t>[Mt 19: 26]</a:t>
+            </a:r>
+          </a:p>
+        </p:txBody>
+      </p:sp>
+    </p:spTree>
+    <p:extLst>
+      <p:ext uri="{BB962C8B-B14F-4D97-AF65-F5344CB8AC3E}">
+        <p14:creationId xmlns:p14="http://schemas.microsoft.com/office/powerpoint/2010/main" val="2779956379"/>
+      </p:ext>
+    </p:extLst>
+  </p:cSld>
+  <p:clrMapOvr>
+    <a:masterClrMapping/>
+  </p:clrMapOvr>
+</p:sld>
+</file>
+
+<file path=ppt/slides/slide25.xml><?xml version="1.0" encoding="utf-8"?>
+<p:sld xmlns:a="http://schemas.openxmlformats.org/drawingml/2006/main" xmlns:r="http://schemas.openxmlformats.org/officeDocument/2006/relationships" xmlns:p="http://schemas.openxmlformats.org/presentationml/2006/main">
+  <p:cSld>
+    <p:bg>
+      <p:bgPr>
+        <a:gradFill flip="none" rotWithShape="1">
+          <a:gsLst>
+            <a:gs pos="0">
+              <a:schemeClr val="accent3">
+                <a:lumMod val="89000"/>
+              </a:schemeClr>
+            </a:gs>
+            <a:gs pos="23000">
+              <a:schemeClr val="accent3">
+                <a:lumMod val="89000"/>
+              </a:schemeClr>
+            </a:gs>
+            <a:gs pos="69000">
+              <a:schemeClr val="accent3">
+                <a:lumMod val="75000"/>
+              </a:schemeClr>
+            </a:gs>
+            <a:gs pos="97000">
+              <a:schemeClr val="accent3">
+                <a:lumMod val="70000"/>
+              </a:schemeClr>
+            </a:gs>
+          </a:gsLst>
+          <a:path path="circle">
+            <a:fillToRect l="50000" t="50000" r="50000" b="50000"/>
+          </a:path>
+          <a:tileRect/>
+        </a:gradFill>
+        <a:effectLst/>
+      </p:bgPr>
+    </p:bg>
+    <p:spTree>
+      <p:nvGrpSpPr>
+        <p:cNvPr id="1" name=""/>
+        <p:cNvGrpSpPr/>
+        <p:nvPr/>
+      </p:nvGrpSpPr>
+      <p:grpSpPr>
+        <a:xfrm>
+          <a:off x="0" y="0"/>
+          <a:ext cx="0" cy="0"/>
+          <a:chOff x="0" y="0"/>
+          <a:chExt cx="0" cy="0"/>
+        </a:xfrm>
+      </p:grpSpPr>
+      <p:sp>
+        <p:nvSpPr>
+          <p:cNvPr id="2" name="Título 1">
+            <a:extLst>
+              <a:ext uri="{FF2B5EF4-FFF2-40B4-BE49-F238E27FC236}">
+                <a16:creationId xmlns:a16="http://schemas.microsoft.com/office/drawing/2014/main" id="{C65A0631-47E2-4854-94DA-DD27A379FEF1}"/>
+              </a:ext>
+            </a:extLst>
+          </p:cNvPr>
+          <p:cNvSpPr>
+            <a:spLocks noGrp="1"/>
+          </p:cNvSpPr>
+          <p:nvPr>
+            <p:ph type="title"/>
+          </p:nvPr>
+        </p:nvSpPr>
+        <p:spPr>
+          <a:xfrm>
+            <a:off x="228600" y="309281"/>
+            <a:ext cx="8686800" cy="1519519"/>
+          </a:xfrm>
+        </p:spPr>
+        <p:txBody>
+          <a:bodyPr anchor="ctr">
+            <a:normAutofit fontScale="90000"/>
+          </a:bodyPr>
+          <a:lstStyle/>
+          <a:p>
+            <a:r>
+              <a:rPr lang="es-VE" sz="6000" b="1" dirty="0"/>
+              <a:t>3. LOS ATRIBUTOS DE DIOS</a:t>
+            </a:r>
+            <a:br>
+              <a:rPr lang="es-VE" sz="6600" b="1" dirty="0"/>
+            </a:br>
+            <a:r>
+              <a:rPr lang="es-VE" sz="3200" b="1" dirty="0"/>
+              <a:t>3.2 Atributos activos</a:t>
+            </a:r>
+            <a:br>
+              <a:rPr lang="es-VE" sz="3200" b="1" dirty="0"/>
+            </a:br>
+            <a:r>
+              <a:rPr lang="es-VE" sz="2700" b="1" dirty="0">
+                <a:solidFill>
+                  <a:srgbClr val="FFFF00"/>
+                </a:solidFill>
+              </a:rPr>
+              <a:t>3.2.2. Omnipresencia</a:t>
+            </a:r>
+            <a:endParaRPr lang="es-VE" sz="6600" b="1" dirty="0">
+              <a:solidFill>
+                <a:srgbClr val="FFFF00"/>
+              </a:solidFill>
+            </a:endParaRPr>
+          </a:p>
+        </p:txBody>
+      </p:sp>
+      <p:sp>
+        <p:nvSpPr>
+          <p:cNvPr id="3" name="Marcador de contenido 2">
+            <a:extLst>
+              <a:ext uri="{FF2B5EF4-FFF2-40B4-BE49-F238E27FC236}">
+                <a16:creationId xmlns:a16="http://schemas.microsoft.com/office/drawing/2014/main" id="{AA130F57-7D31-4139-81B2-4D70486C00F2}"/>
+              </a:ext>
+            </a:extLst>
+          </p:cNvPr>
+          <p:cNvSpPr>
+            <a:spLocks noGrp="1"/>
+          </p:cNvSpPr>
+          <p:nvPr>
+            <p:ph idx="1"/>
+          </p:nvPr>
+        </p:nvSpPr>
+        <p:spPr>
+          <a:xfrm>
+            <a:off x="228600" y="1945178"/>
+            <a:ext cx="8686800" cy="3460540"/>
+          </a:xfrm>
+        </p:spPr>
+        <p:txBody>
+          <a:bodyPr anchor="ctr">
+            <a:normAutofit/>
+          </a:bodyPr>
+          <a:lstStyle/>
+          <a:p>
+            <a:pPr marL="0" indent="0">
+              <a:buNone/>
+            </a:pPr>
+            <a:r>
+              <a:rPr lang="es-VE" sz="2400" b="1" dirty="0"/>
+              <a:t>“</a:t>
+            </a:r>
+            <a:r>
+              <a:rPr lang="es-VE" sz="2400" b="1" dirty="0" err="1"/>
+              <a:t>Omni</a:t>
+            </a:r>
+            <a:r>
+              <a:rPr lang="es-VE" sz="2400" b="1" dirty="0"/>
+              <a:t>”</a:t>
+            </a:r>
+            <a:r>
+              <a:rPr lang="es-VE" sz="2400" dirty="0"/>
+              <a:t> viene del latín </a:t>
+            </a:r>
+            <a:r>
+              <a:rPr lang="es-VE" sz="2400" b="1" dirty="0"/>
+              <a:t>“todo”</a:t>
+            </a:r>
+            <a:r>
+              <a:rPr lang="es-VE" sz="2400" dirty="0"/>
+              <a:t>. Es así como </a:t>
+            </a:r>
+            <a:r>
+              <a:rPr lang="es-VE" sz="2400" b="1" dirty="0"/>
+              <a:t>Omnipresencia</a:t>
+            </a:r>
+            <a:r>
+              <a:rPr lang="es-VE" sz="2400" dirty="0"/>
+              <a:t> significa que </a:t>
+            </a:r>
+            <a:r>
+              <a:rPr lang="es-VE" sz="2400" b="1" dirty="0"/>
+              <a:t>Dios está siempre presente en todas partes</a:t>
+            </a:r>
+            <a:r>
+              <a:rPr lang="es-VE" sz="2400" dirty="0"/>
+              <a:t>. Y cuando decimos que está en todas partes, no es que una parte de Dios esté en un sitio y otra en otro: Dios está </a:t>
+            </a:r>
+            <a:r>
+              <a:rPr lang="es-VE" sz="2400" b="1" dirty="0"/>
+              <a:t>Todo El </a:t>
+            </a:r>
+            <a:r>
+              <a:rPr lang="es-VE" sz="2400" dirty="0"/>
+              <a:t>en todas partes. </a:t>
+            </a:r>
+            <a:r>
+              <a:rPr lang="es-VE" sz="2400" b="1" dirty="0">
+                <a:solidFill>
+                  <a:srgbClr val="FFFF00"/>
+                </a:solidFill>
+              </a:rPr>
+              <a:t>[Sal 139:7-10]</a:t>
+            </a:r>
+            <a:endParaRPr lang="es-VE" sz="2400" dirty="0"/>
+          </a:p>
+          <a:p>
+            <a:pPr marL="0" indent="0">
+              <a:buNone/>
+            </a:pPr>
+            <a:endParaRPr lang="es-VE" sz="2400" b="1" dirty="0">
+              <a:solidFill>
+                <a:srgbClr val="FFFF00"/>
+              </a:solidFill>
+            </a:endParaRPr>
+          </a:p>
+          <a:p>
+            <a:pPr marL="0" indent="0">
+              <a:buNone/>
+            </a:pPr>
+            <a:r>
+              <a:rPr lang="es-VE" sz="2400" dirty="0"/>
+              <a:t>Aunque Dios está en todas partes, no significa que habite en todas partes. Sólo cuando entra en relación directa con un grupo o con una persona, se dice que habita o vive en ellos. </a:t>
+            </a:r>
+            <a:r>
+              <a:rPr lang="es-VE" sz="2400" b="1" dirty="0">
+                <a:solidFill>
+                  <a:srgbClr val="FFFF00"/>
+                </a:solidFill>
+              </a:rPr>
+              <a:t>[</a:t>
+            </a:r>
+            <a:r>
+              <a:rPr lang="es-VE" sz="2400" b="1" dirty="0" err="1">
+                <a:solidFill>
+                  <a:srgbClr val="FFFF00"/>
+                </a:solidFill>
+              </a:rPr>
+              <a:t>Gn</a:t>
+            </a:r>
+            <a:r>
+              <a:rPr lang="es-VE" sz="2400" b="1" dirty="0">
+                <a:solidFill>
+                  <a:srgbClr val="FFFF00"/>
+                </a:solidFill>
+              </a:rPr>
+              <a:t> 28:15]</a:t>
+            </a:r>
+          </a:p>
+        </p:txBody>
+      </p:sp>
+    </p:spTree>
+    <p:extLst>
+      <p:ext uri="{BB962C8B-B14F-4D97-AF65-F5344CB8AC3E}">
+        <p14:creationId xmlns:p14="http://schemas.microsoft.com/office/powerpoint/2010/main" val="2846368322"/>
+      </p:ext>
+    </p:extLst>
+  </p:cSld>
+  <p:clrMapOvr>
+    <a:masterClrMapping/>
+  </p:clrMapOvr>
+</p:sld>
+</file>
+
+<file path=ppt/slides/slide26.xml><?xml version="1.0" encoding="utf-8"?>
+<p:sld xmlns:a="http://schemas.openxmlformats.org/drawingml/2006/main" xmlns:r="http://schemas.openxmlformats.org/officeDocument/2006/relationships" xmlns:p="http://schemas.openxmlformats.org/presentationml/2006/main">
+  <p:cSld>
+    <p:bg>
+      <p:bgPr>
+        <a:gradFill flip="none" rotWithShape="1">
+          <a:gsLst>
+            <a:gs pos="0">
+              <a:schemeClr val="accent3">
+                <a:lumMod val="89000"/>
+              </a:schemeClr>
+            </a:gs>
+            <a:gs pos="23000">
+              <a:schemeClr val="accent3">
+                <a:lumMod val="89000"/>
+              </a:schemeClr>
+            </a:gs>
+            <a:gs pos="69000">
+              <a:schemeClr val="accent3">
+                <a:lumMod val="75000"/>
+              </a:schemeClr>
+            </a:gs>
+            <a:gs pos="97000">
+              <a:schemeClr val="accent3">
+                <a:lumMod val="70000"/>
+              </a:schemeClr>
+            </a:gs>
+          </a:gsLst>
+          <a:path path="circle">
+            <a:fillToRect l="50000" t="50000" r="50000" b="50000"/>
+          </a:path>
+          <a:tileRect/>
+        </a:gradFill>
+        <a:effectLst/>
+      </p:bgPr>
+    </p:bg>
+    <p:spTree>
+      <p:nvGrpSpPr>
+        <p:cNvPr id="1" name=""/>
+        <p:cNvGrpSpPr/>
+        <p:nvPr/>
+      </p:nvGrpSpPr>
+      <p:grpSpPr>
+        <a:xfrm>
+          <a:off x="0" y="0"/>
+          <a:ext cx="0" cy="0"/>
+          <a:chOff x="0" y="0"/>
+          <a:chExt cx="0" cy="0"/>
+        </a:xfrm>
+      </p:grpSpPr>
+      <p:sp>
+        <p:nvSpPr>
+          <p:cNvPr id="2" name="Título 1">
+            <a:extLst>
+              <a:ext uri="{FF2B5EF4-FFF2-40B4-BE49-F238E27FC236}">
+                <a16:creationId xmlns:a16="http://schemas.microsoft.com/office/drawing/2014/main" id="{C65A0631-47E2-4854-94DA-DD27A379FEF1}"/>
+              </a:ext>
+            </a:extLst>
+          </p:cNvPr>
+          <p:cNvSpPr>
+            <a:spLocks noGrp="1"/>
+          </p:cNvSpPr>
+          <p:nvPr>
+            <p:ph type="title"/>
+          </p:nvPr>
+        </p:nvSpPr>
+        <p:spPr>
+          <a:xfrm>
+            <a:off x="228600" y="309281"/>
+            <a:ext cx="8686800" cy="1519519"/>
+          </a:xfrm>
+        </p:spPr>
+        <p:txBody>
+          <a:bodyPr anchor="ctr">
+            <a:normAutofit fontScale="90000"/>
+          </a:bodyPr>
+          <a:lstStyle/>
+          <a:p>
+            <a:r>
+              <a:rPr lang="es-VE" sz="6000" b="1" dirty="0"/>
+              <a:t>3. LOS ATRIBUTOS DE DIOS</a:t>
+            </a:r>
+            <a:br>
+              <a:rPr lang="es-VE" sz="6600" b="1" dirty="0"/>
+            </a:br>
+            <a:r>
+              <a:rPr lang="es-VE" sz="3200" b="1" dirty="0"/>
+              <a:t>3.2 Atributos activos</a:t>
+            </a:r>
+            <a:br>
+              <a:rPr lang="es-VE" sz="3200" b="1" dirty="0"/>
+            </a:br>
+            <a:r>
+              <a:rPr lang="es-VE" sz="2700" b="1" dirty="0">
+                <a:solidFill>
+                  <a:srgbClr val="FFFF00"/>
+                </a:solidFill>
+              </a:rPr>
+              <a:t>3.2.3. Omnisciencia</a:t>
+            </a:r>
+            <a:endParaRPr lang="es-VE" sz="6600" b="1" dirty="0">
+              <a:solidFill>
+                <a:srgbClr val="FFFF00"/>
+              </a:solidFill>
+            </a:endParaRPr>
+          </a:p>
+        </p:txBody>
+      </p:sp>
+      <p:sp>
+        <p:nvSpPr>
+          <p:cNvPr id="3" name="Marcador de contenido 2">
+            <a:extLst>
+              <a:ext uri="{FF2B5EF4-FFF2-40B4-BE49-F238E27FC236}">
+                <a16:creationId xmlns:a16="http://schemas.microsoft.com/office/drawing/2014/main" id="{AA130F57-7D31-4139-81B2-4D70486C00F2}"/>
+              </a:ext>
+            </a:extLst>
+          </p:cNvPr>
+          <p:cNvSpPr>
+            <a:spLocks noGrp="1"/>
+          </p:cNvSpPr>
+          <p:nvPr>
+            <p:ph idx="1"/>
+          </p:nvPr>
+        </p:nvSpPr>
+        <p:spPr>
+          <a:xfrm>
+            <a:off x="228600" y="1945178"/>
+            <a:ext cx="8686800" cy="3460540"/>
+          </a:xfrm>
+        </p:spPr>
+        <p:txBody>
+          <a:bodyPr anchor="ctr">
+            <a:normAutofit/>
+          </a:bodyPr>
+          <a:lstStyle/>
+          <a:p>
+            <a:pPr marL="0" indent="0">
+              <a:buNone/>
+            </a:pPr>
+            <a:r>
+              <a:rPr lang="es-VE" sz="2400" dirty="0"/>
+              <a:t>Del latín </a:t>
+            </a:r>
+            <a:r>
+              <a:rPr lang="es-VE" sz="2400" b="1" dirty="0"/>
+              <a:t>“</a:t>
+            </a:r>
+            <a:r>
+              <a:rPr lang="es-VE" sz="2400" b="1" dirty="0" err="1"/>
+              <a:t>omnis</a:t>
+            </a:r>
+            <a:r>
+              <a:rPr lang="es-VE" sz="2400" b="1" dirty="0"/>
+              <a:t>” </a:t>
+            </a:r>
+            <a:r>
+              <a:rPr lang="es-VE" sz="2400" dirty="0"/>
+              <a:t>que es </a:t>
+            </a:r>
+            <a:r>
+              <a:rPr lang="es-VE" sz="2400" b="1" dirty="0"/>
+              <a:t>"todo"</a:t>
+            </a:r>
+            <a:r>
+              <a:rPr lang="es-VE" sz="2400" dirty="0"/>
+              <a:t>, y </a:t>
+            </a:r>
+            <a:r>
+              <a:rPr lang="es-VE" sz="2400" b="1" dirty="0"/>
+              <a:t>“</a:t>
+            </a:r>
+            <a:r>
+              <a:rPr lang="es-VE" sz="2400" b="1" dirty="0" err="1"/>
+              <a:t>scientia</a:t>
+            </a:r>
+            <a:r>
+              <a:rPr lang="es-VE" sz="2400" b="1" dirty="0"/>
+              <a:t>”</a:t>
+            </a:r>
+            <a:r>
+              <a:rPr lang="es-VE" sz="2400" dirty="0"/>
+              <a:t> que es </a:t>
+            </a:r>
+            <a:r>
+              <a:rPr lang="es-VE" sz="2400" b="1" dirty="0"/>
+              <a:t>"ciencia"</a:t>
+            </a:r>
+            <a:r>
+              <a:rPr lang="es-VE" sz="2400" dirty="0"/>
+              <a:t> es saber o conocer todo, es decir, el conocimiento absoluto.</a:t>
+            </a:r>
+          </a:p>
+          <a:p>
+            <a:pPr marL="0" indent="0">
+              <a:buNone/>
+            </a:pPr>
+            <a:endParaRPr lang="es-VE" sz="2400" dirty="0"/>
+          </a:p>
+          <a:p>
+            <a:pPr marL="0" indent="0">
+              <a:buNone/>
+            </a:pPr>
+            <a:r>
+              <a:rPr lang="es-VE" sz="2400" dirty="0"/>
+              <a:t>El conocimiento de Dios </a:t>
+            </a:r>
+            <a:r>
+              <a:rPr lang="es-VE" sz="2400" b="1" dirty="0"/>
+              <a:t>es perfecto</a:t>
+            </a:r>
+            <a:r>
+              <a:rPr lang="es-VE" sz="2400" dirty="0"/>
+              <a:t>, no tiene que razonar o reflexionar, o descubrir cosas, o aprender gradualmente, puesto que sus conocimientos con respecto al pasado, presenté y futuro son completos. </a:t>
+            </a:r>
+            <a:r>
+              <a:rPr lang="es-VE" sz="2400" dirty="0">
+                <a:solidFill>
+                  <a:srgbClr val="FFFF00"/>
+                </a:solidFill>
+              </a:rPr>
+              <a:t>[Mt 6:8]</a:t>
+            </a:r>
+          </a:p>
+        </p:txBody>
+      </p:sp>
+    </p:spTree>
+    <p:extLst>
+      <p:ext uri="{BB962C8B-B14F-4D97-AF65-F5344CB8AC3E}">
+        <p14:creationId xmlns:p14="http://schemas.microsoft.com/office/powerpoint/2010/main" val="1579184454"/>
+      </p:ext>
+    </p:extLst>
+  </p:cSld>
+  <p:clrMapOvr>
+    <a:masterClrMapping/>
+  </p:clrMapOvr>
+</p:sld>
+</file>
+
+<file path=ppt/slides/slide27.xml><?xml version="1.0" encoding="utf-8"?>
+<p:sld xmlns:a="http://schemas.openxmlformats.org/drawingml/2006/main" xmlns:r="http://schemas.openxmlformats.org/officeDocument/2006/relationships" xmlns:p="http://schemas.openxmlformats.org/presentationml/2006/main">
+  <p:cSld>
+    <p:bg>
+      <p:bgPr>
+        <a:gradFill flip="none" rotWithShape="1">
+          <a:gsLst>
+            <a:gs pos="0">
+              <a:schemeClr val="accent3">
+                <a:lumMod val="89000"/>
+              </a:schemeClr>
+            </a:gs>
+            <a:gs pos="23000">
+              <a:schemeClr val="accent3">
+                <a:lumMod val="89000"/>
+              </a:schemeClr>
+            </a:gs>
+            <a:gs pos="69000">
+              <a:schemeClr val="accent3">
+                <a:lumMod val="75000"/>
+              </a:schemeClr>
+            </a:gs>
+            <a:gs pos="97000">
+              <a:schemeClr val="accent3">
+                <a:lumMod val="70000"/>
+              </a:schemeClr>
+            </a:gs>
+          </a:gsLst>
+          <a:path path="circle">
+            <a:fillToRect l="50000" t="50000" r="50000" b="50000"/>
+          </a:path>
+          <a:tileRect/>
+        </a:gradFill>
+        <a:effectLst/>
+      </p:bgPr>
+    </p:bg>
+    <p:spTree>
+      <p:nvGrpSpPr>
+        <p:cNvPr id="1" name=""/>
+        <p:cNvGrpSpPr/>
+        <p:nvPr/>
+      </p:nvGrpSpPr>
+      <p:grpSpPr>
+        <a:xfrm>
+          <a:off x="0" y="0"/>
+          <a:ext cx="0" cy="0"/>
+          <a:chOff x="0" y="0"/>
+          <a:chExt cx="0" cy="0"/>
+        </a:xfrm>
+      </p:grpSpPr>
+      <p:sp>
+        <p:nvSpPr>
+          <p:cNvPr id="2" name="Título 1">
+            <a:extLst>
+              <a:ext uri="{FF2B5EF4-FFF2-40B4-BE49-F238E27FC236}">
+                <a16:creationId xmlns:a16="http://schemas.microsoft.com/office/drawing/2014/main" id="{C65A0631-47E2-4854-94DA-DD27A379FEF1}"/>
+              </a:ext>
+            </a:extLst>
+          </p:cNvPr>
+          <p:cNvSpPr>
+            <a:spLocks noGrp="1"/>
+          </p:cNvSpPr>
+          <p:nvPr>
+            <p:ph type="title"/>
+          </p:nvPr>
+        </p:nvSpPr>
+        <p:spPr>
+          <a:xfrm>
+            <a:off x="228600" y="309281"/>
+            <a:ext cx="8686800" cy="1519519"/>
+          </a:xfrm>
+        </p:spPr>
+        <p:txBody>
+          <a:bodyPr anchor="ctr">
+            <a:normAutofit fontScale="90000"/>
+          </a:bodyPr>
+          <a:lstStyle/>
+          <a:p>
+            <a:r>
+              <a:rPr lang="es-VE" sz="6000" b="1" dirty="0"/>
+              <a:t>3. LOS ATRIBUTOS DE DIOS</a:t>
+            </a:r>
+            <a:br>
+              <a:rPr lang="es-VE" sz="6600" b="1" dirty="0"/>
+            </a:br>
+            <a:r>
+              <a:rPr lang="es-VE" sz="3200" b="1" dirty="0"/>
+              <a:t>3.2 Atributos activos</a:t>
+            </a:r>
+            <a:br>
+              <a:rPr lang="es-VE" sz="3200" b="1" dirty="0"/>
+            </a:br>
+            <a:r>
+              <a:rPr lang="es-VE" sz="2700" b="1" dirty="0">
+                <a:solidFill>
+                  <a:srgbClr val="FFFF00"/>
+                </a:solidFill>
+              </a:rPr>
+              <a:t>3.2.4. Sabiduría</a:t>
+            </a:r>
+            <a:endParaRPr lang="es-VE" sz="6600" b="1" dirty="0">
+              <a:solidFill>
+                <a:srgbClr val="FFFF00"/>
+              </a:solidFill>
+            </a:endParaRPr>
+          </a:p>
+        </p:txBody>
+      </p:sp>
+      <p:sp>
+        <p:nvSpPr>
+          <p:cNvPr id="3" name="Marcador de contenido 2">
+            <a:extLst>
+              <a:ext uri="{FF2B5EF4-FFF2-40B4-BE49-F238E27FC236}">
+                <a16:creationId xmlns:a16="http://schemas.microsoft.com/office/drawing/2014/main" id="{AA130F57-7D31-4139-81B2-4D70486C00F2}"/>
+              </a:ext>
+            </a:extLst>
+          </p:cNvPr>
+          <p:cNvSpPr>
+            <a:spLocks noGrp="1"/>
+          </p:cNvSpPr>
+          <p:nvPr>
+            <p:ph idx="1"/>
+          </p:nvPr>
+        </p:nvSpPr>
+        <p:spPr>
+          <a:xfrm>
+            <a:off x="228600" y="1945178"/>
+            <a:ext cx="8686800" cy="3460540"/>
+          </a:xfrm>
+        </p:spPr>
+        <p:txBody>
+          <a:bodyPr anchor="ctr">
+            <a:normAutofit/>
+          </a:bodyPr>
+          <a:lstStyle/>
+          <a:p>
+            <a:pPr marL="0" indent="0">
+              <a:buNone/>
+            </a:pPr>
+            <a:r>
+              <a:rPr lang="es-VE" sz="2400" dirty="0"/>
+              <a:t>La </a:t>
+            </a:r>
+            <a:r>
+              <a:rPr lang="es-VE" sz="2400" b="1" dirty="0"/>
+              <a:t>sabiduría</a:t>
+            </a:r>
+            <a:r>
+              <a:rPr lang="es-VE" sz="2400" dirty="0"/>
+              <a:t> de Dios es una combinación de su </a:t>
+            </a:r>
+            <a:r>
+              <a:rPr lang="es-VE" sz="2400" b="1" dirty="0"/>
+              <a:t>omnisciencia</a:t>
+            </a:r>
+            <a:r>
+              <a:rPr lang="es-VE" sz="2400" dirty="0"/>
+              <a:t> y </a:t>
+            </a:r>
+            <a:r>
+              <a:rPr lang="es-VE" sz="2400" b="1" dirty="0"/>
+              <a:t>omnipotencia</a:t>
+            </a:r>
+            <a:r>
+              <a:rPr lang="es-VE" sz="2400" dirty="0"/>
+              <a:t>. Dios tiene poder para aplicar sus conocimientos de manera que los mejores propósitos sean realizados o cumplidos por los mejores medios posibles. </a:t>
+            </a:r>
+            <a:r>
+              <a:rPr lang="es-VE" sz="2800" b="1" dirty="0">
+                <a:solidFill>
+                  <a:srgbClr val="FFFF00"/>
+                </a:solidFill>
+              </a:rPr>
+              <a:t>[</a:t>
+            </a:r>
+            <a:r>
+              <a:rPr lang="en-US" sz="2400" b="1" dirty="0">
+                <a:solidFill>
+                  <a:srgbClr val="FFFF00"/>
+                </a:solidFill>
+              </a:rPr>
+              <a:t>Rm 16:27</a:t>
+            </a:r>
+            <a:r>
+              <a:rPr lang="es-VE" sz="2800" b="1" dirty="0">
+                <a:solidFill>
+                  <a:srgbClr val="FFFF00"/>
+                </a:solidFill>
+              </a:rPr>
+              <a:t>]</a:t>
+            </a:r>
+            <a:endParaRPr lang="es-VE" sz="2400" dirty="0"/>
+          </a:p>
+          <a:p>
+            <a:pPr marL="0" indent="0">
+              <a:buNone/>
+            </a:pPr>
+            <a:endParaRPr lang="es-VE" sz="2400" dirty="0"/>
+          </a:p>
+          <a:p>
+            <a:pPr marL="0" indent="0">
+              <a:buNone/>
+            </a:pPr>
+            <a:r>
+              <a:rPr lang="es-VE" sz="2400" dirty="0"/>
+              <a:t>Dios hace siempre lo que corresponde, de la manera correcta, en el momento oportuno. </a:t>
+            </a:r>
+            <a:r>
+              <a:rPr lang="es-VE" sz="2400" b="1" dirty="0">
+                <a:solidFill>
+                  <a:srgbClr val="FFFF00"/>
+                </a:solidFill>
+              </a:rPr>
+              <a:t>[</a:t>
+            </a:r>
+            <a:r>
+              <a:rPr lang="es-VE" sz="2400" b="1" dirty="0" err="1">
+                <a:solidFill>
+                  <a:srgbClr val="FFFF00"/>
+                </a:solidFill>
+              </a:rPr>
+              <a:t>Jr</a:t>
+            </a:r>
+            <a:r>
+              <a:rPr lang="es-VE" sz="2400" b="1" dirty="0">
+                <a:solidFill>
+                  <a:srgbClr val="FFFF00"/>
+                </a:solidFill>
+              </a:rPr>
+              <a:t> 29:11]</a:t>
+            </a:r>
+          </a:p>
+        </p:txBody>
+      </p:sp>
+    </p:spTree>
+    <p:extLst>
+      <p:ext uri="{BB962C8B-B14F-4D97-AF65-F5344CB8AC3E}">
+        <p14:creationId xmlns:p14="http://schemas.microsoft.com/office/powerpoint/2010/main" val="1300055027"/>
+      </p:ext>
+    </p:extLst>
+  </p:cSld>
+  <p:clrMapOvr>
+    <a:masterClrMapping/>
+  </p:clrMapOvr>
+</p:sld>
+</file>
+
+<file path=ppt/slides/slide28.xml><?xml version="1.0" encoding="utf-8"?>
+<p:sld xmlns:a="http://schemas.openxmlformats.org/drawingml/2006/main" xmlns:r="http://schemas.openxmlformats.org/officeDocument/2006/relationships" xmlns:p="http://schemas.openxmlformats.org/presentationml/2006/main">
+  <p:cSld>
+    <p:bg>
+      <p:bgPr>
+        <a:gradFill flip="none" rotWithShape="1">
+          <a:gsLst>
+            <a:gs pos="0">
+              <a:schemeClr val="accent3">
+                <a:lumMod val="89000"/>
+              </a:schemeClr>
+            </a:gs>
+            <a:gs pos="23000">
+              <a:schemeClr val="accent3">
+                <a:lumMod val="89000"/>
+              </a:schemeClr>
+            </a:gs>
+            <a:gs pos="69000">
+              <a:schemeClr val="accent3">
+                <a:lumMod val="75000"/>
+              </a:schemeClr>
+            </a:gs>
+            <a:gs pos="97000">
+              <a:schemeClr val="accent3">
+                <a:lumMod val="70000"/>
+              </a:schemeClr>
+            </a:gs>
+          </a:gsLst>
+          <a:path path="circle">
+            <a:fillToRect l="50000" t="50000" r="50000" b="50000"/>
+          </a:path>
+          <a:tileRect/>
+        </a:gradFill>
+        <a:effectLst/>
+      </p:bgPr>
+    </p:bg>
+    <p:spTree>
+      <p:nvGrpSpPr>
+        <p:cNvPr id="1" name=""/>
+        <p:cNvGrpSpPr/>
+        <p:nvPr/>
+      </p:nvGrpSpPr>
+      <p:grpSpPr>
+        <a:xfrm>
+          <a:off x="0" y="0"/>
+          <a:ext cx="0" cy="0"/>
+          <a:chOff x="0" y="0"/>
+          <a:chExt cx="0" cy="0"/>
+        </a:xfrm>
+      </p:grpSpPr>
+      <p:sp>
+        <p:nvSpPr>
+          <p:cNvPr id="2" name="Título 1">
+            <a:extLst>
+              <a:ext uri="{FF2B5EF4-FFF2-40B4-BE49-F238E27FC236}">
+                <a16:creationId xmlns:a16="http://schemas.microsoft.com/office/drawing/2014/main" id="{C65A0631-47E2-4854-94DA-DD27A379FEF1}"/>
+              </a:ext>
+            </a:extLst>
+          </p:cNvPr>
+          <p:cNvSpPr>
+            <a:spLocks noGrp="1"/>
+          </p:cNvSpPr>
+          <p:nvPr>
+            <p:ph type="title"/>
+          </p:nvPr>
+        </p:nvSpPr>
+        <p:spPr>
+          <a:xfrm>
+            <a:off x="228600" y="309281"/>
+            <a:ext cx="8686800" cy="1519519"/>
+          </a:xfrm>
+        </p:spPr>
+        <p:txBody>
+          <a:bodyPr anchor="ctr">
+            <a:normAutofit fontScale="90000"/>
+          </a:bodyPr>
+          <a:lstStyle/>
+          <a:p>
+            <a:r>
+              <a:rPr lang="es-VE" sz="6000" b="1" dirty="0"/>
+              <a:t>3. LOS ATRIBUTOS DE DIOS</a:t>
+            </a:r>
+            <a:br>
+              <a:rPr lang="es-VE" sz="6600" b="1" dirty="0"/>
+            </a:br>
+            <a:r>
+              <a:rPr lang="es-VE" sz="3200" b="1" dirty="0"/>
+              <a:t>3.2 Atributos activos</a:t>
+            </a:r>
+            <a:br>
+              <a:rPr lang="es-VE" sz="3200" b="1" dirty="0"/>
+            </a:br>
+            <a:r>
+              <a:rPr lang="es-VE" sz="2700" b="1" dirty="0">
+                <a:solidFill>
+                  <a:srgbClr val="FFFF00"/>
+                </a:solidFill>
+              </a:rPr>
+              <a:t>3.2.5. Soberanía</a:t>
+            </a:r>
+            <a:endParaRPr lang="es-VE" sz="6600" b="1" dirty="0">
+              <a:solidFill>
+                <a:srgbClr val="FFFF00"/>
+              </a:solidFill>
+            </a:endParaRPr>
+          </a:p>
+        </p:txBody>
+      </p:sp>
+      <p:sp>
+        <p:nvSpPr>
+          <p:cNvPr id="3" name="Marcador de contenido 2">
+            <a:extLst>
+              <a:ext uri="{FF2B5EF4-FFF2-40B4-BE49-F238E27FC236}">
+                <a16:creationId xmlns:a16="http://schemas.microsoft.com/office/drawing/2014/main" id="{AA130F57-7D31-4139-81B2-4D70486C00F2}"/>
+              </a:ext>
+            </a:extLst>
+          </p:cNvPr>
+          <p:cNvSpPr>
+            <a:spLocks noGrp="1"/>
+          </p:cNvSpPr>
+          <p:nvPr>
+            <p:ph idx="1"/>
+          </p:nvPr>
+        </p:nvSpPr>
+        <p:spPr>
+          <a:xfrm>
+            <a:off x="228600" y="1945178"/>
+            <a:ext cx="8686800" cy="3460540"/>
+          </a:xfrm>
+        </p:spPr>
+        <p:txBody>
+          <a:bodyPr anchor="ctr">
+            <a:normAutofit lnSpcReduction="10000"/>
+          </a:bodyPr>
+          <a:lstStyle/>
+          <a:p>
+            <a:pPr marL="0" indent="0">
+              <a:buNone/>
+            </a:pPr>
+            <a:r>
+              <a:rPr lang="es-VE" sz="2400" dirty="0"/>
+              <a:t>La </a:t>
+            </a:r>
+            <a:r>
+              <a:rPr lang="es-VE" sz="2400" b="1" dirty="0"/>
+              <a:t>soberanía</a:t>
+            </a:r>
+            <a:r>
+              <a:rPr lang="es-VE" sz="2400" dirty="0"/>
+              <a:t> representa una facultad de mando, poder y control que posee una persona o entidad sobre un sistema de gobierno, territorio o una población.</a:t>
+            </a:r>
+          </a:p>
+          <a:p>
+            <a:pPr marL="0" indent="0">
+              <a:buNone/>
+            </a:pPr>
+            <a:endParaRPr lang="es-VE" sz="2400" b="1" dirty="0">
+              <a:solidFill>
+                <a:srgbClr val="FFFF00"/>
+              </a:solidFill>
+            </a:endParaRPr>
+          </a:p>
+          <a:p>
+            <a:pPr marL="0" indent="0">
+              <a:buNone/>
+            </a:pPr>
+            <a:r>
+              <a:rPr lang="es-VE" sz="2400" dirty="0"/>
+              <a:t>Dios tiene absoluto derecho de </a:t>
+            </a:r>
+            <a:r>
+              <a:rPr lang="es-VE" sz="2400" b="1" dirty="0"/>
+              <a:t>gobernar</a:t>
+            </a:r>
+            <a:r>
+              <a:rPr lang="es-VE" sz="2400" dirty="0"/>
+              <a:t>, y </a:t>
+            </a:r>
+            <a:r>
+              <a:rPr lang="es-VE" sz="2400" b="1" dirty="0"/>
+              <a:t>disponer</a:t>
+            </a:r>
+            <a:r>
+              <a:rPr lang="es-VE" sz="2400" dirty="0"/>
+              <a:t> de todo según su voluntad </a:t>
+            </a:r>
+            <a:r>
+              <a:rPr lang="es-VE" sz="2400" b="1" dirty="0">
+                <a:solidFill>
+                  <a:srgbClr val="FFFF00"/>
+                </a:solidFill>
+              </a:rPr>
+              <a:t>[</a:t>
+            </a:r>
+            <a:r>
+              <a:rPr lang="es-VE" sz="2400" b="1" dirty="0" err="1">
+                <a:solidFill>
+                  <a:srgbClr val="FFFF00"/>
+                </a:solidFill>
+              </a:rPr>
+              <a:t>Dn</a:t>
+            </a:r>
+            <a:r>
+              <a:rPr lang="es-VE" sz="2400" b="1" dirty="0">
+                <a:solidFill>
+                  <a:srgbClr val="FFFF00"/>
+                </a:solidFill>
+              </a:rPr>
+              <a:t> 4:35; Mt 20:15; </a:t>
+            </a:r>
+            <a:r>
+              <a:rPr lang="es-VE" sz="2400" b="1" dirty="0" err="1">
+                <a:solidFill>
+                  <a:srgbClr val="FFFF00"/>
+                </a:solidFill>
+              </a:rPr>
+              <a:t>Rm</a:t>
+            </a:r>
+            <a:r>
+              <a:rPr lang="es-VE" sz="2400" b="1" dirty="0">
+                <a:solidFill>
+                  <a:srgbClr val="FFFF00"/>
+                </a:solidFill>
+              </a:rPr>
+              <a:t> 9:21]</a:t>
+            </a:r>
+            <a:r>
+              <a:rPr lang="es-VE" sz="2400" dirty="0"/>
+              <a:t>. Posee este derecho en virtud de su infinita superioridad, de su propiedad absoluta de todo, y de la absoluta dependencia que todas las cosas tienen de él para su continuación. Por lo tanto, no es sólo necio sino también malvado criticar la conducta de Dios.</a:t>
+            </a:r>
+          </a:p>
+        </p:txBody>
+      </p:sp>
+    </p:spTree>
+    <p:extLst>
+      <p:ext uri="{BB962C8B-B14F-4D97-AF65-F5344CB8AC3E}">
+        <p14:creationId xmlns:p14="http://schemas.microsoft.com/office/powerpoint/2010/main" val="3121920346"/>
       </p:ext>
     </p:extLst>
   </p:cSld>

--- a/slideshow/Teologia Sistematica y Biblica - Myer Pearlman/Clases/4. Dios.pptx
+++ b/slideshow/Teologia Sistematica y Biblica - Myer Pearlman/Clases/4. Dios.pptx
@@ -33,6 +33,10 @@
     <p:sldId id="283" r:id="rId27"/>
     <p:sldId id="284" r:id="rId28"/>
     <p:sldId id="285" r:id="rId29"/>
+    <p:sldId id="286" r:id="rId30"/>
+    <p:sldId id="287" r:id="rId31"/>
+    <p:sldId id="288" r:id="rId32"/>
+    <p:sldId id="289" r:id="rId33"/>
   </p:sldIdLst>
   <p:sldSz cx="9144000" cy="5715000" type="screen16x10"/>
   <p:notesSz cx="6858000" cy="9144000"/>
@@ -270,7 +274,7 @@
           <a:p>
             <a:fld id="{50DEE611-8BEF-4990-B4F5-91A0FAC492E5}" type="datetimeFigureOut">
               <a:rPr lang="es-VE" smtClean="0"/>
-              <a:t>13/3/2021</a:t>
+              <a:t>17/3/2021</a:t>
             </a:fld>
             <a:endParaRPr lang="es-VE" dirty="0"/>
           </a:p>
@@ -440,7 +444,7 @@
           <a:p>
             <a:fld id="{50DEE611-8BEF-4990-B4F5-91A0FAC492E5}" type="datetimeFigureOut">
               <a:rPr lang="es-VE" smtClean="0"/>
-              <a:t>13/3/2021</a:t>
+              <a:t>17/3/2021</a:t>
             </a:fld>
             <a:endParaRPr lang="es-VE" dirty="0"/>
           </a:p>
@@ -620,7 +624,7 @@
           <a:p>
             <a:fld id="{50DEE611-8BEF-4990-B4F5-91A0FAC492E5}" type="datetimeFigureOut">
               <a:rPr lang="es-VE" smtClean="0"/>
-              <a:t>13/3/2021</a:t>
+              <a:t>17/3/2021</a:t>
             </a:fld>
             <a:endParaRPr lang="es-VE" dirty="0"/>
           </a:p>
@@ -790,7 +794,7 @@
           <a:p>
             <a:fld id="{50DEE611-8BEF-4990-B4F5-91A0FAC492E5}" type="datetimeFigureOut">
               <a:rPr lang="es-VE" smtClean="0"/>
-              <a:t>13/3/2021</a:t>
+              <a:t>17/3/2021</a:t>
             </a:fld>
             <a:endParaRPr lang="es-VE" dirty="0"/>
           </a:p>
@@ -1036,7 +1040,7 @@
           <a:p>
             <a:fld id="{50DEE611-8BEF-4990-B4F5-91A0FAC492E5}" type="datetimeFigureOut">
               <a:rPr lang="es-VE" smtClean="0"/>
-              <a:t>13/3/2021</a:t>
+              <a:t>17/3/2021</a:t>
             </a:fld>
             <a:endParaRPr lang="es-VE" dirty="0"/>
           </a:p>
@@ -1268,7 +1272,7 @@
           <a:p>
             <a:fld id="{50DEE611-8BEF-4990-B4F5-91A0FAC492E5}" type="datetimeFigureOut">
               <a:rPr lang="es-VE" smtClean="0"/>
-              <a:t>13/3/2021</a:t>
+              <a:t>17/3/2021</a:t>
             </a:fld>
             <a:endParaRPr lang="es-VE" dirty="0"/>
           </a:p>
@@ -1635,7 +1639,7 @@
           <a:p>
             <a:fld id="{50DEE611-8BEF-4990-B4F5-91A0FAC492E5}" type="datetimeFigureOut">
               <a:rPr lang="es-VE" smtClean="0"/>
-              <a:t>13/3/2021</a:t>
+              <a:t>17/3/2021</a:t>
             </a:fld>
             <a:endParaRPr lang="es-VE" dirty="0"/>
           </a:p>
@@ -1753,7 +1757,7 @@
           <a:p>
             <a:fld id="{50DEE611-8BEF-4990-B4F5-91A0FAC492E5}" type="datetimeFigureOut">
               <a:rPr lang="es-VE" smtClean="0"/>
-              <a:t>13/3/2021</a:t>
+              <a:t>17/3/2021</a:t>
             </a:fld>
             <a:endParaRPr lang="es-VE" dirty="0"/>
           </a:p>
@@ -1848,7 +1852,7 @@
           <a:p>
             <a:fld id="{50DEE611-8BEF-4990-B4F5-91A0FAC492E5}" type="datetimeFigureOut">
               <a:rPr lang="es-VE" smtClean="0"/>
-              <a:t>13/3/2021</a:t>
+              <a:t>17/3/2021</a:t>
             </a:fld>
             <a:endParaRPr lang="es-VE" dirty="0"/>
           </a:p>
@@ -2125,7 +2129,7 @@
           <a:p>
             <a:fld id="{50DEE611-8BEF-4990-B4F5-91A0FAC492E5}" type="datetimeFigureOut">
               <a:rPr lang="es-VE" smtClean="0"/>
-              <a:t>13/3/2021</a:t>
+              <a:t>17/3/2021</a:t>
             </a:fld>
             <a:endParaRPr lang="es-VE" dirty="0"/>
           </a:p>
@@ -2382,7 +2386,7 @@
           <a:p>
             <a:fld id="{50DEE611-8BEF-4990-B4F5-91A0FAC492E5}" type="datetimeFigureOut">
               <a:rPr lang="es-VE" smtClean="0"/>
-              <a:t>13/3/2021</a:t>
+              <a:t>17/3/2021</a:t>
             </a:fld>
             <a:endParaRPr lang="es-VE" dirty="0"/>
           </a:p>
@@ -2598,7 +2602,7 @@
           <a:p>
             <a:fld id="{50DEE611-8BEF-4990-B4F5-91A0FAC492E5}" type="datetimeFigureOut">
               <a:rPr lang="es-VE" smtClean="0"/>
-              <a:t>13/3/2021</a:t>
+              <a:t>17/3/2021</a:t>
             </a:fld>
             <a:endParaRPr lang="es-VE" dirty="0"/>
           </a:p>
@@ -8042,7 +8046,7 @@
 </p:sld>
 </file>
 
-<file path=ppt/slides/slide3.xml><?xml version="1.0" encoding="utf-8"?>
+<file path=ppt/slides/slide29.xml><?xml version="1.0" encoding="utf-8"?>
 <p:sld xmlns:a="http://schemas.openxmlformats.org/drawingml/2006/main" xmlns:r="http://schemas.openxmlformats.org/officeDocument/2006/relationships" xmlns:p="http://schemas.openxmlformats.org/presentationml/2006/main">
   <p:cSld>
     <p:bg>
@@ -8050,22 +8054,22 @@
         <a:gradFill flip="none" rotWithShape="1">
           <a:gsLst>
             <a:gs pos="0">
-              <a:schemeClr val="accent1">
+              <a:schemeClr val="accent3">
                 <a:lumMod val="89000"/>
               </a:schemeClr>
             </a:gs>
             <a:gs pos="23000">
-              <a:schemeClr val="accent1">
+              <a:schemeClr val="accent3">
                 <a:lumMod val="89000"/>
               </a:schemeClr>
             </a:gs>
             <a:gs pos="69000">
-              <a:schemeClr val="accent1">
+              <a:schemeClr val="accent3">
                 <a:lumMod val="75000"/>
               </a:schemeClr>
             </a:gs>
             <a:gs pos="97000">
-              <a:schemeClr val="accent1">
+              <a:schemeClr val="accent3">
                 <a:lumMod val="70000"/>
               </a:schemeClr>
             </a:gs>
@@ -8110,8 +8114,8 @@
         </p:nvSpPr>
         <p:spPr>
           <a:xfrm>
-            <a:off x="391887" y="309284"/>
-            <a:ext cx="8360228" cy="1405217"/>
+            <a:off x="228600" y="98612"/>
+            <a:ext cx="8686800" cy="1425388"/>
           </a:xfrm>
         </p:spPr>
         <p:txBody>
@@ -8121,9 +8125,32 @@
           <a:lstStyle/>
           <a:p>
             <a:r>
+              <a:rPr lang="es-VE" sz="6000" b="1" dirty="0"/>
+              <a:t>3. LOS ATRIBUTOS DE DIOS</a:t>
+            </a:r>
+            <a:br>
               <a:rPr lang="es-VE" sz="6600" b="1" dirty="0"/>
-              <a:t>1. LA EXISTENCIA DE DIOS</a:t>
-            </a:r>
+            </a:br>
+            <a:r>
+              <a:rPr lang="es-VE" sz="3200" b="1" dirty="0"/>
+              <a:t>3.3 Atributos morales</a:t>
+            </a:r>
+            <a:br>
+              <a:rPr lang="es-VE" sz="3200" b="1" dirty="0"/>
+            </a:br>
+            <a:r>
+              <a:rPr lang="es-VE" sz="2700" b="1" dirty="0">
+                <a:solidFill>
+                  <a:srgbClr val="FFFF00"/>
+                </a:solidFill>
+              </a:rPr>
+              <a:t>3.3.1. Santidad</a:t>
+            </a:r>
+            <a:endParaRPr lang="es-VE" sz="6600" b="1" dirty="0">
+              <a:solidFill>
+                <a:srgbClr val="FFFF00"/>
+              </a:solidFill>
+            </a:endParaRPr>
           </a:p>
         </p:txBody>
       </p:sp>
@@ -8145,6 +8172,403 @@
         </p:nvSpPr>
         <p:spPr>
           <a:xfrm>
+            <a:off x="228600" y="1524001"/>
+            <a:ext cx="8686800" cy="3769222"/>
+          </a:xfrm>
+        </p:spPr>
+        <p:txBody>
+          <a:bodyPr anchor="ctr">
+            <a:normAutofit/>
+          </a:bodyPr>
+          <a:lstStyle/>
+          <a:p>
+            <a:pPr marL="457200" indent="-457200">
+              <a:buFont typeface="+mj-lt"/>
+              <a:buAutoNum type="arabicPeriod"/>
+            </a:pPr>
+            <a:r>
+              <a:rPr lang="es-VE" sz="2000" dirty="0"/>
+              <a:t>Santo es</a:t>
+            </a:r>
+            <a:r>
+              <a:rPr lang="es-VE" sz="2000" b="1" dirty="0"/>
+              <a:t> </a:t>
+            </a:r>
+            <a:r>
+              <a:rPr lang="es-VE" sz="2000" b="1" dirty="0">
+                <a:highlight>
+                  <a:srgbClr val="800080"/>
+                </a:highlight>
+              </a:rPr>
+              <a:t>separado o apartado</a:t>
+            </a:r>
+            <a:r>
+              <a:rPr lang="es-VE" sz="2000" b="1" dirty="0"/>
+              <a:t>,</a:t>
+            </a:r>
+            <a:r>
+              <a:rPr lang="es-VE" sz="2000" dirty="0"/>
+              <a:t> La santidad de Dios</a:t>
+            </a:r>
+            <a:r>
+              <a:rPr lang="es-VE" sz="2000" b="1" dirty="0"/>
+              <a:t> </a:t>
+            </a:r>
+            <a:r>
+              <a:rPr lang="es-VE" sz="2000" dirty="0"/>
+              <a:t>significa</a:t>
+            </a:r>
+            <a:r>
+              <a:rPr lang="es-VE" sz="2000" b="1" dirty="0"/>
+              <a:t> </a:t>
+            </a:r>
+            <a:r>
+              <a:rPr lang="es-VE" sz="2000" b="1" dirty="0">
+                <a:highlight>
+                  <a:srgbClr val="008000"/>
+                </a:highlight>
+              </a:rPr>
+              <a:t>absoluta pureza moral</a:t>
+            </a:r>
+            <a:r>
+              <a:rPr lang="es-VE" sz="2000" dirty="0"/>
+              <a:t> </a:t>
+            </a:r>
+            <a:r>
+              <a:rPr lang="es-VE" sz="2000" b="1" dirty="0">
+                <a:solidFill>
+                  <a:srgbClr val="FFFF00"/>
+                </a:solidFill>
+              </a:rPr>
+              <a:t>[1]</a:t>
+            </a:r>
+            <a:r>
+              <a:rPr lang="es-VE" sz="2000" dirty="0"/>
+              <a:t>; no puede pecar ni tolerar el pecado.</a:t>
+            </a:r>
+          </a:p>
+          <a:p>
+            <a:pPr marL="457200" indent="-457200">
+              <a:buFont typeface="+mj-lt"/>
+              <a:buAutoNum type="arabicPeriod"/>
+            </a:pPr>
+            <a:r>
+              <a:rPr lang="es-VE" sz="2000" b="1" dirty="0"/>
+              <a:t>¿En qué sentido está </a:t>
+            </a:r>
+            <a:r>
+              <a:rPr lang="es-VE" sz="2000" dirty="0"/>
+              <a:t>separado</a:t>
+            </a:r>
+            <a:r>
+              <a:rPr lang="es-VE" sz="2000" b="1" dirty="0"/>
+              <a:t> Dios?</a:t>
+            </a:r>
+            <a:r>
+              <a:rPr lang="es-VE" sz="2000" dirty="0"/>
+              <a:t> El está en el cielo, el hombre en la tierra, Dios es perfecto, el hombre imperfecto; Dios es divino, el hombre humano; Dios es moralmente perfecto, el hombre es pecaminoso, etc.</a:t>
+            </a:r>
+          </a:p>
+          <a:p>
+            <a:pPr marL="457200" indent="-457200">
+              <a:buFont typeface="+mj-lt"/>
+              <a:buAutoNum type="arabicPeriod"/>
+            </a:pPr>
+            <a:r>
+              <a:rPr lang="es-VE" sz="2000" b="1" dirty="0"/>
+              <a:t>El hombre santifica a Dios</a:t>
+            </a:r>
+            <a:r>
+              <a:rPr lang="es-VE" sz="2000" dirty="0"/>
+              <a:t> cuando lo honra y reverencia como ser divino </a:t>
+            </a:r>
+            <a:r>
+              <a:rPr lang="es-VE" sz="2000" b="1" dirty="0">
+                <a:solidFill>
+                  <a:srgbClr val="FFFF00"/>
+                </a:solidFill>
+              </a:rPr>
+              <a:t>[2]</a:t>
+            </a:r>
+            <a:r>
+              <a:rPr lang="es-VE" sz="2000" dirty="0"/>
+              <a:t>. Cuando le afrentan al violar sus mandamientos, se dice que </a:t>
+            </a:r>
+            <a:r>
+              <a:rPr lang="es-VE" sz="2000" dirty="0">
+                <a:highlight>
+                  <a:srgbClr val="800000"/>
+                </a:highlight>
+              </a:rPr>
+              <a:t>“profanan”</a:t>
+            </a:r>
+            <a:r>
+              <a:rPr lang="es-VE" sz="2000" dirty="0"/>
+              <a:t> su nombre, lo cual es lo opuesto de santificarlo.</a:t>
+            </a:r>
+          </a:p>
+          <a:p>
+            <a:pPr marL="457200" indent="-457200">
+              <a:buFont typeface="+mj-lt"/>
+              <a:buAutoNum type="arabicPeriod"/>
+            </a:pPr>
+            <a:r>
+              <a:rPr lang="es-VE" sz="2000" b="1" dirty="0"/>
+              <a:t>Sólo Dios es santo en sí mismo</a:t>
+            </a:r>
+            <a:r>
+              <a:rPr lang="es-VE" sz="2000" dirty="0"/>
+              <a:t>. Toda gente, edificios u objetos son santos porque </a:t>
+            </a:r>
+            <a:r>
+              <a:rPr lang="es-VE" sz="2000" dirty="0">
+                <a:highlight>
+                  <a:srgbClr val="800080"/>
+                </a:highlight>
+              </a:rPr>
+              <a:t>Dios los ha hecho santos o los ha santificado</a:t>
+            </a:r>
+            <a:r>
+              <a:rPr lang="es-VE" sz="2000" dirty="0"/>
+              <a:t>, o sea, que ha sido separado o apartado para servir a Dios.</a:t>
+            </a:r>
+          </a:p>
+        </p:txBody>
+      </p:sp>
+      <p:sp>
+        <p:nvSpPr>
+          <p:cNvPr id="4" name="CuadroTexto 3">
+            <a:extLst>
+              <a:ext uri="{FF2B5EF4-FFF2-40B4-BE49-F238E27FC236}">
+                <a16:creationId xmlns:a16="http://schemas.microsoft.com/office/drawing/2014/main" id="{44DF95A3-7A05-44B3-B094-A2BB7095F5B5}"/>
+              </a:ext>
+            </a:extLst>
+          </p:cNvPr>
+          <p:cNvSpPr txBox="1"/>
+          <p:nvPr/>
+        </p:nvSpPr>
+        <p:spPr>
+          <a:xfrm>
+            <a:off x="2519082" y="5293222"/>
+            <a:ext cx="6396316" cy="338554"/>
+          </a:xfrm>
+          <a:prstGeom prst="rect">
+            <a:avLst/>
+          </a:prstGeom>
+          <a:noFill/>
+        </p:spPr>
+        <p:txBody>
+          <a:bodyPr wrap="square" rtlCol="0">
+            <a:spAutoFit/>
+          </a:bodyPr>
+          <a:lstStyle/>
+          <a:p>
+            <a:pPr algn="r"/>
+            <a:r>
+              <a:rPr lang="es-VE" sz="1600" b="1" dirty="0">
+                <a:solidFill>
+                  <a:srgbClr val="FFFF00"/>
+                </a:solidFill>
+              </a:rPr>
+              <a:t>[1]</a:t>
+            </a:r>
+            <a:r>
+              <a:rPr lang="es-VE" sz="1600" dirty="0">
+                <a:solidFill>
+                  <a:schemeClr val="accent3">
+                    <a:lumMod val="40000"/>
+                    <a:lumOff val="60000"/>
+                  </a:schemeClr>
+                </a:solidFill>
+              </a:rPr>
+              <a:t> </a:t>
+            </a:r>
+            <a:r>
+              <a:rPr lang="es-VE" sz="1600" dirty="0"/>
+              <a:t>Ex 15:11; </a:t>
+            </a:r>
+            <a:r>
+              <a:rPr lang="es-VE" sz="1600" dirty="0" err="1"/>
+              <a:t>Lv</a:t>
+            </a:r>
+            <a:r>
+              <a:rPr lang="es-VE" sz="1600" dirty="0"/>
+              <a:t> 11:44-45; </a:t>
+            </a:r>
+            <a:r>
+              <a:rPr lang="es-VE" sz="1600" dirty="0" err="1"/>
+              <a:t>Lv</a:t>
+            </a:r>
+            <a:r>
+              <a:rPr lang="es-VE" sz="1600" dirty="0"/>
+              <a:t> 20:26; </a:t>
+            </a:r>
+            <a:r>
+              <a:rPr lang="es-VE" sz="1600" dirty="0" err="1"/>
+              <a:t>Js</a:t>
+            </a:r>
+            <a:r>
+              <a:rPr lang="es-VE" sz="1600" dirty="0"/>
+              <a:t> 24:19; </a:t>
+            </a:r>
+            <a:r>
+              <a:rPr lang="es-VE" sz="1600" b="1" dirty="0">
+                <a:solidFill>
+                  <a:srgbClr val="FFFF00"/>
+                </a:solidFill>
+              </a:rPr>
+              <a:t>[2]</a:t>
+            </a:r>
+            <a:r>
+              <a:rPr lang="es-VE" sz="1600" b="1" dirty="0">
+                <a:solidFill>
+                  <a:schemeClr val="accent3">
+                    <a:lumMod val="40000"/>
+                    <a:lumOff val="60000"/>
+                  </a:schemeClr>
+                </a:solidFill>
+              </a:rPr>
+              <a:t> </a:t>
+            </a:r>
+            <a:r>
+              <a:rPr lang="es-VE" sz="1600" dirty="0"/>
+              <a:t>Nm 20:12; </a:t>
+            </a:r>
+            <a:r>
+              <a:rPr lang="es-VE" sz="1600" dirty="0" err="1"/>
+              <a:t>Lv</a:t>
+            </a:r>
+            <a:r>
+              <a:rPr lang="es-VE" sz="1600" dirty="0"/>
+              <a:t> 10:3; </a:t>
+            </a:r>
+            <a:r>
+              <a:rPr lang="es-VE" sz="1600" dirty="0" err="1"/>
+              <a:t>Is</a:t>
+            </a:r>
+            <a:r>
+              <a:rPr lang="es-VE" sz="1600" dirty="0"/>
+              <a:t> 8:13.</a:t>
+            </a:r>
+          </a:p>
+        </p:txBody>
+      </p:sp>
+    </p:spTree>
+    <p:extLst>
+      <p:ext uri="{BB962C8B-B14F-4D97-AF65-F5344CB8AC3E}">
+        <p14:creationId xmlns:p14="http://schemas.microsoft.com/office/powerpoint/2010/main" val="718072453"/>
+      </p:ext>
+    </p:extLst>
+  </p:cSld>
+  <p:clrMapOvr>
+    <a:masterClrMapping/>
+  </p:clrMapOvr>
+</p:sld>
+</file>
+
+<file path=ppt/slides/slide3.xml><?xml version="1.0" encoding="utf-8"?>
+<p:sld xmlns:a="http://schemas.openxmlformats.org/drawingml/2006/main" xmlns:r="http://schemas.openxmlformats.org/officeDocument/2006/relationships" xmlns:p="http://schemas.openxmlformats.org/presentationml/2006/main">
+  <p:cSld>
+    <p:bg>
+      <p:bgPr>
+        <a:gradFill flip="none" rotWithShape="1">
+          <a:gsLst>
+            <a:gs pos="0">
+              <a:schemeClr val="accent1">
+                <a:lumMod val="89000"/>
+              </a:schemeClr>
+            </a:gs>
+            <a:gs pos="23000">
+              <a:schemeClr val="accent1">
+                <a:lumMod val="89000"/>
+              </a:schemeClr>
+            </a:gs>
+            <a:gs pos="69000">
+              <a:schemeClr val="accent1">
+                <a:lumMod val="75000"/>
+              </a:schemeClr>
+            </a:gs>
+            <a:gs pos="97000">
+              <a:schemeClr val="accent1">
+                <a:lumMod val="70000"/>
+              </a:schemeClr>
+            </a:gs>
+          </a:gsLst>
+          <a:path path="circle">
+            <a:fillToRect l="50000" t="50000" r="50000" b="50000"/>
+          </a:path>
+          <a:tileRect/>
+        </a:gradFill>
+        <a:effectLst/>
+      </p:bgPr>
+    </p:bg>
+    <p:spTree>
+      <p:nvGrpSpPr>
+        <p:cNvPr id="1" name=""/>
+        <p:cNvGrpSpPr/>
+        <p:nvPr/>
+      </p:nvGrpSpPr>
+      <p:grpSpPr>
+        <a:xfrm>
+          <a:off x="0" y="0"/>
+          <a:ext cx="0" cy="0"/>
+          <a:chOff x="0" y="0"/>
+          <a:chExt cx="0" cy="0"/>
+        </a:xfrm>
+      </p:grpSpPr>
+      <p:sp>
+        <p:nvSpPr>
+          <p:cNvPr id="2" name="Título 1">
+            <a:extLst>
+              <a:ext uri="{FF2B5EF4-FFF2-40B4-BE49-F238E27FC236}">
+                <a16:creationId xmlns:a16="http://schemas.microsoft.com/office/drawing/2014/main" id="{C65A0631-47E2-4854-94DA-DD27A379FEF1}"/>
+              </a:ext>
+            </a:extLst>
+          </p:cNvPr>
+          <p:cNvSpPr>
+            <a:spLocks noGrp="1"/>
+          </p:cNvSpPr>
+          <p:nvPr>
+            <p:ph type="title"/>
+          </p:nvPr>
+        </p:nvSpPr>
+        <p:spPr>
+          <a:xfrm>
+            <a:off x="391887" y="309284"/>
+            <a:ext cx="8360228" cy="1405217"/>
+          </a:xfrm>
+        </p:spPr>
+        <p:txBody>
+          <a:bodyPr anchor="ctr">
+            <a:normAutofit fontScale="90000"/>
+          </a:bodyPr>
+          <a:lstStyle/>
+          <a:p>
+            <a:r>
+              <a:rPr lang="es-VE" sz="6600" b="1" dirty="0"/>
+              <a:t>1. LA EXISTENCIA DE DIOS</a:t>
+            </a:r>
+          </a:p>
+        </p:txBody>
+      </p:sp>
+      <p:sp>
+        <p:nvSpPr>
+          <p:cNvPr id="3" name="Marcador de contenido 2">
+            <a:extLst>
+              <a:ext uri="{FF2B5EF4-FFF2-40B4-BE49-F238E27FC236}">
+                <a16:creationId xmlns:a16="http://schemas.microsoft.com/office/drawing/2014/main" id="{AA130F57-7D31-4139-81B2-4D70486C00F2}"/>
+              </a:ext>
+            </a:extLst>
+          </p:cNvPr>
+          <p:cNvSpPr>
+            <a:spLocks noGrp="1"/>
+          </p:cNvSpPr>
+          <p:nvPr>
+            <p:ph idx="1"/>
+          </p:nvPr>
+        </p:nvSpPr>
+        <p:spPr>
+          <a:xfrm>
             <a:off x="391887" y="1714502"/>
             <a:ext cx="8360228" cy="3691216"/>
           </a:xfrm>
@@ -8253,6 +8677,887 @@
     <p:extLst>
       <p:ext uri="{BB962C8B-B14F-4D97-AF65-F5344CB8AC3E}">
         <p14:creationId xmlns:p14="http://schemas.microsoft.com/office/powerpoint/2010/main" val="1184801013"/>
+      </p:ext>
+    </p:extLst>
+  </p:cSld>
+  <p:clrMapOvr>
+    <a:masterClrMapping/>
+  </p:clrMapOvr>
+</p:sld>
+</file>
+
+<file path=ppt/slides/slide30.xml><?xml version="1.0" encoding="utf-8"?>
+<p:sld xmlns:a="http://schemas.openxmlformats.org/drawingml/2006/main" xmlns:r="http://schemas.openxmlformats.org/officeDocument/2006/relationships" xmlns:p="http://schemas.openxmlformats.org/presentationml/2006/main">
+  <p:cSld>
+    <p:bg>
+      <p:bgPr>
+        <a:gradFill flip="none" rotWithShape="1">
+          <a:gsLst>
+            <a:gs pos="0">
+              <a:schemeClr val="accent3">
+                <a:lumMod val="89000"/>
+              </a:schemeClr>
+            </a:gs>
+            <a:gs pos="23000">
+              <a:schemeClr val="accent3">
+                <a:lumMod val="89000"/>
+              </a:schemeClr>
+            </a:gs>
+            <a:gs pos="69000">
+              <a:schemeClr val="accent3">
+                <a:lumMod val="75000"/>
+              </a:schemeClr>
+            </a:gs>
+            <a:gs pos="97000">
+              <a:schemeClr val="accent3">
+                <a:lumMod val="70000"/>
+              </a:schemeClr>
+            </a:gs>
+          </a:gsLst>
+          <a:path path="circle">
+            <a:fillToRect l="50000" t="50000" r="50000" b="50000"/>
+          </a:path>
+          <a:tileRect/>
+        </a:gradFill>
+        <a:effectLst/>
+      </p:bgPr>
+    </p:bg>
+    <p:spTree>
+      <p:nvGrpSpPr>
+        <p:cNvPr id="1" name=""/>
+        <p:cNvGrpSpPr/>
+        <p:nvPr/>
+      </p:nvGrpSpPr>
+      <p:grpSpPr>
+        <a:xfrm>
+          <a:off x="0" y="0"/>
+          <a:ext cx="0" cy="0"/>
+          <a:chOff x="0" y="0"/>
+          <a:chExt cx="0" cy="0"/>
+        </a:xfrm>
+      </p:grpSpPr>
+      <p:sp>
+        <p:nvSpPr>
+          <p:cNvPr id="2" name="Título 1">
+            <a:extLst>
+              <a:ext uri="{FF2B5EF4-FFF2-40B4-BE49-F238E27FC236}">
+                <a16:creationId xmlns:a16="http://schemas.microsoft.com/office/drawing/2014/main" id="{C65A0631-47E2-4854-94DA-DD27A379FEF1}"/>
+              </a:ext>
+            </a:extLst>
+          </p:cNvPr>
+          <p:cNvSpPr>
+            <a:spLocks noGrp="1"/>
+          </p:cNvSpPr>
+          <p:nvPr>
+            <p:ph type="title"/>
+          </p:nvPr>
+        </p:nvSpPr>
+        <p:spPr>
+          <a:xfrm>
+            <a:off x="228600" y="206188"/>
+            <a:ext cx="8686800" cy="1541930"/>
+          </a:xfrm>
+        </p:spPr>
+        <p:txBody>
+          <a:bodyPr anchor="ctr">
+            <a:normAutofit fontScale="90000"/>
+          </a:bodyPr>
+          <a:lstStyle/>
+          <a:p>
+            <a:r>
+              <a:rPr lang="es-VE" sz="6000" b="1" dirty="0"/>
+              <a:t>3. LOS ATRIBUTOS DE DIOS</a:t>
+            </a:r>
+            <a:br>
+              <a:rPr lang="es-VE" sz="6600" b="1" dirty="0"/>
+            </a:br>
+            <a:r>
+              <a:rPr lang="es-VE" sz="3200" b="1" dirty="0"/>
+              <a:t>3.3 Atributos morales</a:t>
+            </a:r>
+            <a:br>
+              <a:rPr lang="es-VE" sz="3200" b="1" dirty="0"/>
+            </a:br>
+            <a:r>
+              <a:rPr lang="es-VE" sz="2700" b="1" dirty="0">
+                <a:solidFill>
+                  <a:srgbClr val="FFFF00"/>
+                </a:solidFill>
+              </a:rPr>
+              <a:t>3.3.2. Justicia</a:t>
+            </a:r>
+            <a:endParaRPr lang="es-VE" sz="6600" b="1" dirty="0">
+              <a:solidFill>
+                <a:srgbClr val="FFFF00"/>
+              </a:solidFill>
+            </a:endParaRPr>
+          </a:p>
+        </p:txBody>
+      </p:sp>
+      <p:sp>
+        <p:nvSpPr>
+          <p:cNvPr id="3" name="Marcador de contenido 2">
+            <a:extLst>
+              <a:ext uri="{FF2B5EF4-FFF2-40B4-BE49-F238E27FC236}">
+                <a16:creationId xmlns:a16="http://schemas.microsoft.com/office/drawing/2014/main" id="{AA130F57-7D31-4139-81B2-4D70486C00F2}"/>
+              </a:ext>
+            </a:extLst>
+          </p:cNvPr>
+          <p:cNvSpPr>
+            <a:spLocks noGrp="1"/>
+          </p:cNvSpPr>
+          <p:nvPr>
+            <p:ph idx="1"/>
+          </p:nvPr>
+        </p:nvSpPr>
+        <p:spPr>
+          <a:xfrm>
+            <a:off x="228600" y="1748118"/>
+            <a:ext cx="8686800" cy="3320988"/>
+          </a:xfrm>
+        </p:spPr>
+        <p:txBody>
+          <a:bodyPr anchor="ctr">
+            <a:noAutofit/>
+          </a:bodyPr>
+          <a:lstStyle/>
+          <a:p>
+            <a:pPr marL="0" indent="0">
+              <a:buNone/>
+            </a:pPr>
+            <a:r>
+              <a:rPr lang="es-VE" sz="2400" dirty="0"/>
+              <a:t>La justicia </a:t>
+            </a:r>
+            <a:r>
+              <a:rPr lang="es-VE" sz="2400" b="1" dirty="0"/>
+              <a:t>es la santidad de Dios manifestada</a:t>
+            </a:r>
+            <a:r>
+              <a:rPr lang="es-VE" sz="2400" dirty="0"/>
+              <a:t> en el </a:t>
+            </a:r>
+            <a:r>
+              <a:rPr lang="es-VE" sz="2400" dirty="0">
+                <a:highlight>
+                  <a:srgbClr val="800080"/>
+                </a:highlight>
+              </a:rPr>
+              <a:t>trato justo con sus criaturas</a:t>
+            </a:r>
+            <a:r>
+              <a:rPr lang="es-VE" sz="2400" dirty="0"/>
+              <a:t> </a:t>
+            </a:r>
+            <a:r>
+              <a:rPr lang="es-VE" sz="2400" b="1" dirty="0">
+                <a:solidFill>
+                  <a:srgbClr val="FFFF00"/>
+                </a:solidFill>
+              </a:rPr>
+              <a:t>[1]. </a:t>
+            </a:r>
+            <a:r>
+              <a:rPr lang="es-VE" sz="2400" dirty="0"/>
+              <a:t>Justicia es ajustarse a un nivel justo de conducta; es la conducta que corresponde con relación a los demás</a:t>
+            </a:r>
+            <a:r>
+              <a:rPr lang="es-VE" sz="2400" b="1" dirty="0"/>
+              <a:t>.</a:t>
+            </a:r>
+          </a:p>
+          <a:p>
+            <a:pPr marL="0" indent="0">
+              <a:buNone/>
+            </a:pPr>
+            <a:endParaRPr lang="es-VE" sz="2400" b="1" dirty="0"/>
+          </a:p>
+          <a:p>
+            <a:pPr marL="0" indent="0">
+              <a:buNone/>
+            </a:pPr>
+            <a:r>
+              <a:rPr lang="es-VE" sz="2400" b="1" dirty="0"/>
+              <a:t>¿Cuándo manifiesta Dios este atributo? </a:t>
+            </a:r>
+            <a:r>
+              <a:rPr lang="es-VE" sz="2400" dirty="0"/>
+              <a:t>Cuando declara inocente al que lo es; y condena al malvado y vela porque se haga justicia </a:t>
+            </a:r>
+            <a:r>
+              <a:rPr lang="es-VE" sz="2400" b="1" dirty="0">
+                <a:solidFill>
+                  <a:srgbClr val="FFFF00"/>
+                </a:solidFill>
+              </a:rPr>
+              <a:t>[2]</a:t>
+            </a:r>
+            <a:r>
+              <a:rPr lang="es-VE" sz="2400" dirty="0"/>
+              <a:t>, Cuando perdona al penitente </a:t>
+            </a:r>
+            <a:r>
+              <a:rPr lang="es-VE" sz="2400" b="1" dirty="0">
+                <a:solidFill>
+                  <a:srgbClr val="FFFF00"/>
+                </a:solidFill>
+              </a:rPr>
+              <a:t>[3]</a:t>
+            </a:r>
+            <a:r>
+              <a:rPr lang="es-VE" sz="2400" dirty="0"/>
+              <a:t>, cuando castiga y juzga a su pueblo</a:t>
+            </a:r>
+            <a:r>
+              <a:rPr lang="es-VE" sz="2400" b="1" dirty="0">
+                <a:solidFill>
+                  <a:srgbClr val="FFFF00"/>
+                </a:solidFill>
+              </a:rPr>
+              <a:t> [4]</a:t>
+            </a:r>
+            <a:r>
+              <a:rPr lang="es-VE" sz="2400" dirty="0"/>
+              <a:t>, etc.</a:t>
+            </a:r>
+          </a:p>
+        </p:txBody>
+      </p:sp>
+      <p:sp>
+        <p:nvSpPr>
+          <p:cNvPr id="4" name="CuadroTexto 3">
+            <a:extLst>
+              <a:ext uri="{FF2B5EF4-FFF2-40B4-BE49-F238E27FC236}">
+                <a16:creationId xmlns:a16="http://schemas.microsoft.com/office/drawing/2014/main" id="{44DF95A3-7A05-44B3-B094-A2BB7095F5B5}"/>
+              </a:ext>
+            </a:extLst>
+          </p:cNvPr>
+          <p:cNvSpPr txBox="1"/>
+          <p:nvPr/>
+        </p:nvSpPr>
+        <p:spPr>
+          <a:xfrm>
+            <a:off x="2133602" y="5108702"/>
+            <a:ext cx="6781798" cy="369332"/>
+          </a:xfrm>
+          <a:prstGeom prst="rect">
+            <a:avLst/>
+          </a:prstGeom>
+          <a:noFill/>
+        </p:spPr>
+        <p:txBody>
+          <a:bodyPr wrap="square" rtlCol="0">
+            <a:spAutoFit/>
+          </a:bodyPr>
+          <a:lstStyle/>
+          <a:p>
+            <a:pPr algn="r"/>
+            <a:r>
+              <a:rPr lang="es-VE" b="1" dirty="0">
+                <a:solidFill>
+                  <a:srgbClr val="FFFF00"/>
+                </a:solidFill>
+              </a:rPr>
+              <a:t>[1] </a:t>
+            </a:r>
+            <a:r>
+              <a:rPr lang="es-VE" dirty="0" err="1"/>
+              <a:t>Gn</a:t>
+            </a:r>
+            <a:r>
+              <a:rPr lang="es-VE" dirty="0"/>
+              <a:t> 18:25 </a:t>
+            </a:r>
+            <a:r>
+              <a:rPr lang="es-VE" b="1" dirty="0">
+                <a:solidFill>
+                  <a:srgbClr val="FFFF00"/>
+                </a:solidFill>
+              </a:rPr>
+              <a:t>[2]</a:t>
+            </a:r>
+            <a:r>
+              <a:rPr lang="es-VE" b="1" dirty="0">
+                <a:solidFill>
+                  <a:schemeClr val="accent3">
+                    <a:lumMod val="40000"/>
+                    <a:lumOff val="60000"/>
+                  </a:schemeClr>
+                </a:solidFill>
+              </a:rPr>
+              <a:t> </a:t>
+            </a:r>
+            <a:r>
+              <a:rPr lang="es-VE" dirty="0" err="1"/>
+              <a:t>Is</a:t>
+            </a:r>
+            <a:r>
+              <a:rPr lang="es-VE" dirty="0"/>
+              <a:t> 11:3 </a:t>
+            </a:r>
+            <a:r>
+              <a:rPr lang="es-VE" b="1" dirty="0">
+                <a:solidFill>
+                  <a:srgbClr val="FFFF00"/>
+                </a:solidFill>
+              </a:rPr>
+              <a:t>[3] </a:t>
+            </a:r>
+            <a:r>
+              <a:rPr lang="es-VE" dirty="0"/>
+              <a:t>1Jn 1:9; </a:t>
+            </a:r>
+            <a:r>
+              <a:rPr lang="es-VE" dirty="0" err="1"/>
+              <a:t>Heb</a:t>
+            </a:r>
+            <a:r>
+              <a:rPr lang="es-VE" dirty="0"/>
+              <a:t> 6:10 </a:t>
+            </a:r>
+            <a:r>
+              <a:rPr lang="es-VE" b="1" dirty="0">
+                <a:solidFill>
+                  <a:srgbClr val="FFFF00"/>
+                </a:solidFill>
+              </a:rPr>
+              <a:t>[4] </a:t>
+            </a:r>
+            <a:r>
+              <a:rPr lang="es-VE" dirty="0" err="1"/>
+              <a:t>Is</a:t>
+            </a:r>
+            <a:r>
+              <a:rPr lang="es-VE" dirty="0"/>
+              <a:t> 8:17; Am 3:2</a:t>
+            </a:r>
+          </a:p>
+        </p:txBody>
+      </p:sp>
+    </p:spTree>
+    <p:extLst>
+      <p:ext uri="{BB962C8B-B14F-4D97-AF65-F5344CB8AC3E}">
+        <p14:creationId xmlns:p14="http://schemas.microsoft.com/office/powerpoint/2010/main" val="2499795385"/>
+      </p:ext>
+    </p:extLst>
+  </p:cSld>
+  <p:clrMapOvr>
+    <a:masterClrMapping/>
+  </p:clrMapOvr>
+</p:sld>
+</file>
+
+<file path=ppt/slides/slide31.xml><?xml version="1.0" encoding="utf-8"?>
+<p:sld xmlns:a="http://schemas.openxmlformats.org/drawingml/2006/main" xmlns:r="http://schemas.openxmlformats.org/officeDocument/2006/relationships" xmlns:p="http://schemas.openxmlformats.org/presentationml/2006/main">
+  <p:cSld>
+    <p:bg>
+      <p:bgPr>
+        <a:gradFill flip="none" rotWithShape="1">
+          <a:gsLst>
+            <a:gs pos="0">
+              <a:schemeClr val="accent3">
+                <a:lumMod val="89000"/>
+              </a:schemeClr>
+            </a:gs>
+            <a:gs pos="23000">
+              <a:schemeClr val="accent3">
+                <a:lumMod val="89000"/>
+              </a:schemeClr>
+            </a:gs>
+            <a:gs pos="69000">
+              <a:schemeClr val="accent3">
+                <a:lumMod val="75000"/>
+              </a:schemeClr>
+            </a:gs>
+            <a:gs pos="97000">
+              <a:schemeClr val="accent3">
+                <a:lumMod val="70000"/>
+              </a:schemeClr>
+            </a:gs>
+          </a:gsLst>
+          <a:path path="circle">
+            <a:fillToRect l="50000" t="50000" r="50000" b="50000"/>
+          </a:path>
+          <a:tileRect/>
+        </a:gradFill>
+        <a:effectLst/>
+      </p:bgPr>
+    </p:bg>
+    <p:spTree>
+      <p:nvGrpSpPr>
+        <p:cNvPr id="1" name=""/>
+        <p:cNvGrpSpPr/>
+        <p:nvPr/>
+      </p:nvGrpSpPr>
+      <p:grpSpPr>
+        <a:xfrm>
+          <a:off x="0" y="0"/>
+          <a:ext cx="0" cy="0"/>
+          <a:chOff x="0" y="0"/>
+          <a:chExt cx="0" cy="0"/>
+        </a:xfrm>
+      </p:grpSpPr>
+      <p:sp>
+        <p:nvSpPr>
+          <p:cNvPr id="2" name="Título 1">
+            <a:extLst>
+              <a:ext uri="{FF2B5EF4-FFF2-40B4-BE49-F238E27FC236}">
+                <a16:creationId xmlns:a16="http://schemas.microsoft.com/office/drawing/2014/main" id="{C65A0631-47E2-4854-94DA-DD27A379FEF1}"/>
+              </a:ext>
+            </a:extLst>
+          </p:cNvPr>
+          <p:cNvSpPr>
+            <a:spLocks noGrp="1"/>
+          </p:cNvSpPr>
+          <p:nvPr>
+            <p:ph type="title"/>
+          </p:nvPr>
+        </p:nvSpPr>
+        <p:spPr>
+          <a:xfrm>
+            <a:off x="228600" y="206188"/>
+            <a:ext cx="8686800" cy="1541930"/>
+          </a:xfrm>
+        </p:spPr>
+        <p:txBody>
+          <a:bodyPr anchor="ctr">
+            <a:normAutofit fontScale="90000"/>
+          </a:bodyPr>
+          <a:lstStyle/>
+          <a:p>
+            <a:r>
+              <a:rPr lang="es-VE" sz="6000" b="1" dirty="0"/>
+              <a:t>3. LOS ATRIBUTOS DE DIOS</a:t>
+            </a:r>
+            <a:br>
+              <a:rPr lang="es-VE" sz="6600" b="1" dirty="0"/>
+            </a:br>
+            <a:r>
+              <a:rPr lang="es-VE" sz="3200" b="1" dirty="0"/>
+              <a:t>3.3 Atributos morales</a:t>
+            </a:r>
+            <a:br>
+              <a:rPr lang="es-VE" sz="3200" b="1" dirty="0"/>
+            </a:br>
+            <a:r>
+              <a:rPr lang="es-VE" sz="2700" b="1" dirty="0">
+                <a:solidFill>
+                  <a:srgbClr val="FFFF00"/>
+                </a:solidFill>
+              </a:rPr>
+              <a:t>3.3.3. Fidelidad</a:t>
+            </a:r>
+            <a:endParaRPr lang="es-VE" sz="6600" b="1" dirty="0">
+              <a:solidFill>
+                <a:srgbClr val="FFFF00"/>
+              </a:solidFill>
+            </a:endParaRPr>
+          </a:p>
+        </p:txBody>
+      </p:sp>
+      <p:sp>
+        <p:nvSpPr>
+          <p:cNvPr id="3" name="Marcador de contenido 2">
+            <a:extLst>
+              <a:ext uri="{FF2B5EF4-FFF2-40B4-BE49-F238E27FC236}">
+                <a16:creationId xmlns:a16="http://schemas.microsoft.com/office/drawing/2014/main" id="{AA130F57-7D31-4139-81B2-4D70486C00F2}"/>
+              </a:ext>
+            </a:extLst>
+          </p:cNvPr>
+          <p:cNvSpPr>
+            <a:spLocks noGrp="1"/>
+          </p:cNvSpPr>
+          <p:nvPr>
+            <p:ph idx="1"/>
+          </p:nvPr>
+        </p:nvSpPr>
+        <p:spPr>
+          <a:xfrm>
+            <a:off x="228600" y="1748118"/>
+            <a:ext cx="8686800" cy="2560365"/>
+          </a:xfrm>
+        </p:spPr>
+        <p:txBody>
+          <a:bodyPr anchor="ctr">
+            <a:noAutofit/>
+          </a:bodyPr>
+          <a:lstStyle/>
+          <a:p>
+            <a:pPr marL="0" indent="0">
+              <a:buNone/>
+            </a:pPr>
+            <a:r>
+              <a:rPr lang="es-VE" sz="3600" dirty="0"/>
+              <a:t>El es digno de confianza total, sus palabras </a:t>
+            </a:r>
+            <a:r>
+              <a:rPr lang="es-VE" sz="3600" dirty="0">
+                <a:highlight>
+                  <a:srgbClr val="800080"/>
+                </a:highlight>
+              </a:rPr>
+              <a:t>siempre se cumplirán</a:t>
+            </a:r>
+            <a:r>
+              <a:rPr lang="es-VE" sz="3600" dirty="0"/>
+              <a:t>. Por lo tanto, su pueblo debe </a:t>
+            </a:r>
+            <a:r>
+              <a:rPr lang="es-VE" sz="3600" b="1" dirty="0">
+                <a:highlight>
+                  <a:srgbClr val="008000"/>
+                </a:highlight>
+              </a:rPr>
+              <a:t>reposar en sus promesas</a:t>
+            </a:r>
+            <a:r>
+              <a:rPr lang="es-VE" sz="3600" dirty="0"/>
+              <a:t>. </a:t>
+            </a:r>
+            <a:r>
+              <a:rPr lang="es-VE" sz="3600" b="1" dirty="0">
+                <a:solidFill>
+                  <a:srgbClr val="FFFF00"/>
+                </a:solidFill>
+              </a:rPr>
+              <a:t>[1]</a:t>
+            </a:r>
+            <a:endParaRPr lang="es-VE" sz="3600" dirty="0">
+              <a:solidFill>
+                <a:srgbClr val="FFFF00"/>
+              </a:solidFill>
+            </a:endParaRPr>
+          </a:p>
+        </p:txBody>
+      </p:sp>
+      <p:sp>
+        <p:nvSpPr>
+          <p:cNvPr id="4" name="CuadroTexto 3">
+            <a:extLst>
+              <a:ext uri="{FF2B5EF4-FFF2-40B4-BE49-F238E27FC236}">
+                <a16:creationId xmlns:a16="http://schemas.microsoft.com/office/drawing/2014/main" id="{44DF95A3-7A05-44B3-B094-A2BB7095F5B5}"/>
+              </a:ext>
+            </a:extLst>
+          </p:cNvPr>
+          <p:cNvSpPr txBox="1"/>
+          <p:nvPr/>
+        </p:nvSpPr>
+        <p:spPr>
+          <a:xfrm>
+            <a:off x="3630706" y="4308483"/>
+            <a:ext cx="5284694" cy="1200329"/>
+          </a:xfrm>
+          <a:prstGeom prst="rect">
+            <a:avLst/>
+          </a:prstGeom>
+          <a:noFill/>
+        </p:spPr>
+        <p:txBody>
+          <a:bodyPr wrap="square" rtlCol="0">
+            <a:spAutoFit/>
+          </a:bodyPr>
+          <a:lstStyle/>
+          <a:p>
+            <a:pPr algn="r"/>
+            <a:r>
+              <a:rPr lang="es-VE" b="1" dirty="0">
+                <a:solidFill>
+                  <a:srgbClr val="FFFF00"/>
+                </a:solidFill>
+              </a:rPr>
+              <a:t>[1]</a:t>
+            </a:r>
+            <a:r>
+              <a:rPr lang="es-VE" dirty="0"/>
+              <a:t> Ex 34:6; Nm 23:19; </a:t>
+            </a:r>
+            <a:r>
+              <a:rPr lang="es-VE" dirty="0" err="1"/>
+              <a:t>Dt</a:t>
+            </a:r>
+            <a:r>
+              <a:rPr lang="es-VE" dirty="0"/>
+              <a:t> 4:31; Jos 21:43-45; </a:t>
+            </a:r>
+            <a:r>
+              <a:rPr lang="es-VE" dirty="0" err="1"/>
+              <a:t>Lc</a:t>
+            </a:r>
+            <a:r>
+              <a:rPr lang="es-VE" dirty="0"/>
+              <a:t> 18:7, </a:t>
+            </a:r>
+            <a:r>
+              <a:rPr lang="es-VE" dirty="0" err="1"/>
+              <a:t>Lc</a:t>
+            </a:r>
+            <a:r>
+              <a:rPr lang="es-VE" dirty="0"/>
+              <a:t> 18:8; </a:t>
+            </a:r>
+            <a:r>
+              <a:rPr lang="es-VE" dirty="0" err="1"/>
+              <a:t>Rm</a:t>
+            </a:r>
+            <a:r>
+              <a:rPr lang="es-VE" dirty="0"/>
+              <a:t> 3:4; </a:t>
+            </a:r>
+            <a:r>
+              <a:rPr lang="es-VE" dirty="0" err="1"/>
+              <a:t>Rm</a:t>
+            </a:r>
+            <a:r>
+              <a:rPr lang="es-VE" dirty="0"/>
+              <a:t> 15:8; 1Co 1:9; 1Co 10:13; 2Co 1:20; 1Ts 5:24; 2Ts 3:3; 2Ti 2:13; </a:t>
+            </a:r>
+            <a:r>
+              <a:rPr lang="es-VE" dirty="0" err="1"/>
+              <a:t>Heb</a:t>
+            </a:r>
+            <a:r>
+              <a:rPr lang="es-VE" dirty="0"/>
+              <a:t> 6:18; </a:t>
+            </a:r>
+            <a:r>
+              <a:rPr lang="es-VE" dirty="0" err="1"/>
+              <a:t>Heb</a:t>
+            </a:r>
+            <a:r>
+              <a:rPr lang="es-VE" dirty="0"/>
+              <a:t> 10:23; 1Pe 4:19; </a:t>
+            </a:r>
+            <a:r>
+              <a:rPr lang="es-VE" dirty="0" err="1"/>
+              <a:t>Ap</a:t>
+            </a:r>
+            <a:r>
+              <a:rPr lang="es-VE" dirty="0"/>
+              <a:t> 15:3</a:t>
+            </a:r>
+          </a:p>
+        </p:txBody>
+      </p:sp>
+    </p:spTree>
+    <p:extLst>
+      <p:ext uri="{BB962C8B-B14F-4D97-AF65-F5344CB8AC3E}">
+        <p14:creationId xmlns:p14="http://schemas.microsoft.com/office/powerpoint/2010/main" val="3798372618"/>
+      </p:ext>
+    </p:extLst>
+  </p:cSld>
+  <p:clrMapOvr>
+    <a:masterClrMapping/>
+  </p:clrMapOvr>
+</p:sld>
+</file>
+
+<file path=ppt/slides/slide32.xml><?xml version="1.0" encoding="utf-8"?>
+<p:sld xmlns:a="http://schemas.openxmlformats.org/drawingml/2006/main" xmlns:r="http://schemas.openxmlformats.org/officeDocument/2006/relationships" xmlns:p="http://schemas.openxmlformats.org/presentationml/2006/main">
+  <p:cSld>
+    <p:bg>
+      <p:bgPr>
+        <a:gradFill flip="none" rotWithShape="1">
+          <a:gsLst>
+            <a:gs pos="0">
+              <a:schemeClr val="accent3">
+                <a:lumMod val="89000"/>
+              </a:schemeClr>
+            </a:gs>
+            <a:gs pos="23000">
+              <a:schemeClr val="accent3">
+                <a:lumMod val="89000"/>
+              </a:schemeClr>
+            </a:gs>
+            <a:gs pos="69000">
+              <a:schemeClr val="accent3">
+                <a:lumMod val="75000"/>
+              </a:schemeClr>
+            </a:gs>
+            <a:gs pos="97000">
+              <a:schemeClr val="accent3">
+                <a:lumMod val="70000"/>
+              </a:schemeClr>
+            </a:gs>
+          </a:gsLst>
+          <a:path path="circle">
+            <a:fillToRect l="50000" t="50000" r="50000" b="50000"/>
+          </a:path>
+          <a:tileRect/>
+        </a:gradFill>
+        <a:effectLst/>
+      </p:bgPr>
+    </p:bg>
+    <p:spTree>
+      <p:nvGrpSpPr>
+        <p:cNvPr id="1" name=""/>
+        <p:cNvGrpSpPr/>
+        <p:nvPr/>
+      </p:nvGrpSpPr>
+      <p:grpSpPr>
+        <a:xfrm>
+          <a:off x="0" y="0"/>
+          <a:ext cx="0" cy="0"/>
+          <a:chOff x="0" y="0"/>
+          <a:chExt cx="0" cy="0"/>
+        </a:xfrm>
+      </p:grpSpPr>
+      <p:sp>
+        <p:nvSpPr>
+          <p:cNvPr id="2" name="Título 1">
+            <a:extLst>
+              <a:ext uri="{FF2B5EF4-FFF2-40B4-BE49-F238E27FC236}">
+                <a16:creationId xmlns:a16="http://schemas.microsoft.com/office/drawing/2014/main" id="{C65A0631-47E2-4854-94DA-DD27A379FEF1}"/>
+              </a:ext>
+            </a:extLst>
+          </p:cNvPr>
+          <p:cNvSpPr>
+            <a:spLocks noGrp="1"/>
+          </p:cNvSpPr>
+          <p:nvPr>
+            <p:ph type="title"/>
+          </p:nvPr>
+        </p:nvSpPr>
+        <p:spPr>
+          <a:xfrm>
+            <a:off x="228600" y="98612"/>
+            <a:ext cx="8686800" cy="1425388"/>
+          </a:xfrm>
+        </p:spPr>
+        <p:txBody>
+          <a:bodyPr anchor="ctr">
+            <a:normAutofit fontScale="90000"/>
+          </a:bodyPr>
+          <a:lstStyle/>
+          <a:p>
+            <a:r>
+              <a:rPr lang="es-VE" sz="6000" b="1" dirty="0"/>
+              <a:t>3. LOS ATRIBUTOS DE DIOS</a:t>
+            </a:r>
+            <a:br>
+              <a:rPr lang="es-VE" sz="6600" b="1" dirty="0"/>
+            </a:br>
+            <a:r>
+              <a:rPr lang="es-VE" sz="3200" b="1" dirty="0"/>
+              <a:t>3.3 Atributos morales</a:t>
+            </a:r>
+            <a:br>
+              <a:rPr lang="es-VE" sz="3200" b="1" dirty="0"/>
+            </a:br>
+            <a:r>
+              <a:rPr lang="es-VE" sz="2700" b="1" dirty="0">
+                <a:solidFill>
+                  <a:srgbClr val="FFFF00"/>
+                </a:solidFill>
+              </a:rPr>
+              <a:t>3.3.4. Misericordia</a:t>
+            </a:r>
+            <a:endParaRPr lang="es-VE" sz="6600" b="1" dirty="0">
+              <a:solidFill>
+                <a:srgbClr val="FFFF00"/>
+              </a:solidFill>
+            </a:endParaRPr>
+          </a:p>
+        </p:txBody>
+      </p:sp>
+      <p:sp>
+        <p:nvSpPr>
+          <p:cNvPr id="3" name="Marcador de contenido 2">
+            <a:extLst>
+              <a:ext uri="{FF2B5EF4-FFF2-40B4-BE49-F238E27FC236}">
+                <a16:creationId xmlns:a16="http://schemas.microsoft.com/office/drawing/2014/main" id="{AA130F57-7D31-4139-81B2-4D70486C00F2}"/>
+              </a:ext>
+            </a:extLst>
+          </p:cNvPr>
+          <p:cNvSpPr>
+            <a:spLocks noGrp="1"/>
+          </p:cNvSpPr>
+          <p:nvPr>
+            <p:ph idx="1"/>
+          </p:nvPr>
+        </p:nvSpPr>
+        <p:spPr>
+          <a:xfrm>
+            <a:off x="228600" y="1524001"/>
+            <a:ext cx="8686800" cy="3769221"/>
+          </a:xfrm>
+        </p:spPr>
+        <p:txBody>
+          <a:bodyPr anchor="ctr">
+            <a:normAutofit/>
+          </a:bodyPr>
+          <a:lstStyle/>
+          <a:p>
+            <a:pPr marL="0" indent="0">
+              <a:buNone/>
+            </a:pPr>
+            <a:endParaRPr lang="es-VE" sz="2000" dirty="0"/>
+          </a:p>
+        </p:txBody>
+      </p:sp>
+      <p:sp>
+        <p:nvSpPr>
+          <p:cNvPr id="4" name="CuadroTexto 3">
+            <a:extLst>
+              <a:ext uri="{FF2B5EF4-FFF2-40B4-BE49-F238E27FC236}">
+                <a16:creationId xmlns:a16="http://schemas.microsoft.com/office/drawing/2014/main" id="{44DF95A3-7A05-44B3-B094-A2BB7095F5B5}"/>
+              </a:ext>
+            </a:extLst>
+          </p:cNvPr>
+          <p:cNvSpPr txBox="1"/>
+          <p:nvPr/>
+        </p:nvSpPr>
+        <p:spPr>
+          <a:xfrm>
+            <a:off x="2519082" y="5293222"/>
+            <a:ext cx="6396316" cy="338554"/>
+          </a:xfrm>
+          <a:prstGeom prst="rect">
+            <a:avLst/>
+          </a:prstGeom>
+          <a:noFill/>
+        </p:spPr>
+        <p:txBody>
+          <a:bodyPr wrap="square" rtlCol="0">
+            <a:spAutoFit/>
+          </a:bodyPr>
+          <a:lstStyle/>
+          <a:p>
+            <a:pPr algn="r"/>
+            <a:r>
+              <a:rPr lang="es-VE" sz="1600" b="1" dirty="0">
+                <a:solidFill>
+                  <a:srgbClr val="FFFF00"/>
+                </a:solidFill>
+              </a:rPr>
+              <a:t>[1]</a:t>
+            </a:r>
+            <a:r>
+              <a:rPr lang="es-VE" sz="1600" dirty="0">
+                <a:solidFill>
+                  <a:schemeClr val="accent3">
+                    <a:lumMod val="40000"/>
+                    <a:lumOff val="60000"/>
+                  </a:schemeClr>
+                </a:solidFill>
+              </a:rPr>
+              <a:t> </a:t>
+            </a:r>
+            <a:r>
+              <a:rPr lang="es-VE" sz="1600" b="1" dirty="0">
+                <a:solidFill>
+                  <a:srgbClr val="FFFF00"/>
+                </a:solidFill>
+              </a:rPr>
+              <a:t>[2]</a:t>
+            </a:r>
+            <a:endParaRPr lang="es-VE" sz="1600" dirty="0"/>
+          </a:p>
+        </p:txBody>
+      </p:sp>
+    </p:spTree>
+    <p:extLst>
+      <p:ext uri="{BB962C8B-B14F-4D97-AF65-F5344CB8AC3E}">
+        <p14:creationId xmlns:p14="http://schemas.microsoft.com/office/powerpoint/2010/main" val="3527764626"/>
       </p:ext>
     </p:extLst>
   </p:cSld>

--- a/slideshow/Teologia Sistematica y Biblica - Myer Pearlman/Clases/4. Dios.pptx
+++ b/slideshow/Teologia Sistematica y Biblica - Myer Pearlman/Clases/4. Dios.pptx
@@ -37,6 +37,8 @@
     <p:sldId id="287" r:id="rId31"/>
     <p:sldId id="288" r:id="rId32"/>
     <p:sldId id="289" r:id="rId33"/>
+    <p:sldId id="290" r:id="rId34"/>
+    <p:sldId id="291" r:id="rId35"/>
   </p:sldIdLst>
   <p:sldSz cx="9144000" cy="5715000" type="screen16x10"/>
   <p:notesSz cx="6858000" cy="9144000"/>
@@ -274,7 +276,7 @@
           <a:p>
             <a:fld id="{50DEE611-8BEF-4990-B4F5-91A0FAC492E5}" type="datetimeFigureOut">
               <a:rPr lang="es-VE" smtClean="0"/>
-              <a:t>17/3/2021</a:t>
+              <a:t>19/3/2021</a:t>
             </a:fld>
             <a:endParaRPr lang="es-VE" dirty="0"/>
           </a:p>
@@ -444,7 +446,7 @@
           <a:p>
             <a:fld id="{50DEE611-8BEF-4990-B4F5-91A0FAC492E5}" type="datetimeFigureOut">
               <a:rPr lang="es-VE" smtClean="0"/>
-              <a:t>17/3/2021</a:t>
+              <a:t>19/3/2021</a:t>
             </a:fld>
             <a:endParaRPr lang="es-VE" dirty="0"/>
           </a:p>
@@ -624,7 +626,7 @@
           <a:p>
             <a:fld id="{50DEE611-8BEF-4990-B4F5-91A0FAC492E5}" type="datetimeFigureOut">
               <a:rPr lang="es-VE" smtClean="0"/>
-              <a:t>17/3/2021</a:t>
+              <a:t>19/3/2021</a:t>
             </a:fld>
             <a:endParaRPr lang="es-VE" dirty="0"/>
           </a:p>
@@ -794,7 +796,7 @@
           <a:p>
             <a:fld id="{50DEE611-8BEF-4990-B4F5-91A0FAC492E5}" type="datetimeFigureOut">
               <a:rPr lang="es-VE" smtClean="0"/>
-              <a:t>17/3/2021</a:t>
+              <a:t>19/3/2021</a:t>
             </a:fld>
             <a:endParaRPr lang="es-VE" dirty="0"/>
           </a:p>
@@ -1040,7 +1042,7 @@
           <a:p>
             <a:fld id="{50DEE611-8BEF-4990-B4F5-91A0FAC492E5}" type="datetimeFigureOut">
               <a:rPr lang="es-VE" smtClean="0"/>
-              <a:t>17/3/2021</a:t>
+              <a:t>19/3/2021</a:t>
             </a:fld>
             <a:endParaRPr lang="es-VE" dirty="0"/>
           </a:p>
@@ -1272,7 +1274,7 @@
           <a:p>
             <a:fld id="{50DEE611-8BEF-4990-B4F5-91A0FAC492E5}" type="datetimeFigureOut">
               <a:rPr lang="es-VE" smtClean="0"/>
-              <a:t>17/3/2021</a:t>
+              <a:t>19/3/2021</a:t>
             </a:fld>
             <a:endParaRPr lang="es-VE" dirty="0"/>
           </a:p>
@@ -1639,7 +1641,7 @@
           <a:p>
             <a:fld id="{50DEE611-8BEF-4990-B4F5-91A0FAC492E5}" type="datetimeFigureOut">
               <a:rPr lang="es-VE" smtClean="0"/>
-              <a:t>17/3/2021</a:t>
+              <a:t>19/3/2021</a:t>
             </a:fld>
             <a:endParaRPr lang="es-VE" dirty="0"/>
           </a:p>
@@ -1757,7 +1759,7 @@
           <a:p>
             <a:fld id="{50DEE611-8BEF-4990-B4F5-91A0FAC492E5}" type="datetimeFigureOut">
               <a:rPr lang="es-VE" smtClean="0"/>
-              <a:t>17/3/2021</a:t>
+              <a:t>19/3/2021</a:t>
             </a:fld>
             <a:endParaRPr lang="es-VE" dirty="0"/>
           </a:p>
@@ -1852,7 +1854,7 @@
           <a:p>
             <a:fld id="{50DEE611-8BEF-4990-B4F5-91A0FAC492E5}" type="datetimeFigureOut">
               <a:rPr lang="es-VE" smtClean="0"/>
-              <a:t>17/3/2021</a:t>
+              <a:t>19/3/2021</a:t>
             </a:fld>
             <a:endParaRPr lang="es-VE" dirty="0"/>
           </a:p>
@@ -2129,7 +2131,7 @@
           <a:p>
             <a:fld id="{50DEE611-8BEF-4990-B4F5-91A0FAC492E5}" type="datetimeFigureOut">
               <a:rPr lang="es-VE" smtClean="0"/>
-              <a:t>17/3/2021</a:t>
+              <a:t>19/3/2021</a:t>
             </a:fld>
             <a:endParaRPr lang="es-VE" dirty="0"/>
           </a:p>
@@ -2386,7 +2388,7 @@
           <a:p>
             <a:fld id="{50DEE611-8BEF-4990-B4F5-91A0FAC492E5}" type="datetimeFigureOut">
               <a:rPr lang="es-VE" smtClean="0"/>
-              <a:t>17/3/2021</a:t>
+              <a:t>19/3/2021</a:t>
             </a:fld>
             <a:endParaRPr lang="es-VE" dirty="0"/>
           </a:p>
@@ -2602,7 +2604,7 @@
           <a:p>
             <a:fld id="{50DEE611-8BEF-4990-B4F5-91A0FAC492E5}" type="datetimeFigureOut">
               <a:rPr lang="es-VE" smtClean="0"/>
-              <a:t>17/3/2021</a:t>
+              <a:t>19/3/2021</a:t>
             </a:fld>
             <a:endParaRPr lang="es-VE" dirty="0"/>
           </a:p>
@@ -9483,14 +9485,67 @@
         </p:spPr>
         <p:txBody>
           <a:bodyPr anchor="ctr">
-            <a:normAutofit/>
+            <a:normAutofit lnSpcReduction="10000"/>
           </a:bodyPr>
           <a:lstStyle/>
           <a:p>
             <a:pPr marL="0" indent="0">
               <a:buNone/>
             </a:pPr>
-            <a:endParaRPr lang="es-VE" sz="2000" dirty="0"/>
+            <a:r>
+              <a:rPr lang="es-VE" sz="2400" dirty="0"/>
+              <a:t>La misericordia de Dios es </a:t>
+            </a:r>
+            <a:r>
+              <a:rPr lang="es-VE" sz="2400" b="1" dirty="0"/>
+              <a:t>la bondad divina ejercida</a:t>
+            </a:r>
+            <a:r>
+              <a:rPr lang="es-VE" sz="2400" dirty="0"/>
+              <a:t> para aliviar las desgracias y aflicciones de sus criaturas.</a:t>
+            </a:r>
+          </a:p>
+          <a:p>
+            <a:pPr marL="0" indent="0">
+              <a:buNone/>
+            </a:pPr>
+            <a:endParaRPr lang="es-VE" sz="2400" dirty="0"/>
+          </a:p>
+          <a:p>
+            <a:pPr marL="0" indent="0">
+              <a:buNone/>
+            </a:pPr>
+            <a:r>
+              <a:rPr lang="es-VE" sz="2400" dirty="0"/>
+              <a:t>Es la cualidad de Dios de condolerse y tomar medidas para el alivio de las desgracias y aflicciones de sus criaturas.</a:t>
+            </a:r>
+          </a:p>
+          <a:p>
+            <a:pPr marL="0" indent="0">
+              <a:buNone/>
+            </a:pPr>
+            <a:endParaRPr lang="es-VE" sz="2400" dirty="0"/>
+          </a:p>
+          <a:p>
+            <a:pPr marL="0" indent="0">
+              <a:buNone/>
+            </a:pPr>
+            <a:r>
+              <a:rPr lang="es-VE" sz="2400" dirty="0"/>
+              <a:t>Cuando se trata de un pecador impenitente </a:t>
+            </a:r>
+            <a:r>
+              <a:rPr lang="es-VE" sz="2400" dirty="0">
+                <a:highlight>
+                  <a:srgbClr val="800000"/>
+                </a:highlight>
+              </a:rPr>
+              <a:t>(persona se mantiene firme en su comportamiento, actitud, ideas o intenciones, a pesar de castigos, advertencias o consejos)</a:t>
+            </a:r>
+            <a:r>
+              <a:rPr lang="es-VE" sz="2400" dirty="0"/>
+              <a:t>, es la cualidad de Dios de sentir paciencia.</a:t>
+            </a:r>
           </a:p>
         </p:txBody>
       </p:sp>
@@ -9508,8 +9563,8 @@
         </p:nvSpPr>
         <p:spPr>
           <a:xfrm>
-            <a:off x="2519082" y="5293222"/>
-            <a:ext cx="6396316" cy="338554"/>
+            <a:off x="2519084" y="5108556"/>
+            <a:ext cx="6396316" cy="369332"/>
           </a:xfrm>
           <a:prstGeom prst="rect">
             <a:avLst/>
@@ -9524,33 +9579,18 @@
           <a:p>
             <a:pPr algn="r"/>
             <a:r>
-              <a:rPr lang="es-VE" sz="1600" b="1" dirty="0">
+              <a:rPr lang="es-VE" b="1" dirty="0">
                 <a:solidFill>
                   <a:srgbClr val="FFFF00"/>
                 </a:solidFill>
               </a:rPr>
-              <a:t>[1]</a:t>
-            </a:r>
-            <a:r>
-              <a:rPr lang="es-VE" sz="1600" dirty="0">
-                <a:solidFill>
-                  <a:schemeClr val="accent3">
-                    <a:lumMod val="40000"/>
-                    <a:lumOff val="60000"/>
-                  </a:schemeClr>
-                </a:solidFill>
-              </a:rPr>
-              <a:t> </a:t>
-            </a:r>
-            <a:r>
-              <a:rPr lang="es-VE" sz="1600" b="1" dirty="0">
-                <a:solidFill>
-                  <a:srgbClr val="FFFF00"/>
-                </a:solidFill>
-              </a:rPr>
-              <a:t>[2]</a:t>
-            </a:r>
-            <a:endParaRPr lang="es-VE" sz="1600" dirty="0"/>
+              <a:t>[Referencias] </a:t>
+            </a:r>
+            <a:r>
+              <a:rPr lang="es-VE" b="1" dirty="0"/>
+              <a:t>Lm 3:22</a:t>
+            </a:r>
+            <a:endParaRPr lang="es-VE" dirty="0"/>
           </a:p>
         </p:txBody>
       </p:sp>
@@ -9558,6 +9598,453 @@
     <p:extLst>
       <p:ext uri="{BB962C8B-B14F-4D97-AF65-F5344CB8AC3E}">
         <p14:creationId xmlns:p14="http://schemas.microsoft.com/office/powerpoint/2010/main" val="3527764626"/>
+      </p:ext>
+    </p:extLst>
+  </p:cSld>
+  <p:clrMapOvr>
+    <a:masterClrMapping/>
+  </p:clrMapOvr>
+</p:sld>
+</file>
+
+<file path=ppt/slides/slide33.xml><?xml version="1.0" encoding="utf-8"?>
+<p:sld xmlns:a="http://schemas.openxmlformats.org/drawingml/2006/main" xmlns:r="http://schemas.openxmlformats.org/officeDocument/2006/relationships" xmlns:p="http://schemas.openxmlformats.org/presentationml/2006/main">
+  <p:cSld>
+    <p:bg>
+      <p:bgPr>
+        <a:gradFill flip="none" rotWithShape="1">
+          <a:gsLst>
+            <a:gs pos="0">
+              <a:schemeClr val="accent3">
+                <a:lumMod val="89000"/>
+              </a:schemeClr>
+            </a:gs>
+            <a:gs pos="23000">
+              <a:schemeClr val="accent3">
+                <a:lumMod val="89000"/>
+              </a:schemeClr>
+            </a:gs>
+            <a:gs pos="69000">
+              <a:schemeClr val="accent3">
+                <a:lumMod val="75000"/>
+              </a:schemeClr>
+            </a:gs>
+            <a:gs pos="97000">
+              <a:schemeClr val="accent3">
+                <a:lumMod val="70000"/>
+              </a:schemeClr>
+            </a:gs>
+          </a:gsLst>
+          <a:path path="circle">
+            <a:fillToRect l="50000" t="50000" r="50000" b="50000"/>
+          </a:path>
+          <a:tileRect/>
+        </a:gradFill>
+        <a:effectLst/>
+      </p:bgPr>
+    </p:bg>
+    <p:spTree>
+      <p:nvGrpSpPr>
+        <p:cNvPr id="1" name=""/>
+        <p:cNvGrpSpPr/>
+        <p:nvPr/>
+      </p:nvGrpSpPr>
+      <p:grpSpPr>
+        <a:xfrm>
+          <a:off x="0" y="0"/>
+          <a:ext cx="0" cy="0"/>
+          <a:chOff x="0" y="0"/>
+          <a:chExt cx="0" cy="0"/>
+        </a:xfrm>
+      </p:grpSpPr>
+      <p:sp>
+        <p:nvSpPr>
+          <p:cNvPr id="2" name="Título 1">
+            <a:extLst>
+              <a:ext uri="{FF2B5EF4-FFF2-40B4-BE49-F238E27FC236}">
+                <a16:creationId xmlns:a16="http://schemas.microsoft.com/office/drawing/2014/main" id="{C65A0631-47E2-4854-94DA-DD27A379FEF1}"/>
+              </a:ext>
+            </a:extLst>
+          </p:cNvPr>
+          <p:cNvSpPr>
+            <a:spLocks noGrp="1"/>
+          </p:cNvSpPr>
+          <p:nvPr>
+            <p:ph type="title"/>
+          </p:nvPr>
+        </p:nvSpPr>
+        <p:spPr>
+          <a:xfrm>
+            <a:off x="228600" y="98612"/>
+            <a:ext cx="8686800" cy="1425388"/>
+          </a:xfrm>
+        </p:spPr>
+        <p:txBody>
+          <a:bodyPr anchor="ctr">
+            <a:normAutofit fontScale="90000"/>
+          </a:bodyPr>
+          <a:lstStyle/>
+          <a:p>
+            <a:r>
+              <a:rPr lang="es-VE" sz="6000" b="1" dirty="0"/>
+              <a:t>3. LOS ATRIBUTOS DE DIOS</a:t>
+            </a:r>
+            <a:br>
+              <a:rPr lang="es-VE" sz="6600" b="1" dirty="0"/>
+            </a:br>
+            <a:r>
+              <a:rPr lang="es-VE" sz="3200" b="1" dirty="0"/>
+              <a:t>3.3 Atributos morales</a:t>
+            </a:r>
+            <a:br>
+              <a:rPr lang="es-VE" sz="3200" b="1" dirty="0"/>
+            </a:br>
+            <a:r>
+              <a:rPr lang="es-VE" sz="2700" b="1" dirty="0">
+                <a:solidFill>
+                  <a:srgbClr val="FFFF00"/>
+                </a:solidFill>
+              </a:rPr>
+              <a:t>3.3.5. Amor</a:t>
+            </a:r>
+            <a:endParaRPr lang="es-VE" sz="6600" b="1" dirty="0">
+              <a:solidFill>
+                <a:srgbClr val="FFFF00"/>
+              </a:solidFill>
+            </a:endParaRPr>
+          </a:p>
+        </p:txBody>
+      </p:sp>
+      <p:sp>
+        <p:nvSpPr>
+          <p:cNvPr id="3" name="Marcador de contenido 2">
+            <a:extLst>
+              <a:ext uri="{FF2B5EF4-FFF2-40B4-BE49-F238E27FC236}">
+                <a16:creationId xmlns:a16="http://schemas.microsoft.com/office/drawing/2014/main" id="{AA130F57-7D31-4139-81B2-4D70486C00F2}"/>
+              </a:ext>
+            </a:extLst>
+          </p:cNvPr>
+          <p:cNvSpPr>
+            <a:spLocks noGrp="1"/>
+          </p:cNvSpPr>
+          <p:nvPr>
+            <p:ph idx="1"/>
+          </p:nvPr>
+        </p:nvSpPr>
+        <p:spPr>
+          <a:xfrm>
+            <a:off x="228600" y="1524001"/>
+            <a:ext cx="8686800" cy="3584556"/>
+          </a:xfrm>
+        </p:spPr>
+        <p:txBody>
+          <a:bodyPr anchor="ctr">
+            <a:normAutofit/>
+          </a:bodyPr>
+          <a:lstStyle/>
+          <a:p>
+            <a:pPr marL="0" indent="0">
+              <a:buNone/>
+            </a:pPr>
+            <a:r>
+              <a:rPr lang="es-VE" sz="3600" b="1" dirty="0"/>
+              <a:t>El amor</a:t>
+            </a:r>
+            <a:r>
+              <a:rPr lang="es-VE" sz="3600" dirty="0"/>
+              <a:t> es el atributo de Dios por cuya razón desea </a:t>
+            </a:r>
+            <a:r>
+              <a:rPr lang="es-VE" sz="3600" b="1" dirty="0">
+                <a:highlight>
+                  <a:srgbClr val="800080"/>
+                </a:highlight>
+              </a:rPr>
+              <a:t>mantener una relación personal</a:t>
+            </a:r>
+            <a:r>
+              <a:rPr lang="es-VE" sz="3600" dirty="0"/>
+              <a:t> con los que llevan su imagen, y especialmente con los que han sido hechos santos y son como él en carácter.</a:t>
+            </a:r>
+          </a:p>
+        </p:txBody>
+      </p:sp>
+      <p:sp>
+        <p:nvSpPr>
+          <p:cNvPr id="4" name="CuadroTexto 3">
+            <a:extLst>
+              <a:ext uri="{FF2B5EF4-FFF2-40B4-BE49-F238E27FC236}">
+                <a16:creationId xmlns:a16="http://schemas.microsoft.com/office/drawing/2014/main" id="{44DF95A3-7A05-44B3-B094-A2BB7095F5B5}"/>
+              </a:ext>
+            </a:extLst>
+          </p:cNvPr>
+          <p:cNvSpPr txBox="1"/>
+          <p:nvPr/>
+        </p:nvSpPr>
+        <p:spPr>
+          <a:xfrm>
+            <a:off x="2519084" y="5108556"/>
+            <a:ext cx="6396316" cy="369332"/>
+          </a:xfrm>
+          <a:prstGeom prst="rect">
+            <a:avLst/>
+          </a:prstGeom>
+          <a:noFill/>
+        </p:spPr>
+        <p:txBody>
+          <a:bodyPr wrap="square" rtlCol="0">
+            <a:spAutoFit/>
+          </a:bodyPr>
+          <a:lstStyle/>
+          <a:p>
+            <a:pPr algn="r"/>
+            <a:r>
+              <a:rPr lang="es-VE" b="1" dirty="0">
+                <a:solidFill>
+                  <a:srgbClr val="FFFF00"/>
+                </a:solidFill>
+              </a:rPr>
+              <a:t>[Referencia] </a:t>
+            </a:r>
+            <a:r>
+              <a:rPr lang="es-VE" b="1" dirty="0"/>
+              <a:t>1Jn 3:1</a:t>
+            </a:r>
+            <a:endParaRPr lang="es-VE" dirty="0"/>
+          </a:p>
+        </p:txBody>
+      </p:sp>
+    </p:spTree>
+    <p:extLst>
+      <p:ext uri="{BB962C8B-B14F-4D97-AF65-F5344CB8AC3E}">
+        <p14:creationId xmlns:p14="http://schemas.microsoft.com/office/powerpoint/2010/main" val="3036527225"/>
+      </p:ext>
+    </p:extLst>
+  </p:cSld>
+  <p:clrMapOvr>
+    <a:masterClrMapping/>
+  </p:clrMapOvr>
+</p:sld>
+</file>
+
+<file path=ppt/slides/slide34.xml><?xml version="1.0" encoding="utf-8"?>
+<p:sld xmlns:a="http://schemas.openxmlformats.org/drawingml/2006/main" xmlns:r="http://schemas.openxmlformats.org/officeDocument/2006/relationships" xmlns:p="http://schemas.openxmlformats.org/presentationml/2006/main">
+  <p:cSld>
+    <p:bg>
+      <p:bgPr>
+        <a:gradFill flip="none" rotWithShape="1">
+          <a:gsLst>
+            <a:gs pos="0">
+              <a:schemeClr val="accent3">
+                <a:lumMod val="89000"/>
+              </a:schemeClr>
+            </a:gs>
+            <a:gs pos="23000">
+              <a:schemeClr val="accent3">
+                <a:lumMod val="89000"/>
+              </a:schemeClr>
+            </a:gs>
+            <a:gs pos="69000">
+              <a:schemeClr val="accent3">
+                <a:lumMod val="75000"/>
+              </a:schemeClr>
+            </a:gs>
+            <a:gs pos="97000">
+              <a:schemeClr val="accent3">
+                <a:lumMod val="70000"/>
+              </a:schemeClr>
+            </a:gs>
+          </a:gsLst>
+          <a:path path="circle">
+            <a:fillToRect l="50000" t="50000" r="50000" b="50000"/>
+          </a:path>
+          <a:tileRect/>
+        </a:gradFill>
+        <a:effectLst/>
+      </p:bgPr>
+    </p:bg>
+    <p:spTree>
+      <p:nvGrpSpPr>
+        <p:cNvPr id="1" name=""/>
+        <p:cNvGrpSpPr/>
+        <p:nvPr/>
+      </p:nvGrpSpPr>
+      <p:grpSpPr>
+        <a:xfrm>
+          <a:off x="0" y="0"/>
+          <a:ext cx="0" cy="0"/>
+          <a:chOff x="0" y="0"/>
+          <a:chExt cx="0" cy="0"/>
+        </a:xfrm>
+      </p:grpSpPr>
+      <p:sp>
+        <p:nvSpPr>
+          <p:cNvPr id="2" name="Título 1">
+            <a:extLst>
+              <a:ext uri="{FF2B5EF4-FFF2-40B4-BE49-F238E27FC236}">
+                <a16:creationId xmlns:a16="http://schemas.microsoft.com/office/drawing/2014/main" id="{C65A0631-47E2-4854-94DA-DD27A379FEF1}"/>
+              </a:ext>
+            </a:extLst>
+          </p:cNvPr>
+          <p:cNvSpPr>
+            <a:spLocks noGrp="1"/>
+          </p:cNvSpPr>
+          <p:nvPr>
+            <p:ph type="title"/>
+          </p:nvPr>
+        </p:nvSpPr>
+        <p:spPr>
+          <a:xfrm>
+            <a:off x="228600" y="98612"/>
+            <a:ext cx="8686800" cy="1425388"/>
+          </a:xfrm>
+        </p:spPr>
+        <p:txBody>
+          <a:bodyPr anchor="ctr">
+            <a:normAutofit fontScale="90000"/>
+          </a:bodyPr>
+          <a:lstStyle/>
+          <a:p>
+            <a:r>
+              <a:rPr lang="es-VE" sz="6000" b="1" dirty="0"/>
+              <a:t>3. LOS ATRIBUTOS DE DIOS</a:t>
+            </a:r>
+            <a:br>
+              <a:rPr lang="es-VE" sz="6600" b="1" dirty="0"/>
+            </a:br>
+            <a:r>
+              <a:rPr lang="es-VE" sz="3200" b="1" dirty="0"/>
+              <a:t>3.3 Atributos morales</a:t>
+            </a:r>
+            <a:br>
+              <a:rPr lang="es-VE" sz="3200" b="1" dirty="0"/>
+            </a:br>
+            <a:r>
+              <a:rPr lang="es-VE" sz="2700" b="1" dirty="0">
+                <a:solidFill>
+                  <a:srgbClr val="FFFF00"/>
+                </a:solidFill>
+              </a:rPr>
+              <a:t>3.3.6.  Bondad</a:t>
+            </a:r>
+            <a:endParaRPr lang="es-VE" sz="6600" b="1" dirty="0">
+              <a:solidFill>
+                <a:srgbClr val="FFFF00"/>
+              </a:solidFill>
+            </a:endParaRPr>
+          </a:p>
+        </p:txBody>
+      </p:sp>
+      <p:sp>
+        <p:nvSpPr>
+          <p:cNvPr id="3" name="Marcador de contenido 2">
+            <a:extLst>
+              <a:ext uri="{FF2B5EF4-FFF2-40B4-BE49-F238E27FC236}">
+                <a16:creationId xmlns:a16="http://schemas.microsoft.com/office/drawing/2014/main" id="{AA130F57-7D31-4139-81B2-4D70486C00F2}"/>
+              </a:ext>
+            </a:extLst>
+          </p:cNvPr>
+          <p:cNvSpPr>
+            <a:spLocks noGrp="1"/>
+          </p:cNvSpPr>
+          <p:nvPr>
+            <p:ph idx="1"/>
+          </p:nvPr>
+        </p:nvSpPr>
+        <p:spPr>
+          <a:xfrm>
+            <a:off x="228600" y="1679170"/>
+            <a:ext cx="8686800" cy="3429387"/>
+          </a:xfrm>
+        </p:spPr>
+        <p:txBody>
+          <a:bodyPr anchor="ctr">
+            <a:normAutofit/>
+          </a:bodyPr>
+          <a:lstStyle/>
+          <a:p>
+            <a:pPr marL="0" indent="0">
+              <a:buNone/>
+            </a:pPr>
+            <a:r>
+              <a:rPr lang="es-VE" sz="3600" b="1" dirty="0"/>
+              <a:t>Bondad:</a:t>
+            </a:r>
+            <a:r>
+              <a:rPr lang="es-VE" sz="3600" dirty="0"/>
+              <a:t> es la inclinación o tendencia natural a hacer el bien.</a:t>
+            </a:r>
+            <a:endParaRPr lang="es-VE" sz="1050" dirty="0"/>
+          </a:p>
+          <a:p>
+            <a:pPr marL="0" indent="0">
+              <a:buNone/>
+            </a:pPr>
+            <a:endParaRPr lang="es-VE" sz="1050" dirty="0"/>
+          </a:p>
+          <a:p>
+            <a:pPr marL="0" indent="0">
+              <a:buNone/>
+            </a:pPr>
+            <a:r>
+              <a:rPr lang="es-VE" sz="3600" b="1" dirty="0"/>
+              <a:t>La bondad de Dios:</a:t>
+            </a:r>
+            <a:r>
+              <a:rPr lang="es-VE" sz="3600" dirty="0"/>
+              <a:t> es ese atributo en razón del cual imparte vida y otras bendiciones a sus criaturas.</a:t>
+            </a:r>
+          </a:p>
+        </p:txBody>
+      </p:sp>
+      <p:sp>
+        <p:nvSpPr>
+          <p:cNvPr id="4" name="CuadroTexto 3">
+            <a:extLst>
+              <a:ext uri="{FF2B5EF4-FFF2-40B4-BE49-F238E27FC236}">
+                <a16:creationId xmlns:a16="http://schemas.microsoft.com/office/drawing/2014/main" id="{44DF95A3-7A05-44B3-B094-A2BB7095F5B5}"/>
+              </a:ext>
+            </a:extLst>
+          </p:cNvPr>
+          <p:cNvSpPr txBox="1"/>
+          <p:nvPr/>
+        </p:nvSpPr>
+        <p:spPr>
+          <a:xfrm>
+            <a:off x="2519084" y="5108556"/>
+            <a:ext cx="6396316" cy="369332"/>
+          </a:xfrm>
+          <a:prstGeom prst="rect">
+            <a:avLst/>
+          </a:prstGeom>
+          <a:noFill/>
+        </p:spPr>
+        <p:txBody>
+          <a:bodyPr wrap="square" rtlCol="0">
+            <a:spAutoFit/>
+          </a:bodyPr>
+          <a:lstStyle/>
+          <a:p>
+            <a:pPr algn="r"/>
+            <a:r>
+              <a:rPr lang="es-VE" b="1" dirty="0">
+                <a:solidFill>
+                  <a:srgbClr val="FFFF00"/>
+                </a:solidFill>
+              </a:rPr>
+              <a:t>[Referencias] </a:t>
+            </a:r>
+            <a:r>
+              <a:rPr lang="es-VE" dirty="0"/>
+              <a:t>Mt 5:45, Sal 31:19</a:t>
+            </a:r>
+          </a:p>
+        </p:txBody>
+      </p:sp>
+    </p:spTree>
+    <p:extLst>
+      <p:ext uri="{BB962C8B-B14F-4D97-AF65-F5344CB8AC3E}">
+        <p14:creationId xmlns:p14="http://schemas.microsoft.com/office/powerpoint/2010/main" val="564760656"/>
       </p:ext>
     </p:extLst>
   </p:cSld>

--- a/slideshow/Teologia Sistematica y Biblica - Myer Pearlman/Clases/4. Dios.pptx
+++ b/slideshow/Teologia Sistematica y Biblica - Myer Pearlman/Clases/4. Dios.pptx
@@ -2,7 +2,7 @@
 <file path=ppt/presentation.xml><?xml version="1.0" encoding="utf-8"?>
 <p:presentation xmlns:a="http://schemas.openxmlformats.org/drawingml/2006/main" xmlns:r="http://schemas.openxmlformats.org/officeDocument/2006/relationships" xmlns:p="http://schemas.openxmlformats.org/presentationml/2006/main" saveSubsetFonts="1">
   <p:sldMasterIdLst>
-    <p:sldMasterId id="2147483672" r:id="rId1"/>
+    <p:sldMasterId id="2147483684" r:id="rId1"/>
   </p:sldMasterIdLst>
   <p:sldIdLst>
     <p:sldId id="256" r:id="rId2"/>
@@ -40,7 +40,7 @@
     <p:sldId id="290" r:id="rId34"/>
     <p:sldId id="291" r:id="rId35"/>
   </p:sldIdLst>
-  <p:sldSz cx="9144000" cy="5715000" type="screen16x10"/>
+  <p:sldSz cx="10160000" cy="5715000"/>
   <p:notesSz cx="6858000" cy="9144000"/>
   <p:defaultTextStyle>
     <a:defPPr>
@@ -174,15 +174,15 @@
         </p:nvSpPr>
         <p:spPr>
           <a:xfrm>
-            <a:off x="1143000" y="935303"/>
-            <a:ext cx="6858000" cy="1989667"/>
+            <a:off x="1270000" y="935302"/>
+            <a:ext cx="7620000" cy="1989667"/>
           </a:xfrm>
         </p:spPr>
         <p:txBody>
           <a:bodyPr anchor="b"/>
           <a:lstStyle>
             <a:lvl1pPr algn="ctr">
-              <a:defRPr sz="4500"/>
+              <a:defRPr sz="5000"/>
             </a:lvl1pPr>
           </a:lstStyle>
           <a:p>
@@ -206,8 +206,8 @@
         </p:nvSpPr>
         <p:spPr>
           <a:xfrm>
-            <a:off x="1143000" y="3001698"/>
-            <a:ext cx="6858000" cy="1379802"/>
+            <a:off x="1270000" y="3001698"/>
+            <a:ext cx="7620000" cy="1379802"/>
           </a:xfrm>
         </p:spPr>
         <p:txBody>
@@ -215,39 +215,39 @@
           <a:lstStyle>
             <a:lvl1pPr marL="0" indent="0" algn="ctr">
               <a:buNone/>
-              <a:defRPr sz="1800"/>
+              <a:defRPr sz="2000"/>
             </a:lvl1pPr>
-            <a:lvl2pPr marL="342891" indent="0" algn="ctr">
+            <a:lvl2pPr marL="380985" indent="0" algn="ctr">
+              <a:buNone/>
+              <a:defRPr sz="1667"/>
+            </a:lvl2pPr>
+            <a:lvl3pPr marL="761970" indent="0" algn="ctr">
               <a:buNone/>
               <a:defRPr sz="1500"/>
-            </a:lvl2pPr>
-            <a:lvl3pPr marL="685783" indent="0" algn="ctr">
-              <a:buNone/>
-              <a:defRPr sz="1351"/>
             </a:lvl3pPr>
-            <a:lvl4pPr marL="1028674" indent="0" algn="ctr">
-              <a:buNone/>
-              <a:defRPr sz="1200"/>
+            <a:lvl4pPr marL="1142954" indent="0" algn="ctr">
+              <a:buNone/>
+              <a:defRPr sz="1333"/>
             </a:lvl4pPr>
-            <a:lvl5pPr marL="1371566" indent="0" algn="ctr">
-              <a:buNone/>
-              <a:defRPr sz="1200"/>
+            <a:lvl5pPr marL="1523939" indent="0" algn="ctr">
+              <a:buNone/>
+              <a:defRPr sz="1333"/>
             </a:lvl5pPr>
-            <a:lvl6pPr marL="1714457" indent="0" algn="ctr">
-              <a:buNone/>
-              <a:defRPr sz="1200"/>
+            <a:lvl6pPr marL="1904924" indent="0" algn="ctr">
+              <a:buNone/>
+              <a:defRPr sz="1333"/>
             </a:lvl6pPr>
-            <a:lvl7pPr marL="2057349" indent="0" algn="ctr">
-              <a:buNone/>
-              <a:defRPr sz="1200"/>
+            <a:lvl7pPr marL="2285909" indent="0" algn="ctr">
+              <a:buNone/>
+              <a:defRPr sz="1333"/>
             </a:lvl7pPr>
-            <a:lvl8pPr marL="2400240" indent="0" algn="ctr">
-              <a:buNone/>
-              <a:defRPr sz="1200"/>
+            <a:lvl8pPr marL="2666893" indent="0" algn="ctr">
+              <a:buNone/>
+              <a:defRPr sz="1333"/>
             </a:lvl8pPr>
-            <a:lvl9pPr marL="2743131" indent="0" algn="ctr">
-              <a:buNone/>
-              <a:defRPr sz="1200"/>
+            <a:lvl9pPr marL="3047878" indent="0" algn="ctr">
+              <a:buNone/>
+              <a:defRPr sz="1333"/>
             </a:lvl9pPr>
           </a:lstStyle>
           <a:p>
@@ -276,7 +276,7 @@
           <a:p>
             <a:fld id="{50DEE611-8BEF-4990-B4F5-91A0FAC492E5}" type="datetimeFigureOut">
               <a:rPr lang="es-VE" smtClean="0"/>
-              <a:t>19/3/2021</a:t>
+              <a:t>2/6/2023</a:t>
             </a:fld>
             <a:endParaRPr lang="es-VE" dirty="0"/>
           </a:p>
@@ -327,7 +327,7 @@
     </p:spTree>
     <p:extLst>
       <p:ext uri="{BB962C8B-B14F-4D97-AF65-F5344CB8AC3E}">
-        <p14:creationId xmlns:p14="http://schemas.microsoft.com/office/powerpoint/2010/main" val="415702217"/>
+        <p14:creationId xmlns:p14="http://schemas.microsoft.com/office/powerpoint/2010/main" val="2321306139"/>
       </p:ext>
     </p:extLst>
   </p:cSld>
@@ -446,7 +446,7 @@
           <a:p>
             <a:fld id="{50DEE611-8BEF-4990-B4F5-91A0FAC492E5}" type="datetimeFigureOut">
               <a:rPr lang="es-VE" smtClean="0"/>
-              <a:t>19/3/2021</a:t>
+              <a:t>2/6/2023</a:t>
             </a:fld>
             <a:endParaRPr lang="es-VE" dirty="0"/>
           </a:p>
@@ -497,7 +497,7 @@
     </p:spTree>
     <p:extLst>
       <p:ext uri="{BB962C8B-B14F-4D97-AF65-F5344CB8AC3E}">
-        <p14:creationId xmlns:p14="http://schemas.microsoft.com/office/powerpoint/2010/main" val="3246863016"/>
+        <p14:creationId xmlns:p14="http://schemas.microsoft.com/office/powerpoint/2010/main" val="4056025508"/>
       </p:ext>
     </p:extLst>
   </p:cSld>
@@ -536,8 +536,8 @@
         </p:nvSpPr>
         <p:spPr>
           <a:xfrm>
-            <a:off x="6543676" y="304272"/>
-            <a:ext cx="1971675" cy="4843198"/>
+            <a:off x="7270750" y="304271"/>
+            <a:ext cx="2190750" cy="4843198"/>
           </a:xfrm>
         </p:spPr>
         <p:txBody>
@@ -564,8 +564,8 @@
         </p:nvSpPr>
         <p:spPr>
           <a:xfrm>
-            <a:off x="628651" y="304272"/>
-            <a:ext cx="5800725" cy="4843198"/>
+            <a:off x="698500" y="304271"/>
+            <a:ext cx="6445250" cy="4843198"/>
           </a:xfrm>
         </p:spPr>
         <p:txBody>
@@ -626,7 +626,7 @@
           <a:p>
             <a:fld id="{50DEE611-8BEF-4990-B4F5-91A0FAC492E5}" type="datetimeFigureOut">
               <a:rPr lang="es-VE" smtClean="0"/>
-              <a:t>19/3/2021</a:t>
+              <a:t>2/6/2023</a:t>
             </a:fld>
             <a:endParaRPr lang="es-VE" dirty="0"/>
           </a:p>
@@ -677,7 +677,7 @@
     </p:spTree>
     <p:extLst>
       <p:ext uri="{BB962C8B-B14F-4D97-AF65-F5344CB8AC3E}">
-        <p14:creationId xmlns:p14="http://schemas.microsoft.com/office/powerpoint/2010/main" val="117500492"/>
+        <p14:creationId xmlns:p14="http://schemas.microsoft.com/office/powerpoint/2010/main" val="3708681514"/>
       </p:ext>
     </p:extLst>
   </p:cSld>
@@ -796,7 +796,7 @@
           <a:p>
             <a:fld id="{50DEE611-8BEF-4990-B4F5-91A0FAC492E5}" type="datetimeFigureOut">
               <a:rPr lang="es-VE" smtClean="0"/>
-              <a:t>19/3/2021</a:t>
+              <a:t>2/6/2023</a:t>
             </a:fld>
             <a:endParaRPr lang="es-VE" dirty="0"/>
           </a:p>
@@ -847,7 +847,7 @@
     </p:spTree>
     <p:extLst>
       <p:ext uri="{BB962C8B-B14F-4D97-AF65-F5344CB8AC3E}">
-        <p14:creationId xmlns:p14="http://schemas.microsoft.com/office/powerpoint/2010/main" val="932787524"/>
+        <p14:creationId xmlns:p14="http://schemas.microsoft.com/office/powerpoint/2010/main" val="2727235337"/>
       </p:ext>
     </p:extLst>
   </p:cSld>
@@ -886,15 +886,15 @@
         </p:nvSpPr>
         <p:spPr>
           <a:xfrm>
-            <a:off x="623889" y="1424783"/>
-            <a:ext cx="7886700" cy="2377281"/>
+            <a:off x="693208" y="1424782"/>
+            <a:ext cx="8763000" cy="2377281"/>
           </a:xfrm>
         </p:spPr>
         <p:txBody>
           <a:bodyPr anchor="b"/>
           <a:lstStyle>
             <a:lvl1pPr>
-              <a:defRPr sz="4500"/>
+              <a:defRPr sz="5000"/>
             </a:lvl1pPr>
           </a:lstStyle>
           <a:p>
@@ -918,8 +918,8 @@
         </p:nvSpPr>
         <p:spPr>
           <a:xfrm>
-            <a:off x="623889" y="3824553"/>
-            <a:ext cx="7886700" cy="1250156"/>
+            <a:off x="693208" y="3824553"/>
+            <a:ext cx="8763000" cy="1250156"/>
           </a:xfrm>
         </p:spPr>
         <p:txBody>
@@ -927,7 +927,7 @@
           <a:lstStyle>
             <a:lvl1pPr marL="0" indent="0">
               <a:buNone/>
-              <a:defRPr sz="1800">
+              <a:defRPr sz="2000">
                 <a:solidFill>
                   <a:schemeClr val="tx1">
                     <a:tint val="75000"/>
@@ -935,9 +935,9 @@
                 </a:solidFill>
               </a:defRPr>
             </a:lvl1pPr>
-            <a:lvl2pPr marL="342891" indent="0">
-              <a:buNone/>
-              <a:defRPr sz="1500">
+            <a:lvl2pPr marL="380985" indent="0">
+              <a:buNone/>
+              <a:defRPr sz="1667">
                 <a:solidFill>
                   <a:schemeClr val="tx1">
                     <a:tint val="75000"/>
@@ -945,9 +945,9 @@
                 </a:solidFill>
               </a:defRPr>
             </a:lvl2pPr>
-            <a:lvl3pPr marL="685783" indent="0">
-              <a:buNone/>
-              <a:defRPr sz="1351">
+            <a:lvl3pPr marL="761970" indent="0">
+              <a:buNone/>
+              <a:defRPr sz="1500">
                 <a:solidFill>
                   <a:schemeClr val="tx1">
                     <a:tint val="75000"/>
@@ -955,9 +955,9 @@
                 </a:solidFill>
               </a:defRPr>
             </a:lvl3pPr>
-            <a:lvl4pPr marL="1028674" indent="0">
-              <a:buNone/>
-              <a:defRPr sz="1200">
+            <a:lvl4pPr marL="1142954" indent="0">
+              <a:buNone/>
+              <a:defRPr sz="1333">
                 <a:solidFill>
                   <a:schemeClr val="tx1">
                     <a:tint val="75000"/>
@@ -965,9 +965,9 @@
                 </a:solidFill>
               </a:defRPr>
             </a:lvl4pPr>
-            <a:lvl5pPr marL="1371566" indent="0">
-              <a:buNone/>
-              <a:defRPr sz="1200">
+            <a:lvl5pPr marL="1523939" indent="0">
+              <a:buNone/>
+              <a:defRPr sz="1333">
                 <a:solidFill>
                   <a:schemeClr val="tx1">
                     <a:tint val="75000"/>
@@ -975,9 +975,9 @@
                 </a:solidFill>
               </a:defRPr>
             </a:lvl5pPr>
-            <a:lvl6pPr marL="1714457" indent="0">
-              <a:buNone/>
-              <a:defRPr sz="1200">
+            <a:lvl6pPr marL="1904924" indent="0">
+              <a:buNone/>
+              <a:defRPr sz="1333">
                 <a:solidFill>
                   <a:schemeClr val="tx1">
                     <a:tint val="75000"/>
@@ -985,9 +985,9 @@
                 </a:solidFill>
               </a:defRPr>
             </a:lvl6pPr>
-            <a:lvl7pPr marL="2057349" indent="0">
-              <a:buNone/>
-              <a:defRPr sz="1200">
+            <a:lvl7pPr marL="2285909" indent="0">
+              <a:buNone/>
+              <a:defRPr sz="1333">
                 <a:solidFill>
                   <a:schemeClr val="tx1">
                     <a:tint val="75000"/>
@@ -995,9 +995,9 @@
                 </a:solidFill>
               </a:defRPr>
             </a:lvl7pPr>
-            <a:lvl8pPr marL="2400240" indent="0">
-              <a:buNone/>
-              <a:defRPr sz="1200">
+            <a:lvl8pPr marL="2666893" indent="0">
+              <a:buNone/>
+              <a:defRPr sz="1333">
                 <a:solidFill>
                   <a:schemeClr val="tx1">
                     <a:tint val="75000"/>
@@ -1005,9 +1005,9 @@
                 </a:solidFill>
               </a:defRPr>
             </a:lvl8pPr>
-            <a:lvl9pPr marL="2743131" indent="0">
-              <a:buNone/>
-              <a:defRPr sz="1200">
+            <a:lvl9pPr marL="3047878" indent="0">
+              <a:buNone/>
+              <a:defRPr sz="1333">
                 <a:solidFill>
                   <a:schemeClr val="tx1">
                     <a:tint val="75000"/>
@@ -1042,7 +1042,7 @@
           <a:p>
             <a:fld id="{50DEE611-8BEF-4990-B4F5-91A0FAC492E5}" type="datetimeFigureOut">
               <a:rPr lang="es-VE" smtClean="0"/>
-              <a:t>19/3/2021</a:t>
+              <a:t>2/6/2023</a:t>
             </a:fld>
             <a:endParaRPr lang="es-VE" dirty="0"/>
           </a:p>
@@ -1093,7 +1093,7 @@
     </p:spTree>
     <p:extLst>
       <p:ext uri="{BB962C8B-B14F-4D97-AF65-F5344CB8AC3E}">
-        <p14:creationId xmlns:p14="http://schemas.microsoft.com/office/powerpoint/2010/main" val="1341747746"/>
+        <p14:creationId xmlns:p14="http://schemas.microsoft.com/office/powerpoint/2010/main" val="1483593290"/>
       </p:ext>
     </p:extLst>
   </p:cSld>
@@ -1155,8 +1155,8 @@
         </p:nvSpPr>
         <p:spPr>
           <a:xfrm>
-            <a:off x="628651" y="1521354"/>
-            <a:ext cx="3886200" cy="3626115"/>
+            <a:off x="698500" y="1521354"/>
+            <a:ext cx="4318000" cy="3626115"/>
           </a:xfrm>
         </p:spPr>
         <p:txBody>
@@ -1212,8 +1212,8 @@
         </p:nvSpPr>
         <p:spPr>
           <a:xfrm>
-            <a:off x="4629151" y="1521354"/>
-            <a:ext cx="3886200" cy="3626115"/>
+            <a:off x="5143500" y="1521354"/>
+            <a:ext cx="4318000" cy="3626115"/>
           </a:xfrm>
         </p:spPr>
         <p:txBody>
@@ -1274,7 +1274,7 @@
           <a:p>
             <a:fld id="{50DEE611-8BEF-4990-B4F5-91A0FAC492E5}" type="datetimeFigureOut">
               <a:rPr lang="es-VE" smtClean="0"/>
-              <a:t>19/3/2021</a:t>
+              <a:t>2/6/2023</a:t>
             </a:fld>
             <a:endParaRPr lang="es-VE" dirty="0"/>
           </a:p>
@@ -1325,7 +1325,7 @@
     </p:spTree>
     <p:extLst>
       <p:ext uri="{BB962C8B-B14F-4D97-AF65-F5344CB8AC3E}">
-        <p14:creationId xmlns:p14="http://schemas.microsoft.com/office/powerpoint/2010/main" val="3451407315"/>
+        <p14:creationId xmlns:p14="http://schemas.microsoft.com/office/powerpoint/2010/main" val="1543988849"/>
       </p:ext>
     </p:extLst>
   </p:cSld>
@@ -1364,8 +1364,8 @@
         </p:nvSpPr>
         <p:spPr>
           <a:xfrm>
-            <a:off x="629842" y="304271"/>
-            <a:ext cx="7886700" cy="1104636"/>
+            <a:off x="699823" y="304271"/>
+            <a:ext cx="8763000" cy="1104636"/>
           </a:xfrm>
         </p:spPr>
         <p:txBody>
@@ -1392,8 +1392,8 @@
         </p:nvSpPr>
         <p:spPr>
           <a:xfrm>
-            <a:off x="629842" y="1400970"/>
-            <a:ext cx="3868340" cy="686593"/>
+            <a:off x="699824" y="1400969"/>
+            <a:ext cx="4298156" cy="686593"/>
           </a:xfrm>
         </p:spPr>
         <p:txBody>
@@ -1401,39 +1401,39 @@
           <a:lstStyle>
             <a:lvl1pPr marL="0" indent="0">
               <a:buNone/>
-              <a:defRPr sz="1800" b="1"/>
+              <a:defRPr sz="2000" b="1"/>
             </a:lvl1pPr>
-            <a:lvl2pPr marL="342891" indent="0">
+            <a:lvl2pPr marL="380985" indent="0">
+              <a:buNone/>
+              <a:defRPr sz="1667" b="1"/>
+            </a:lvl2pPr>
+            <a:lvl3pPr marL="761970" indent="0">
               <a:buNone/>
               <a:defRPr sz="1500" b="1"/>
-            </a:lvl2pPr>
-            <a:lvl3pPr marL="685783" indent="0">
-              <a:buNone/>
-              <a:defRPr sz="1351" b="1"/>
             </a:lvl3pPr>
-            <a:lvl4pPr marL="1028674" indent="0">
-              <a:buNone/>
-              <a:defRPr sz="1200" b="1"/>
+            <a:lvl4pPr marL="1142954" indent="0">
+              <a:buNone/>
+              <a:defRPr sz="1333" b="1"/>
             </a:lvl4pPr>
-            <a:lvl5pPr marL="1371566" indent="0">
-              <a:buNone/>
-              <a:defRPr sz="1200" b="1"/>
+            <a:lvl5pPr marL="1523939" indent="0">
+              <a:buNone/>
+              <a:defRPr sz="1333" b="1"/>
             </a:lvl5pPr>
-            <a:lvl6pPr marL="1714457" indent="0">
-              <a:buNone/>
-              <a:defRPr sz="1200" b="1"/>
+            <a:lvl6pPr marL="1904924" indent="0">
+              <a:buNone/>
+              <a:defRPr sz="1333" b="1"/>
             </a:lvl6pPr>
-            <a:lvl7pPr marL="2057349" indent="0">
-              <a:buNone/>
-              <a:defRPr sz="1200" b="1"/>
+            <a:lvl7pPr marL="2285909" indent="0">
+              <a:buNone/>
+              <a:defRPr sz="1333" b="1"/>
             </a:lvl7pPr>
-            <a:lvl8pPr marL="2400240" indent="0">
-              <a:buNone/>
-              <a:defRPr sz="1200" b="1"/>
+            <a:lvl8pPr marL="2666893" indent="0">
+              <a:buNone/>
+              <a:defRPr sz="1333" b="1"/>
             </a:lvl8pPr>
-            <a:lvl9pPr marL="2743131" indent="0">
-              <a:buNone/>
-              <a:defRPr sz="1200" b="1"/>
+            <a:lvl9pPr marL="3047878" indent="0">
+              <a:buNone/>
+              <a:defRPr sz="1333" b="1"/>
             </a:lvl9pPr>
           </a:lstStyle>
           <a:p>
@@ -1457,8 +1457,8 @@
         </p:nvSpPr>
         <p:spPr>
           <a:xfrm>
-            <a:off x="629842" y="2087563"/>
-            <a:ext cx="3868340" cy="3070490"/>
+            <a:off x="699824" y="2087563"/>
+            <a:ext cx="4298156" cy="3070490"/>
           </a:xfrm>
         </p:spPr>
         <p:txBody>
@@ -1514,8 +1514,8 @@
         </p:nvSpPr>
         <p:spPr>
           <a:xfrm>
-            <a:off x="4629151" y="1400970"/>
-            <a:ext cx="3887391" cy="686593"/>
+            <a:off x="5143500" y="1400969"/>
+            <a:ext cx="4319323" cy="686593"/>
           </a:xfrm>
         </p:spPr>
         <p:txBody>
@@ -1523,39 +1523,39 @@
           <a:lstStyle>
             <a:lvl1pPr marL="0" indent="0">
               <a:buNone/>
-              <a:defRPr sz="1800" b="1"/>
+              <a:defRPr sz="2000" b="1"/>
             </a:lvl1pPr>
-            <a:lvl2pPr marL="342891" indent="0">
+            <a:lvl2pPr marL="380985" indent="0">
+              <a:buNone/>
+              <a:defRPr sz="1667" b="1"/>
+            </a:lvl2pPr>
+            <a:lvl3pPr marL="761970" indent="0">
               <a:buNone/>
               <a:defRPr sz="1500" b="1"/>
-            </a:lvl2pPr>
-            <a:lvl3pPr marL="685783" indent="0">
-              <a:buNone/>
-              <a:defRPr sz="1351" b="1"/>
             </a:lvl3pPr>
-            <a:lvl4pPr marL="1028674" indent="0">
-              <a:buNone/>
-              <a:defRPr sz="1200" b="1"/>
+            <a:lvl4pPr marL="1142954" indent="0">
+              <a:buNone/>
+              <a:defRPr sz="1333" b="1"/>
             </a:lvl4pPr>
-            <a:lvl5pPr marL="1371566" indent="0">
-              <a:buNone/>
-              <a:defRPr sz="1200" b="1"/>
+            <a:lvl5pPr marL="1523939" indent="0">
+              <a:buNone/>
+              <a:defRPr sz="1333" b="1"/>
             </a:lvl5pPr>
-            <a:lvl6pPr marL="1714457" indent="0">
-              <a:buNone/>
-              <a:defRPr sz="1200" b="1"/>
+            <a:lvl6pPr marL="1904924" indent="0">
+              <a:buNone/>
+              <a:defRPr sz="1333" b="1"/>
             </a:lvl6pPr>
-            <a:lvl7pPr marL="2057349" indent="0">
-              <a:buNone/>
-              <a:defRPr sz="1200" b="1"/>
+            <a:lvl7pPr marL="2285909" indent="0">
+              <a:buNone/>
+              <a:defRPr sz="1333" b="1"/>
             </a:lvl7pPr>
-            <a:lvl8pPr marL="2400240" indent="0">
-              <a:buNone/>
-              <a:defRPr sz="1200" b="1"/>
+            <a:lvl8pPr marL="2666893" indent="0">
+              <a:buNone/>
+              <a:defRPr sz="1333" b="1"/>
             </a:lvl8pPr>
-            <a:lvl9pPr marL="2743131" indent="0">
-              <a:buNone/>
-              <a:defRPr sz="1200" b="1"/>
+            <a:lvl9pPr marL="3047878" indent="0">
+              <a:buNone/>
+              <a:defRPr sz="1333" b="1"/>
             </a:lvl9pPr>
           </a:lstStyle>
           <a:p>
@@ -1579,8 +1579,8 @@
         </p:nvSpPr>
         <p:spPr>
           <a:xfrm>
-            <a:off x="4629151" y="2087563"/>
-            <a:ext cx="3887391" cy="3070490"/>
+            <a:off x="5143500" y="2087563"/>
+            <a:ext cx="4319323" cy="3070490"/>
           </a:xfrm>
         </p:spPr>
         <p:txBody>
@@ -1641,7 +1641,7 @@
           <a:p>
             <a:fld id="{50DEE611-8BEF-4990-B4F5-91A0FAC492E5}" type="datetimeFigureOut">
               <a:rPr lang="es-VE" smtClean="0"/>
-              <a:t>19/3/2021</a:t>
+              <a:t>2/6/2023</a:t>
             </a:fld>
             <a:endParaRPr lang="es-VE" dirty="0"/>
           </a:p>
@@ -1692,7 +1692,7 @@
     </p:spTree>
     <p:extLst>
       <p:ext uri="{BB962C8B-B14F-4D97-AF65-F5344CB8AC3E}">
-        <p14:creationId xmlns:p14="http://schemas.microsoft.com/office/powerpoint/2010/main" val="1933828883"/>
+        <p14:creationId xmlns:p14="http://schemas.microsoft.com/office/powerpoint/2010/main" val="558532131"/>
       </p:ext>
     </p:extLst>
   </p:cSld>
@@ -1759,7 +1759,7 @@
           <a:p>
             <a:fld id="{50DEE611-8BEF-4990-B4F5-91A0FAC492E5}" type="datetimeFigureOut">
               <a:rPr lang="es-VE" smtClean="0"/>
-              <a:t>19/3/2021</a:t>
+              <a:t>2/6/2023</a:t>
             </a:fld>
             <a:endParaRPr lang="es-VE" dirty="0"/>
           </a:p>
@@ -1810,7 +1810,7 @@
     </p:spTree>
     <p:extLst>
       <p:ext uri="{BB962C8B-B14F-4D97-AF65-F5344CB8AC3E}">
-        <p14:creationId xmlns:p14="http://schemas.microsoft.com/office/powerpoint/2010/main" val="564159855"/>
+        <p14:creationId xmlns:p14="http://schemas.microsoft.com/office/powerpoint/2010/main" val="2812689752"/>
       </p:ext>
     </p:extLst>
   </p:cSld>
@@ -1854,7 +1854,7 @@
           <a:p>
             <a:fld id="{50DEE611-8BEF-4990-B4F5-91A0FAC492E5}" type="datetimeFigureOut">
               <a:rPr lang="es-VE" smtClean="0"/>
-              <a:t>19/3/2021</a:t>
+              <a:t>2/6/2023</a:t>
             </a:fld>
             <a:endParaRPr lang="es-VE" dirty="0"/>
           </a:p>
@@ -1905,7 +1905,7 @@
     </p:spTree>
     <p:extLst>
       <p:ext uri="{BB962C8B-B14F-4D97-AF65-F5344CB8AC3E}">
-        <p14:creationId xmlns:p14="http://schemas.microsoft.com/office/powerpoint/2010/main" val="1236686754"/>
+        <p14:creationId xmlns:p14="http://schemas.microsoft.com/office/powerpoint/2010/main" val="3998993975"/>
       </p:ext>
     </p:extLst>
   </p:cSld>
@@ -1944,15 +1944,15 @@
         </p:nvSpPr>
         <p:spPr>
           <a:xfrm>
-            <a:off x="629841" y="381000"/>
-            <a:ext cx="2949179" cy="1333500"/>
+            <a:off x="699824" y="381000"/>
+            <a:ext cx="3276864" cy="1333500"/>
           </a:xfrm>
         </p:spPr>
         <p:txBody>
           <a:bodyPr anchor="b"/>
           <a:lstStyle>
             <a:lvl1pPr>
-              <a:defRPr sz="2400"/>
+              <a:defRPr sz="2667"/>
             </a:lvl1pPr>
           </a:lstStyle>
           <a:p>
@@ -1976,39 +1976,39 @@
         </p:nvSpPr>
         <p:spPr>
           <a:xfrm>
-            <a:off x="3887391" y="822855"/>
-            <a:ext cx="4629151" cy="4061354"/>
+            <a:off x="4319323" y="822855"/>
+            <a:ext cx="5143500" cy="4061354"/>
           </a:xfrm>
         </p:spPr>
         <p:txBody>
           <a:bodyPr/>
           <a:lstStyle>
             <a:lvl1pPr>
-              <a:defRPr sz="2400"/>
+              <a:defRPr sz="2667"/>
             </a:lvl1pPr>
             <a:lvl2pPr>
-              <a:defRPr sz="2100"/>
+              <a:defRPr sz="2333"/>
             </a:lvl2pPr>
             <a:lvl3pPr>
-              <a:defRPr sz="1800"/>
+              <a:defRPr sz="2000"/>
             </a:lvl3pPr>
             <a:lvl4pPr>
-              <a:defRPr sz="1500"/>
+              <a:defRPr sz="1667"/>
             </a:lvl4pPr>
             <a:lvl5pPr>
-              <a:defRPr sz="1500"/>
+              <a:defRPr sz="1667"/>
             </a:lvl5pPr>
             <a:lvl6pPr>
-              <a:defRPr sz="1500"/>
+              <a:defRPr sz="1667"/>
             </a:lvl6pPr>
             <a:lvl7pPr>
-              <a:defRPr sz="1500"/>
+              <a:defRPr sz="1667"/>
             </a:lvl7pPr>
             <a:lvl8pPr>
-              <a:defRPr sz="1500"/>
+              <a:defRPr sz="1667"/>
             </a:lvl8pPr>
             <a:lvl9pPr>
-              <a:defRPr sz="1500"/>
+              <a:defRPr sz="1667"/>
             </a:lvl9pPr>
           </a:lstStyle>
           <a:p>
@@ -2061,8 +2061,8 @@
         </p:nvSpPr>
         <p:spPr>
           <a:xfrm>
-            <a:off x="629841" y="1714501"/>
-            <a:ext cx="2949179" cy="3176323"/>
+            <a:off x="699824" y="1714500"/>
+            <a:ext cx="3276864" cy="3176323"/>
           </a:xfrm>
         </p:spPr>
         <p:txBody>
@@ -2070,39 +2070,39 @@
           <a:lstStyle>
             <a:lvl1pPr marL="0" indent="0">
               <a:buNone/>
-              <a:defRPr sz="1200"/>
+              <a:defRPr sz="1333"/>
             </a:lvl1pPr>
-            <a:lvl2pPr marL="342891" indent="0">
-              <a:buNone/>
-              <a:defRPr sz="1051"/>
+            <a:lvl2pPr marL="380985" indent="0">
+              <a:buNone/>
+              <a:defRPr sz="1167"/>
             </a:lvl2pPr>
-            <a:lvl3pPr marL="685783" indent="0">
-              <a:buNone/>
-              <a:defRPr sz="900"/>
+            <a:lvl3pPr marL="761970" indent="0">
+              <a:buNone/>
+              <a:defRPr sz="1000"/>
             </a:lvl3pPr>
-            <a:lvl4pPr marL="1028674" indent="0">
-              <a:buNone/>
-              <a:defRPr sz="751"/>
+            <a:lvl4pPr marL="1142954" indent="0">
+              <a:buNone/>
+              <a:defRPr sz="833"/>
             </a:lvl4pPr>
-            <a:lvl5pPr marL="1371566" indent="0">
-              <a:buNone/>
-              <a:defRPr sz="751"/>
+            <a:lvl5pPr marL="1523939" indent="0">
+              <a:buNone/>
+              <a:defRPr sz="833"/>
             </a:lvl5pPr>
-            <a:lvl6pPr marL="1714457" indent="0">
-              <a:buNone/>
-              <a:defRPr sz="751"/>
+            <a:lvl6pPr marL="1904924" indent="0">
+              <a:buNone/>
+              <a:defRPr sz="833"/>
             </a:lvl6pPr>
-            <a:lvl7pPr marL="2057349" indent="0">
-              <a:buNone/>
-              <a:defRPr sz="751"/>
+            <a:lvl7pPr marL="2285909" indent="0">
+              <a:buNone/>
+              <a:defRPr sz="833"/>
             </a:lvl7pPr>
-            <a:lvl8pPr marL="2400240" indent="0">
-              <a:buNone/>
-              <a:defRPr sz="751"/>
+            <a:lvl8pPr marL="2666893" indent="0">
+              <a:buNone/>
+              <a:defRPr sz="833"/>
             </a:lvl8pPr>
-            <a:lvl9pPr marL="2743131" indent="0">
-              <a:buNone/>
-              <a:defRPr sz="751"/>
+            <a:lvl9pPr marL="3047878" indent="0">
+              <a:buNone/>
+              <a:defRPr sz="833"/>
             </a:lvl9pPr>
           </a:lstStyle>
           <a:p>
@@ -2131,7 +2131,7 @@
           <a:p>
             <a:fld id="{50DEE611-8BEF-4990-B4F5-91A0FAC492E5}" type="datetimeFigureOut">
               <a:rPr lang="es-VE" smtClean="0"/>
-              <a:t>19/3/2021</a:t>
+              <a:t>2/6/2023</a:t>
             </a:fld>
             <a:endParaRPr lang="es-VE" dirty="0"/>
           </a:p>
@@ -2182,7 +2182,7 @@
     </p:spTree>
     <p:extLst>
       <p:ext uri="{BB962C8B-B14F-4D97-AF65-F5344CB8AC3E}">
-        <p14:creationId xmlns:p14="http://schemas.microsoft.com/office/powerpoint/2010/main" val="214519182"/>
+        <p14:creationId xmlns:p14="http://schemas.microsoft.com/office/powerpoint/2010/main" val="2807974986"/>
       </p:ext>
     </p:extLst>
   </p:cSld>
@@ -2221,15 +2221,15 @@
         </p:nvSpPr>
         <p:spPr>
           <a:xfrm>
-            <a:off x="629841" y="381000"/>
-            <a:ext cx="2949179" cy="1333500"/>
+            <a:off x="699824" y="381000"/>
+            <a:ext cx="3276864" cy="1333500"/>
           </a:xfrm>
         </p:spPr>
         <p:txBody>
           <a:bodyPr anchor="b"/>
           <a:lstStyle>
             <a:lvl1pPr>
-              <a:defRPr sz="2400"/>
+              <a:defRPr sz="2667"/>
             </a:lvl1pPr>
           </a:lstStyle>
           <a:p>
@@ -2253,8 +2253,8 @@
         </p:nvSpPr>
         <p:spPr>
           <a:xfrm>
-            <a:off x="3887391" y="822855"/>
-            <a:ext cx="4629151" cy="4061354"/>
+            <a:off x="4319323" y="822855"/>
+            <a:ext cx="5143500" cy="4061354"/>
           </a:xfrm>
         </p:spPr>
         <p:txBody>
@@ -2262,44 +2262,44 @@
           <a:lstStyle>
             <a:lvl1pPr marL="0" indent="0">
               <a:buNone/>
-              <a:defRPr sz="2400"/>
+              <a:defRPr sz="2667"/>
             </a:lvl1pPr>
-            <a:lvl2pPr marL="342891" indent="0">
-              <a:buNone/>
-              <a:defRPr sz="2100"/>
+            <a:lvl2pPr marL="380985" indent="0">
+              <a:buNone/>
+              <a:defRPr sz="2333"/>
             </a:lvl2pPr>
-            <a:lvl3pPr marL="685783" indent="0">
-              <a:buNone/>
-              <a:defRPr sz="1800"/>
+            <a:lvl3pPr marL="761970" indent="0">
+              <a:buNone/>
+              <a:defRPr sz="2000"/>
             </a:lvl3pPr>
-            <a:lvl4pPr marL="1028674" indent="0">
-              <a:buNone/>
-              <a:defRPr sz="1500"/>
+            <a:lvl4pPr marL="1142954" indent="0">
+              <a:buNone/>
+              <a:defRPr sz="1667"/>
             </a:lvl4pPr>
-            <a:lvl5pPr marL="1371566" indent="0">
-              <a:buNone/>
-              <a:defRPr sz="1500"/>
+            <a:lvl5pPr marL="1523939" indent="0">
+              <a:buNone/>
+              <a:defRPr sz="1667"/>
             </a:lvl5pPr>
-            <a:lvl6pPr marL="1714457" indent="0">
-              <a:buNone/>
-              <a:defRPr sz="1500"/>
+            <a:lvl6pPr marL="1904924" indent="0">
+              <a:buNone/>
+              <a:defRPr sz="1667"/>
             </a:lvl6pPr>
-            <a:lvl7pPr marL="2057349" indent="0">
-              <a:buNone/>
-              <a:defRPr sz="1500"/>
+            <a:lvl7pPr marL="2285909" indent="0">
+              <a:buNone/>
+              <a:defRPr sz="1667"/>
             </a:lvl7pPr>
-            <a:lvl8pPr marL="2400240" indent="0">
-              <a:buNone/>
-              <a:defRPr sz="1500"/>
+            <a:lvl8pPr marL="2666893" indent="0">
+              <a:buNone/>
+              <a:defRPr sz="1667"/>
             </a:lvl8pPr>
-            <a:lvl9pPr marL="2743131" indent="0">
-              <a:buNone/>
-              <a:defRPr sz="1500"/>
+            <a:lvl9pPr marL="3047878" indent="0">
+              <a:buNone/>
+              <a:defRPr sz="1667"/>
             </a:lvl9pPr>
           </a:lstStyle>
           <a:p>
             <a:r>
-              <a:rPr lang="es-ES" dirty="0"/>
+              <a:rPr lang="es-ES"/>
               <a:t>Haga clic en el icono para agregar una imagen</a:t>
             </a:r>
             <a:endParaRPr lang="en-US" dirty="0"/>
@@ -2318,8 +2318,8 @@
         </p:nvSpPr>
         <p:spPr>
           <a:xfrm>
-            <a:off x="629841" y="1714501"/>
-            <a:ext cx="2949179" cy="3176323"/>
+            <a:off x="699824" y="1714500"/>
+            <a:ext cx="3276864" cy="3176323"/>
           </a:xfrm>
         </p:spPr>
         <p:txBody>
@@ -2327,39 +2327,39 @@
           <a:lstStyle>
             <a:lvl1pPr marL="0" indent="0">
               <a:buNone/>
-              <a:defRPr sz="1200"/>
+              <a:defRPr sz="1333"/>
             </a:lvl1pPr>
-            <a:lvl2pPr marL="342891" indent="0">
-              <a:buNone/>
-              <a:defRPr sz="1051"/>
+            <a:lvl2pPr marL="380985" indent="0">
+              <a:buNone/>
+              <a:defRPr sz="1167"/>
             </a:lvl2pPr>
-            <a:lvl3pPr marL="685783" indent="0">
-              <a:buNone/>
-              <a:defRPr sz="900"/>
+            <a:lvl3pPr marL="761970" indent="0">
+              <a:buNone/>
+              <a:defRPr sz="1000"/>
             </a:lvl3pPr>
-            <a:lvl4pPr marL="1028674" indent="0">
-              <a:buNone/>
-              <a:defRPr sz="751"/>
+            <a:lvl4pPr marL="1142954" indent="0">
+              <a:buNone/>
+              <a:defRPr sz="833"/>
             </a:lvl4pPr>
-            <a:lvl5pPr marL="1371566" indent="0">
-              <a:buNone/>
-              <a:defRPr sz="751"/>
+            <a:lvl5pPr marL="1523939" indent="0">
+              <a:buNone/>
+              <a:defRPr sz="833"/>
             </a:lvl5pPr>
-            <a:lvl6pPr marL="1714457" indent="0">
-              <a:buNone/>
-              <a:defRPr sz="751"/>
+            <a:lvl6pPr marL="1904924" indent="0">
+              <a:buNone/>
+              <a:defRPr sz="833"/>
             </a:lvl6pPr>
-            <a:lvl7pPr marL="2057349" indent="0">
-              <a:buNone/>
-              <a:defRPr sz="751"/>
+            <a:lvl7pPr marL="2285909" indent="0">
+              <a:buNone/>
+              <a:defRPr sz="833"/>
             </a:lvl7pPr>
-            <a:lvl8pPr marL="2400240" indent="0">
-              <a:buNone/>
-              <a:defRPr sz="751"/>
+            <a:lvl8pPr marL="2666893" indent="0">
+              <a:buNone/>
+              <a:defRPr sz="833"/>
             </a:lvl8pPr>
-            <a:lvl9pPr marL="2743131" indent="0">
-              <a:buNone/>
-              <a:defRPr sz="751"/>
+            <a:lvl9pPr marL="3047878" indent="0">
+              <a:buNone/>
+              <a:defRPr sz="833"/>
             </a:lvl9pPr>
           </a:lstStyle>
           <a:p>
@@ -2388,7 +2388,7 @@
           <a:p>
             <a:fld id="{50DEE611-8BEF-4990-B4F5-91A0FAC492E5}" type="datetimeFigureOut">
               <a:rPr lang="es-VE" smtClean="0"/>
-              <a:t>19/3/2021</a:t>
+              <a:t>2/6/2023</a:t>
             </a:fld>
             <a:endParaRPr lang="es-VE" dirty="0"/>
           </a:p>
@@ -2439,7 +2439,7 @@
     </p:spTree>
     <p:extLst>
       <p:ext uri="{BB962C8B-B14F-4D97-AF65-F5344CB8AC3E}">
-        <p14:creationId xmlns:p14="http://schemas.microsoft.com/office/powerpoint/2010/main" val="2589174267"/>
+        <p14:creationId xmlns:p14="http://schemas.microsoft.com/office/powerpoint/2010/main" val="973966376"/>
       </p:ext>
     </p:extLst>
   </p:cSld>
@@ -2453,12 +2453,9 @@
 <p:sldMaster xmlns:a="http://schemas.openxmlformats.org/drawingml/2006/main" xmlns:r="http://schemas.openxmlformats.org/officeDocument/2006/relationships" xmlns:p="http://schemas.openxmlformats.org/presentationml/2006/main">
   <p:cSld>
     <p:bg>
-      <p:bgPr>
-        <a:solidFill>
-          <a:schemeClr val="bg1"/>
-        </a:solidFill>
-        <a:effectLst/>
-      </p:bgPr>
+      <p:bgRef idx="1001">
+        <a:schemeClr val="bg1"/>
+      </p:bgRef>
     </p:bg>
     <p:spTree>
       <p:nvGrpSpPr>
@@ -2486,8 +2483,8 @@
         </p:nvSpPr>
         <p:spPr>
           <a:xfrm>
-            <a:off x="628651" y="304271"/>
-            <a:ext cx="7886700" cy="1104636"/>
+            <a:off x="698500" y="304271"/>
+            <a:ext cx="8763000" cy="1104636"/>
           </a:xfrm>
           <a:prstGeom prst="rect">
             <a:avLst/>
@@ -2519,8 +2516,8 @@
         </p:nvSpPr>
         <p:spPr>
           <a:xfrm>
-            <a:off x="628651" y="1521354"/>
-            <a:ext cx="7886700" cy="3626115"/>
+            <a:off x="698500" y="1521354"/>
+            <a:ext cx="8763000" cy="3626115"/>
           </a:xfrm>
           <a:prstGeom prst="rect">
             <a:avLst/>
@@ -2581,8 +2578,8 @@
         </p:nvSpPr>
         <p:spPr>
           <a:xfrm>
-            <a:off x="628651" y="5296960"/>
-            <a:ext cx="2057400" cy="304271"/>
+            <a:off x="698500" y="5296959"/>
+            <a:ext cx="2286000" cy="304271"/>
           </a:xfrm>
           <a:prstGeom prst="rect">
             <a:avLst/>
@@ -2592,7 +2589,7 @@
           <a:bodyPr vert="horz" lIns="91440" tIns="45720" rIns="91440" bIns="45720" rtlCol="0" anchor="ctr"/>
           <a:lstStyle>
             <a:lvl1pPr algn="l">
-              <a:defRPr sz="900">
+              <a:defRPr sz="1000">
                 <a:solidFill>
                   <a:schemeClr val="tx1">
                     <a:tint val="75000"/>
@@ -2604,7 +2601,7 @@
           <a:p>
             <a:fld id="{50DEE611-8BEF-4990-B4F5-91A0FAC492E5}" type="datetimeFigureOut">
               <a:rPr lang="es-VE" smtClean="0"/>
-              <a:t>19/3/2021</a:t>
+              <a:t>2/6/2023</a:t>
             </a:fld>
             <a:endParaRPr lang="es-VE" dirty="0"/>
           </a:p>
@@ -2622,8 +2619,8 @@
         </p:nvSpPr>
         <p:spPr>
           <a:xfrm>
-            <a:off x="3028951" y="5296960"/>
-            <a:ext cx="3086100" cy="304271"/>
+            <a:off x="3365500" y="5296959"/>
+            <a:ext cx="3429000" cy="304271"/>
           </a:xfrm>
           <a:prstGeom prst="rect">
             <a:avLst/>
@@ -2633,7 +2630,7 @@
           <a:bodyPr vert="horz" lIns="91440" tIns="45720" rIns="91440" bIns="45720" rtlCol="0" anchor="ctr"/>
           <a:lstStyle>
             <a:lvl1pPr algn="ctr">
-              <a:defRPr sz="900">
+              <a:defRPr sz="1000">
                 <a:solidFill>
                   <a:schemeClr val="tx1">
                     <a:tint val="75000"/>
@@ -2659,8 +2656,8 @@
         </p:nvSpPr>
         <p:spPr>
           <a:xfrm>
-            <a:off x="6457951" y="5296960"/>
-            <a:ext cx="2057400" cy="304271"/>
+            <a:off x="7175500" y="5296959"/>
+            <a:ext cx="2286000" cy="304271"/>
           </a:xfrm>
           <a:prstGeom prst="rect">
             <a:avLst/>
@@ -2670,7 +2667,7 @@
           <a:bodyPr vert="horz" lIns="91440" tIns="45720" rIns="91440" bIns="45720" rtlCol="0" anchor="ctr"/>
           <a:lstStyle>
             <a:lvl1pPr algn="r">
-              <a:defRPr sz="900">
+              <a:defRPr sz="1000">
                 <a:solidFill>
                   <a:schemeClr val="tx1">
                     <a:tint val="75000"/>
@@ -2691,27 +2688,27 @@
     </p:spTree>
     <p:extLst>
       <p:ext uri="{BB962C8B-B14F-4D97-AF65-F5344CB8AC3E}">
-        <p14:creationId xmlns:p14="http://schemas.microsoft.com/office/powerpoint/2010/main" val="3947717685"/>
+        <p14:creationId xmlns:p14="http://schemas.microsoft.com/office/powerpoint/2010/main" val="479883326"/>
       </p:ext>
     </p:extLst>
   </p:cSld>
   <p:clrMap bg1="dk1" tx1="lt1" bg2="dk2" tx2="lt2" accent1="accent1" accent2="accent2" accent3="accent3" accent4="accent4" accent5="accent5" accent6="accent6" hlink="hlink" folHlink="folHlink"/>
   <p:sldLayoutIdLst>
-    <p:sldLayoutId id="2147483673" r:id="rId1"/>
-    <p:sldLayoutId id="2147483674" r:id="rId2"/>
-    <p:sldLayoutId id="2147483675" r:id="rId3"/>
-    <p:sldLayoutId id="2147483676" r:id="rId4"/>
-    <p:sldLayoutId id="2147483677" r:id="rId5"/>
-    <p:sldLayoutId id="2147483678" r:id="rId6"/>
-    <p:sldLayoutId id="2147483679" r:id="rId7"/>
-    <p:sldLayoutId id="2147483680" r:id="rId8"/>
-    <p:sldLayoutId id="2147483681" r:id="rId9"/>
-    <p:sldLayoutId id="2147483682" r:id="rId10"/>
-    <p:sldLayoutId id="2147483683" r:id="rId11"/>
+    <p:sldLayoutId id="2147483685" r:id="rId1"/>
+    <p:sldLayoutId id="2147483686" r:id="rId2"/>
+    <p:sldLayoutId id="2147483687" r:id="rId3"/>
+    <p:sldLayoutId id="2147483688" r:id="rId4"/>
+    <p:sldLayoutId id="2147483689" r:id="rId5"/>
+    <p:sldLayoutId id="2147483690" r:id="rId6"/>
+    <p:sldLayoutId id="2147483691" r:id="rId7"/>
+    <p:sldLayoutId id="2147483692" r:id="rId8"/>
+    <p:sldLayoutId id="2147483693" r:id="rId9"/>
+    <p:sldLayoutId id="2147483694" r:id="rId10"/>
+    <p:sldLayoutId id="2147483695" r:id="rId11"/>
   </p:sldLayoutIdLst>
   <p:txStyles>
     <p:titleStyle>
-      <a:lvl1pPr algn="l" defTabSz="685783" rtl="0" eaLnBrk="1" latinLnBrk="0" hangingPunct="1">
+      <a:lvl1pPr algn="l" defTabSz="761970" rtl="0" eaLnBrk="1" latinLnBrk="0" hangingPunct="1">
         <a:lnSpc>
           <a:spcPct val="90000"/>
         </a:lnSpc>
@@ -2719,7 +2716,7 @@
           <a:spcPct val="0"/>
         </a:spcBef>
         <a:buNone/>
-        <a:defRPr sz="3300" kern="1200">
+        <a:defRPr sz="3667" kern="1200">
           <a:solidFill>
             <a:schemeClr val="tx1"/>
           </a:solidFill>
@@ -2730,16 +2727,16 @@
       </a:lvl1pPr>
     </p:titleStyle>
     <p:bodyStyle>
-      <a:lvl1pPr marL="171446" indent="-171446" algn="l" defTabSz="685783" rtl="0" eaLnBrk="1" latinLnBrk="0" hangingPunct="1">
+      <a:lvl1pPr marL="190492" indent="-190492" algn="l" defTabSz="761970" rtl="0" eaLnBrk="1" latinLnBrk="0" hangingPunct="1">
         <a:lnSpc>
           <a:spcPct val="90000"/>
         </a:lnSpc>
         <a:spcBef>
-          <a:spcPts val="751"/>
+          <a:spcPts val="833"/>
         </a:spcBef>
         <a:buFont typeface="Arial" panose="020B0604020202020204" pitchFamily="34" charset="0"/>
         <a:buChar char="•"/>
-        <a:defRPr sz="2100" kern="1200">
+        <a:defRPr sz="2333" kern="1200">
           <a:solidFill>
             <a:schemeClr val="tx1"/>
           </a:solidFill>
@@ -2748,16 +2745,16 @@
           <a:cs typeface="+mn-cs"/>
         </a:defRPr>
       </a:lvl1pPr>
-      <a:lvl2pPr marL="514338" indent="-171446" algn="l" defTabSz="685783" rtl="0" eaLnBrk="1" latinLnBrk="0" hangingPunct="1">
+      <a:lvl2pPr marL="571477" indent="-190492" algn="l" defTabSz="761970" rtl="0" eaLnBrk="1" latinLnBrk="0" hangingPunct="1">
         <a:lnSpc>
           <a:spcPct val="90000"/>
         </a:lnSpc>
         <a:spcBef>
-          <a:spcPts val="375"/>
+          <a:spcPts val="417"/>
         </a:spcBef>
         <a:buFont typeface="Arial" panose="020B0604020202020204" pitchFamily="34" charset="0"/>
         <a:buChar char="•"/>
-        <a:defRPr sz="1800" kern="1200">
+        <a:defRPr sz="2000" kern="1200">
           <a:solidFill>
             <a:schemeClr val="tx1"/>
           </a:solidFill>
@@ -2766,12 +2763,30 @@
           <a:cs typeface="+mn-cs"/>
         </a:defRPr>
       </a:lvl2pPr>
-      <a:lvl3pPr marL="857229" indent="-171446" algn="l" defTabSz="685783" rtl="0" eaLnBrk="1" latinLnBrk="0" hangingPunct="1">
+      <a:lvl3pPr marL="952462" indent="-190492" algn="l" defTabSz="761970" rtl="0" eaLnBrk="1" latinLnBrk="0" hangingPunct="1">
         <a:lnSpc>
           <a:spcPct val="90000"/>
         </a:lnSpc>
         <a:spcBef>
-          <a:spcPts val="375"/>
+          <a:spcPts val="417"/>
+        </a:spcBef>
+        <a:buFont typeface="Arial" panose="020B0604020202020204" pitchFamily="34" charset="0"/>
+        <a:buChar char="•"/>
+        <a:defRPr sz="1667" kern="1200">
+          <a:solidFill>
+            <a:schemeClr val="tx1"/>
+          </a:solidFill>
+          <a:latin typeface="+mn-lt"/>
+          <a:ea typeface="+mn-ea"/>
+          <a:cs typeface="+mn-cs"/>
+        </a:defRPr>
+      </a:lvl3pPr>
+      <a:lvl4pPr marL="1333447" indent="-190492" algn="l" defTabSz="761970" rtl="0" eaLnBrk="1" latinLnBrk="0" hangingPunct="1">
+        <a:lnSpc>
+          <a:spcPct val="90000"/>
+        </a:lnSpc>
+        <a:spcBef>
+          <a:spcPts val="417"/>
         </a:spcBef>
         <a:buFont typeface="Arial" panose="020B0604020202020204" pitchFamily="34" charset="0"/>
         <a:buChar char="•"/>
@@ -2783,35 +2798,17 @@
           <a:ea typeface="+mn-ea"/>
           <a:cs typeface="+mn-cs"/>
         </a:defRPr>
-      </a:lvl3pPr>
-      <a:lvl4pPr marL="1200121" indent="-171446" algn="l" defTabSz="685783" rtl="0" eaLnBrk="1" latinLnBrk="0" hangingPunct="1">
+      </a:lvl4pPr>
+      <a:lvl5pPr marL="1714431" indent="-190492" algn="l" defTabSz="761970" rtl="0" eaLnBrk="1" latinLnBrk="0" hangingPunct="1">
         <a:lnSpc>
           <a:spcPct val="90000"/>
         </a:lnSpc>
         <a:spcBef>
-          <a:spcPts val="375"/>
+          <a:spcPts val="417"/>
         </a:spcBef>
         <a:buFont typeface="Arial" panose="020B0604020202020204" pitchFamily="34" charset="0"/>
         <a:buChar char="•"/>
-        <a:defRPr sz="1351" kern="1200">
-          <a:solidFill>
-            <a:schemeClr val="tx1"/>
-          </a:solidFill>
-          <a:latin typeface="+mn-lt"/>
-          <a:ea typeface="+mn-ea"/>
-          <a:cs typeface="+mn-cs"/>
-        </a:defRPr>
-      </a:lvl4pPr>
-      <a:lvl5pPr marL="1543012" indent="-171446" algn="l" defTabSz="685783" rtl="0" eaLnBrk="1" latinLnBrk="0" hangingPunct="1">
-        <a:lnSpc>
-          <a:spcPct val="90000"/>
-        </a:lnSpc>
-        <a:spcBef>
-          <a:spcPts val="375"/>
-        </a:spcBef>
-        <a:buFont typeface="Arial" panose="020B0604020202020204" pitchFamily="34" charset="0"/>
-        <a:buChar char="•"/>
-        <a:defRPr sz="1351" kern="1200">
+        <a:defRPr sz="1500" kern="1200">
           <a:solidFill>
             <a:schemeClr val="tx1"/>
           </a:solidFill>
@@ -2820,16 +2817,16 @@
           <a:cs typeface="+mn-cs"/>
         </a:defRPr>
       </a:lvl5pPr>
-      <a:lvl6pPr marL="1885904" indent="-171446" algn="l" defTabSz="685783" rtl="0" eaLnBrk="1" latinLnBrk="0" hangingPunct="1">
+      <a:lvl6pPr marL="2095416" indent="-190492" algn="l" defTabSz="761970" rtl="0" eaLnBrk="1" latinLnBrk="0" hangingPunct="1">
         <a:lnSpc>
           <a:spcPct val="90000"/>
         </a:lnSpc>
         <a:spcBef>
-          <a:spcPts val="375"/>
+          <a:spcPts val="417"/>
         </a:spcBef>
         <a:buFont typeface="Arial" panose="020B0604020202020204" pitchFamily="34" charset="0"/>
         <a:buChar char="•"/>
-        <a:defRPr sz="1351" kern="1200">
+        <a:defRPr sz="1500" kern="1200">
           <a:solidFill>
             <a:schemeClr val="tx1"/>
           </a:solidFill>
@@ -2838,16 +2835,16 @@
           <a:cs typeface="+mn-cs"/>
         </a:defRPr>
       </a:lvl6pPr>
-      <a:lvl7pPr marL="2228795" indent="-171446" algn="l" defTabSz="685783" rtl="0" eaLnBrk="1" latinLnBrk="0" hangingPunct="1">
+      <a:lvl7pPr marL="2476401" indent="-190492" algn="l" defTabSz="761970" rtl="0" eaLnBrk="1" latinLnBrk="0" hangingPunct="1">
         <a:lnSpc>
           <a:spcPct val="90000"/>
         </a:lnSpc>
         <a:spcBef>
-          <a:spcPts val="375"/>
+          <a:spcPts val="417"/>
         </a:spcBef>
         <a:buFont typeface="Arial" panose="020B0604020202020204" pitchFamily="34" charset="0"/>
         <a:buChar char="•"/>
-        <a:defRPr sz="1351" kern="1200">
+        <a:defRPr sz="1500" kern="1200">
           <a:solidFill>
             <a:schemeClr val="tx1"/>
           </a:solidFill>
@@ -2856,16 +2853,16 @@
           <a:cs typeface="+mn-cs"/>
         </a:defRPr>
       </a:lvl7pPr>
-      <a:lvl8pPr marL="2571686" indent="-171446" algn="l" defTabSz="685783" rtl="0" eaLnBrk="1" latinLnBrk="0" hangingPunct="1">
+      <a:lvl8pPr marL="2857386" indent="-190492" algn="l" defTabSz="761970" rtl="0" eaLnBrk="1" latinLnBrk="0" hangingPunct="1">
         <a:lnSpc>
           <a:spcPct val="90000"/>
         </a:lnSpc>
         <a:spcBef>
-          <a:spcPts val="375"/>
+          <a:spcPts val="417"/>
         </a:spcBef>
         <a:buFont typeface="Arial" panose="020B0604020202020204" pitchFamily="34" charset="0"/>
         <a:buChar char="•"/>
-        <a:defRPr sz="1351" kern="1200">
+        <a:defRPr sz="1500" kern="1200">
           <a:solidFill>
             <a:schemeClr val="tx1"/>
           </a:solidFill>
@@ -2874,16 +2871,16 @@
           <a:cs typeface="+mn-cs"/>
         </a:defRPr>
       </a:lvl8pPr>
-      <a:lvl9pPr marL="2914578" indent="-171446" algn="l" defTabSz="685783" rtl="0" eaLnBrk="1" latinLnBrk="0" hangingPunct="1">
+      <a:lvl9pPr marL="3238370" indent="-190492" algn="l" defTabSz="761970" rtl="0" eaLnBrk="1" latinLnBrk="0" hangingPunct="1">
         <a:lnSpc>
           <a:spcPct val="90000"/>
         </a:lnSpc>
         <a:spcBef>
-          <a:spcPts val="375"/>
+          <a:spcPts val="417"/>
         </a:spcBef>
         <a:buFont typeface="Arial" panose="020B0604020202020204" pitchFamily="34" charset="0"/>
         <a:buChar char="•"/>
-        <a:defRPr sz="1351" kern="1200">
+        <a:defRPr sz="1500" kern="1200">
           <a:solidFill>
             <a:schemeClr val="tx1"/>
           </a:solidFill>
@@ -2897,8 +2894,8 @@
       <a:defPPr>
         <a:defRPr lang="en-US"/>
       </a:defPPr>
-      <a:lvl1pPr marL="0" algn="l" defTabSz="685783" rtl="0" eaLnBrk="1" latinLnBrk="0" hangingPunct="1">
-        <a:defRPr sz="1351" kern="1200">
+      <a:lvl1pPr marL="0" algn="l" defTabSz="761970" rtl="0" eaLnBrk="1" latinLnBrk="0" hangingPunct="1">
+        <a:defRPr sz="1500" kern="1200">
           <a:solidFill>
             <a:schemeClr val="tx1"/>
           </a:solidFill>
@@ -2907,8 +2904,8 @@
           <a:cs typeface="+mn-cs"/>
         </a:defRPr>
       </a:lvl1pPr>
-      <a:lvl2pPr marL="342891" algn="l" defTabSz="685783" rtl="0" eaLnBrk="1" latinLnBrk="0" hangingPunct="1">
-        <a:defRPr sz="1351" kern="1200">
+      <a:lvl2pPr marL="380985" algn="l" defTabSz="761970" rtl="0" eaLnBrk="1" latinLnBrk="0" hangingPunct="1">
+        <a:defRPr sz="1500" kern="1200">
           <a:solidFill>
             <a:schemeClr val="tx1"/>
           </a:solidFill>
@@ -2917,8 +2914,8 @@
           <a:cs typeface="+mn-cs"/>
         </a:defRPr>
       </a:lvl2pPr>
-      <a:lvl3pPr marL="685783" algn="l" defTabSz="685783" rtl="0" eaLnBrk="1" latinLnBrk="0" hangingPunct="1">
-        <a:defRPr sz="1351" kern="1200">
+      <a:lvl3pPr marL="761970" algn="l" defTabSz="761970" rtl="0" eaLnBrk="1" latinLnBrk="0" hangingPunct="1">
+        <a:defRPr sz="1500" kern="1200">
           <a:solidFill>
             <a:schemeClr val="tx1"/>
           </a:solidFill>
@@ -2927,8 +2924,8 @@
           <a:cs typeface="+mn-cs"/>
         </a:defRPr>
       </a:lvl3pPr>
-      <a:lvl4pPr marL="1028674" algn="l" defTabSz="685783" rtl="0" eaLnBrk="1" latinLnBrk="0" hangingPunct="1">
-        <a:defRPr sz="1351" kern="1200">
+      <a:lvl4pPr marL="1142954" algn="l" defTabSz="761970" rtl="0" eaLnBrk="1" latinLnBrk="0" hangingPunct="1">
+        <a:defRPr sz="1500" kern="1200">
           <a:solidFill>
             <a:schemeClr val="tx1"/>
           </a:solidFill>
@@ -2937,8 +2934,8 @@
           <a:cs typeface="+mn-cs"/>
         </a:defRPr>
       </a:lvl4pPr>
-      <a:lvl5pPr marL="1371566" algn="l" defTabSz="685783" rtl="0" eaLnBrk="1" latinLnBrk="0" hangingPunct="1">
-        <a:defRPr sz="1351" kern="1200">
+      <a:lvl5pPr marL="1523939" algn="l" defTabSz="761970" rtl="0" eaLnBrk="1" latinLnBrk="0" hangingPunct="1">
+        <a:defRPr sz="1500" kern="1200">
           <a:solidFill>
             <a:schemeClr val="tx1"/>
           </a:solidFill>
@@ -2947,8 +2944,8 @@
           <a:cs typeface="+mn-cs"/>
         </a:defRPr>
       </a:lvl5pPr>
-      <a:lvl6pPr marL="1714457" algn="l" defTabSz="685783" rtl="0" eaLnBrk="1" latinLnBrk="0" hangingPunct="1">
-        <a:defRPr sz="1351" kern="1200">
+      <a:lvl6pPr marL="1904924" algn="l" defTabSz="761970" rtl="0" eaLnBrk="1" latinLnBrk="0" hangingPunct="1">
+        <a:defRPr sz="1500" kern="1200">
           <a:solidFill>
             <a:schemeClr val="tx1"/>
           </a:solidFill>
@@ -2957,8 +2954,8 @@
           <a:cs typeface="+mn-cs"/>
         </a:defRPr>
       </a:lvl6pPr>
-      <a:lvl7pPr marL="2057349" algn="l" defTabSz="685783" rtl="0" eaLnBrk="1" latinLnBrk="0" hangingPunct="1">
-        <a:defRPr sz="1351" kern="1200">
+      <a:lvl7pPr marL="2285909" algn="l" defTabSz="761970" rtl="0" eaLnBrk="1" latinLnBrk="0" hangingPunct="1">
+        <a:defRPr sz="1500" kern="1200">
           <a:solidFill>
             <a:schemeClr val="tx1"/>
           </a:solidFill>
@@ -2967,8 +2964,8 @@
           <a:cs typeface="+mn-cs"/>
         </a:defRPr>
       </a:lvl7pPr>
-      <a:lvl8pPr marL="2400240" algn="l" defTabSz="685783" rtl="0" eaLnBrk="1" latinLnBrk="0" hangingPunct="1">
-        <a:defRPr sz="1351" kern="1200">
+      <a:lvl8pPr marL="2666893" algn="l" defTabSz="761970" rtl="0" eaLnBrk="1" latinLnBrk="0" hangingPunct="1">
+        <a:defRPr sz="1500" kern="1200">
           <a:solidFill>
             <a:schemeClr val="tx1"/>
           </a:solidFill>
@@ -2977,8 +2974,8 @@
           <a:cs typeface="+mn-cs"/>
         </a:defRPr>
       </a:lvl8pPr>
-      <a:lvl9pPr marL="2743131" algn="l" defTabSz="685783" rtl="0" eaLnBrk="1" latinLnBrk="0" hangingPunct="1">
-        <a:defRPr sz="1351" kern="1200">
+      <a:lvl9pPr marL="3047878" algn="l" defTabSz="761970" rtl="0" eaLnBrk="1" latinLnBrk="0" hangingPunct="1">
+        <a:defRPr sz="1500" kern="1200">
           <a:solidFill>
             <a:schemeClr val="tx1"/>
           </a:solidFill>
@@ -3060,7 +3057,7 @@
         </p:nvSpPr>
         <p:spPr>
           <a:xfrm>
-            <a:off x="313766" y="408215"/>
+            <a:off x="821767" y="408215"/>
             <a:ext cx="8516471" cy="3408412"/>
           </a:xfrm>
         </p:spPr>
@@ -3095,7 +3092,7 @@
         </p:nvSpPr>
         <p:spPr>
           <a:xfrm>
-            <a:off x="1143000" y="3816627"/>
+            <a:off x="1651000" y="3816627"/>
             <a:ext cx="6858000" cy="1360492"/>
           </a:xfrm>
         </p:spPr>
@@ -3199,7 +3196,7 @@
         </p:nvSpPr>
         <p:spPr>
           <a:xfrm>
-            <a:off x="313766" y="408214"/>
+            <a:off x="821767" y="408215"/>
             <a:ext cx="8516471" cy="4947557"/>
           </a:xfrm>
         </p:spPr>
@@ -3299,7 +3296,7 @@
         </p:nvSpPr>
         <p:spPr>
           <a:xfrm>
-            <a:off x="391887" y="309281"/>
+            <a:off x="899887" y="309282"/>
             <a:ext cx="8360228" cy="1160931"/>
           </a:xfrm>
         </p:spPr>
@@ -3342,7 +3339,7 @@
         </p:nvSpPr>
         <p:spPr>
           <a:xfrm>
-            <a:off x="391887" y="1604685"/>
+            <a:off x="899887" y="1604686"/>
             <a:ext cx="8360228" cy="3935505"/>
           </a:xfrm>
         </p:spPr>
@@ -3601,7 +3598,7 @@
         </p:nvSpPr>
         <p:spPr>
           <a:xfrm>
-            <a:off x="391887" y="309281"/>
+            <a:off x="899887" y="309282"/>
             <a:ext cx="8360228" cy="1160931"/>
           </a:xfrm>
         </p:spPr>
@@ -3644,7 +3641,7 @@
         </p:nvSpPr>
         <p:spPr>
           <a:xfrm>
-            <a:off x="391887" y="1604685"/>
+            <a:off x="899887" y="1604686"/>
             <a:ext cx="8360228" cy="3935505"/>
           </a:xfrm>
         </p:spPr>
@@ -3975,7 +3972,7 @@
         </p:nvSpPr>
         <p:spPr>
           <a:xfrm>
-            <a:off x="391887" y="309281"/>
+            <a:off x="899887" y="309282"/>
             <a:ext cx="8360228" cy="1160931"/>
           </a:xfrm>
         </p:spPr>
@@ -4018,7 +4015,7 @@
         </p:nvSpPr>
         <p:spPr>
           <a:xfrm>
-            <a:off x="391887" y="1604685"/>
+            <a:off x="899887" y="1604686"/>
             <a:ext cx="8360228" cy="3935505"/>
           </a:xfrm>
         </p:spPr>
@@ -4336,7 +4333,7 @@
         </p:nvSpPr>
         <p:spPr>
           <a:xfrm>
-            <a:off x="391887" y="309281"/>
+            <a:off x="899887" y="309282"/>
             <a:ext cx="8360228" cy="1160931"/>
           </a:xfrm>
         </p:spPr>
@@ -4379,7 +4376,7 @@
         </p:nvSpPr>
         <p:spPr>
           <a:xfrm>
-            <a:off x="391885" y="1622611"/>
+            <a:off x="899886" y="1622611"/>
             <a:ext cx="4180113" cy="1743636"/>
           </a:xfrm>
         </p:spPr>
@@ -4443,7 +4440,7 @@
           </p:nvPr>
         </p:nvGraphicFramePr>
         <p:xfrm>
-          <a:off x="4571999" y="1618127"/>
+          <a:off x="5080000" y="1618128"/>
           <a:ext cx="4180113" cy="1748119"/>
         </p:xfrm>
         <a:graphic>
@@ -4649,7 +4646,7 @@
         </p:nvSpPr>
         <p:spPr>
           <a:xfrm>
-            <a:off x="391884" y="3370730"/>
+            <a:off x="899884" y="3370730"/>
             <a:ext cx="8360228" cy="2115670"/>
           </a:xfrm>
           <a:prstGeom prst="rect">
@@ -4984,7 +4981,7 @@
         </p:nvSpPr>
         <p:spPr>
           <a:xfrm>
-            <a:off x="391887" y="309281"/>
+            <a:off x="899887" y="309282"/>
             <a:ext cx="8360228" cy="1160931"/>
           </a:xfrm>
         </p:spPr>
@@ -5035,7 +5032,7 @@
         </p:nvSpPr>
         <p:spPr>
           <a:xfrm>
-            <a:off x="391887" y="1604685"/>
+            <a:off x="899887" y="1604686"/>
             <a:ext cx="8360228" cy="3935505"/>
           </a:xfrm>
         </p:spPr>
@@ -5187,7 +5184,7 @@
         </p:nvSpPr>
         <p:spPr>
           <a:xfrm>
-            <a:off x="391887" y="309281"/>
+            <a:off x="899887" y="309282"/>
             <a:ext cx="8360228" cy="1160931"/>
           </a:xfrm>
         </p:spPr>
@@ -5238,7 +5235,7 @@
         </p:nvSpPr>
         <p:spPr>
           <a:xfrm>
-            <a:off x="391887" y="1604685"/>
+            <a:off x="899887" y="1604686"/>
             <a:ext cx="8360228" cy="3935505"/>
           </a:xfrm>
         </p:spPr>
@@ -5408,7 +5405,7 @@
         </p:nvSpPr>
         <p:spPr>
           <a:xfrm>
-            <a:off x="313766" y="408214"/>
+            <a:off x="821767" y="408215"/>
             <a:ext cx="8516471" cy="4947557"/>
           </a:xfrm>
         </p:spPr>
@@ -5508,7 +5505,7 @@
         </p:nvSpPr>
         <p:spPr>
           <a:xfrm>
-            <a:off x="228600" y="309281"/>
+            <a:off x="736600" y="309282"/>
             <a:ext cx="8686800" cy="1187009"/>
           </a:xfrm>
         </p:spPr>
@@ -5559,7 +5556,7 @@
         </p:nvSpPr>
         <p:spPr>
           <a:xfrm>
-            <a:off x="228600" y="1496291"/>
+            <a:off x="736600" y="1496291"/>
             <a:ext cx="8686800" cy="4043900"/>
           </a:xfrm>
         </p:spPr>
@@ -5767,7 +5764,7 @@
         </p:nvSpPr>
         <p:spPr>
           <a:xfrm>
-            <a:off x="228600" y="309281"/>
+            <a:off x="736600" y="309282"/>
             <a:ext cx="8686800" cy="1160931"/>
           </a:xfrm>
         </p:spPr>
@@ -5810,7 +5807,7 @@
         </p:nvSpPr>
         <p:spPr>
           <a:xfrm>
-            <a:off x="228600" y="1604685"/>
+            <a:off x="736600" y="1604686"/>
             <a:ext cx="8686800" cy="3935505"/>
           </a:xfrm>
         </p:spPr>
@@ -5927,7 +5924,7 @@
         </p:nvSpPr>
         <p:spPr>
           <a:xfrm>
-            <a:off x="313766" y="408214"/>
+            <a:off x="821767" y="408215"/>
             <a:ext cx="8516471" cy="4947557"/>
           </a:xfrm>
         </p:spPr>
@@ -6027,7 +6024,7 @@
         </p:nvSpPr>
         <p:spPr>
           <a:xfrm>
-            <a:off x="228600" y="309281"/>
+            <a:off x="736600" y="309282"/>
             <a:ext cx="8686800" cy="1160931"/>
           </a:xfrm>
         </p:spPr>
@@ -6070,7 +6067,7 @@
         </p:nvSpPr>
         <p:spPr>
           <a:xfrm>
-            <a:off x="228600" y="1862052"/>
+            <a:off x="736600" y="1862052"/>
             <a:ext cx="8686800" cy="3420772"/>
           </a:xfrm>
         </p:spPr>
@@ -6213,7 +6210,7 @@
         </p:nvSpPr>
         <p:spPr>
           <a:xfrm>
-            <a:off x="228600" y="309281"/>
+            <a:off x="736600" y="309282"/>
             <a:ext cx="8686800" cy="1519519"/>
           </a:xfrm>
         </p:spPr>
@@ -6271,7 +6268,7 @@
         </p:nvSpPr>
         <p:spPr>
           <a:xfrm>
-            <a:off x="228600" y="1945178"/>
+            <a:off x="736600" y="1945178"/>
             <a:ext cx="8686800" cy="3460540"/>
           </a:xfrm>
         </p:spPr>
@@ -6439,7 +6436,7 @@
         </p:nvSpPr>
         <p:spPr>
           <a:xfrm>
-            <a:off x="228600" y="309281"/>
+            <a:off x="736600" y="309282"/>
             <a:ext cx="8686800" cy="1519519"/>
           </a:xfrm>
         </p:spPr>
@@ -6497,7 +6494,7 @@
         </p:nvSpPr>
         <p:spPr>
           <a:xfrm>
-            <a:off x="228600" y="1945178"/>
+            <a:off x="736600" y="1945178"/>
             <a:ext cx="8686800" cy="3460540"/>
           </a:xfrm>
         </p:spPr>
@@ -6658,7 +6655,7 @@
         </p:nvSpPr>
         <p:spPr>
           <a:xfrm>
-            <a:off x="228600" y="309281"/>
+            <a:off x="736600" y="309282"/>
             <a:ext cx="8686800" cy="1519519"/>
           </a:xfrm>
         </p:spPr>
@@ -6716,7 +6713,7 @@
         </p:nvSpPr>
         <p:spPr>
           <a:xfrm>
-            <a:off x="228600" y="1945178"/>
+            <a:off x="736600" y="1945178"/>
             <a:ext cx="8686800" cy="3460540"/>
           </a:xfrm>
         </p:spPr>
@@ -6747,7 +6744,15 @@
             </a:r>
             <a:r>
               <a:rPr lang="es-VE" sz="2800" dirty="0"/>
-              <a:t>. Implica que no hay sino un solo Ser Divino, que la naturaleza del caso exige que haya solamente uno, y que todos los otros seres tiene su existencia </a:t>
+              <a:t>. Implica que no hay sino un solo Ser Divino, que la naturaleza del caso exige que haya solamente uno, y que </a:t>
+            </a:r>
+            <a:r>
+              <a:rPr lang="es-ES" sz="2800" dirty="0"/>
+              <a:t>todos los otros seres tienen</a:t>
+            </a:r>
+            <a:r>
+              <a:rPr lang="es-VE" sz="2800" dirty="0"/>
+              <a:t> su existencia </a:t>
             </a:r>
             <a:r>
               <a:rPr lang="es-VE" sz="2800" b="1" dirty="0"/>
@@ -6893,7 +6898,7 @@
         </p:nvSpPr>
         <p:spPr>
           <a:xfrm>
-            <a:off x="228600" y="309281"/>
+            <a:off x="736600" y="309282"/>
             <a:ext cx="8686800" cy="1519519"/>
           </a:xfrm>
         </p:spPr>
@@ -6951,7 +6956,7 @@
         </p:nvSpPr>
         <p:spPr>
           <a:xfrm>
-            <a:off x="228600" y="1945178"/>
+            <a:off x="736600" y="1945178"/>
             <a:ext cx="8686800" cy="3460540"/>
           </a:xfrm>
         </p:spPr>
@@ -7130,7 +7135,7 @@
         </p:nvSpPr>
         <p:spPr>
           <a:xfrm>
-            <a:off x="228600" y="309281"/>
+            <a:off x="736600" y="309282"/>
             <a:ext cx="8686800" cy="1519519"/>
           </a:xfrm>
         </p:spPr>
@@ -7188,7 +7193,7 @@
         </p:nvSpPr>
         <p:spPr>
           <a:xfrm>
-            <a:off x="228600" y="1945178"/>
+            <a:off x="736600" y="1945178"/>
             <a:ext cx="8686800" cy="3460540"/>
           </a:xfrm>
         </p:spPr>
@@ -7385,7 +7390,7 @@
         </p:nvSpPr>
         <p:spPr>
           <a:xfrm>
-            <a:off x="228600" y="309281"/>
+            <a:off x="736600" y="309282"/>
             <a:ext cx="8686800" cy="1519519"/>
           </a:xfrm>
         </p:spPr>
@@ -7443,7 +7448,7 @@
         </p:nvSpPr>
         <p:spPr>
           <a:xfrm>
-            <a:off x="228600" y="1945178"/>
+            <a:off x="736600" y="1945178"/>
             <a:ext cx="8686800" cy="3460540"/>
           </a:xfrm>
         </p:spPr>
@@ -7623,7 +7628,7 @@
         </p:nvSpPr>
         <p:spPr>
           <a:xfrm>
-            <a:off x="228600" y="309281"/>
+            <a:off x="736600" y="309282"/>
             <a:ext cx="8686800" cy="1519519"/>
           </a:xfrm>
         </p:spPr>
@@ -7681,7 +7686,7 @@
         </p:nvSpPr>
         <p:spPr>
           <a:xfrm>
-            <a:off x="228600" y="1945178"/>
+            <a:off x="736600" y="1945178"/>
             <a:ext cx="8686800" cy="3460540"/>
           </a:xfrm>
         </p:spPr>
@@ -7870,7 +7875,7 @@
         </p:nvSpPr>
         <p:spPr>
           <a:xfrm>
-            <a:off x="228600" y="309281"/>
+            <a:off x="736600" y="309282"/>
             <a:ext cx="8686800" cy="1519519"/>
           </a:xfrm>
         </p:spPr>
@@ -7928,7 +7933,7 @@
         </p:nvSpPr>
         <p:spPr>
           <a:xfrm>
-            <a:off x="228600" y="1945178"/>
+            <a:off x="736600" y="1945178"/>
             <a:ext cx="8686800" cy="3460540"/>
           </a:xfrm>
         </p:spPr>
@@ -8116,7 +8121,7 @@
         </p:nvSpPr>
         <p:spPr>
           <a:xfrm>
-            <a:off x="228600" y="98612"/>
+            <a:off x="736600" y="98612"/>
             <a:ext cx="8686800" cy="1425388"/>
           </a:xfrm>
         </p:spPr>
@@ -8174,7 +8179,7 @@
         </p:nvSpPr>
         <p:spPr>
           <a:xfrm>
-            <a:off x="228600" y="1524001"/>
+            <a:off x="736600" y="1524001"/>
             <a:ext cx="8686800" cy="3769222"/>
           </a:xfrm>
         </p:spPr>
@@ -8351,7 +8356,7 @@
         </p:nvSpPr>
         <p:spPr>
           <a:xfrm>
-            <a:off x="2519082" y="5293222"/>
+            <a:off x="3027082" y="5293222"/>
             <a:ext cx="6396316" cy="338554"/>
           </a:xfrm>
           <a:prstGeom prst="rect">
@@ -8536,7 +8541,7 @@
         </p:nvSpPr>
         <p:spPr>
           <a:xfrm>
-            <a:off x="391887" y="309284"/>
+            <a:off x="899887" y="309285"/>
             <a:ext cx="8360228" cy="1405217"/>
           </a:xfrm>
         </p:spPr>
@@ -8571,7 +8576,7 @@
         </p:nvSpPr>
         <p:spPr>
           <a:xfrm>
-            <a:off x="391887" y="1714502"/>
+            <a:off x="899887" y="1714502"/>
             <a:ext cx="8360228" cy="3691216"/>
           </a:xfrm>
         </p:spPr>
@@ -8756,7 +8761,7 @@
         </p:nvSpPr>
         <p:spPr>
           <a:xfrm>
-            <a:off x="228600" y="206188"/>
+            <a:off x="736600" y="206188"/>
             <a:ext cx="8686800" cy="1541930"/>
           </a:xfrm>
         </p:spPr>
@@ -8814,7 +8819,7 @@
         </p:nvSpPr>
         <p:spPr>
           <a:xfrm>
-            <a:off x="228600" y="1748118"/>
+            <a:off x="736600" y="1748118"/>
             <a:ext cx="8686800" cy="3320988"/>
           </a:xfrm>
         </p:spPr>
@@ -8939,7 +8944,7 @@
         </p:nvSpPr>
         <p:spPr>
           <a:xfrm>
-            <a:off x="2133602" y="5108702"/>
+            <a:off x="2641602" y="5108702"/>
             <a:ext cx="6781798" cy="369332"/>
           </a:xfrm>
           <a:prstGeom prst="rect">
@@ -9117,7 +9122,7 @@
         </p:nvSpPr>
         <p:spPr>
           <a:xfrm>
-            <a:off x="228600" y="206188"/>
+            <a:off x="736600" y="206188"/>
             <a:ext cx="8686800" cy="1541930"/>
           </a:xfrm>
         </p:spPr>
@@ -9175,7 +9180,7 @@
         </p:nvSpPr>
         <p:spPr>
           <a:xfrm>
-            <a:off x="228600" y="1748118"/>
+            <a:off x="736600" y="1748119"/>
             <a:ext cx="8686800" cy="2560365"/>
           </a:xfrm>
         </p:spPr>
@@ -9246,7 +9251,7 @@
         </p:nvSpPr>
         <p:spPr>
           <a:xfrm>
-            <a:off x="3630706" y="4308483"/>
+            <a:off x="4138706" y="4308484"/>
             <a:ext cx="5284694" cy="1200329"/>
           </a:xfrm>
           <a:prstGeom prst="rect">
@@ -9421,7 +9426,7 @@
         </p:nvSpPr>
         <p:spPr>
           <a:xfrm>
-            <a:off x="228600" y="98612"/>
+            <a:off x="736600" y="98612"/>
             <a:ext cx="8686800" cy="1425388"/>
           </a:xfrm>
         </p:spPr>
@@ -9479,7 +9484,7 @@
         </p:nvSpPr>
         <p:spPr>
           <a:xfrm>
-            <a:off x="228600" y="1524001"/>
+            <a:off x="736600" y="1524002"/>
             <a:ext cx="8686800" cy="3769221"/>
           </a:xfrm>
         </p:spPr>
@@ -9563,7 +9568,7 @@
         </p:nvSpPr>
         <p:spPr>
           <a:xfrm>
-            <a:off x="2519084" y="5108556"/>
+            <a:off x="3027084" y="5108556"/>
             <a:ext cx="6396316" cy="369332"/>
           </a:xfrm>
           <a:prstGeom prst="rect">
@@ -9675,7 +9680,7 @@
         </p:nvSpPr>
         <p:spPr>
           <a:xfrm>
-            <a:off x="228600" y="98612"/>
+            <a:off x="736600" y="98612"/>
             <a:ext cx="8686800" cy="1425388"/>
           </a:xfrm>
         </p:spPr>
@@ -9733,7 +9738,7 @@
         </p:nvSpPr>
         <p:spPr>
           <a:xfrm>
-            <a:off x="228600" y="1524001"/>
+            <a:off x="736600" y="1524001"/>
             <a:ext cx="8686800" cy="3584556"/>
           </a:xfrm>
         </p:spPr>
@@ -9783,7 +9788,7 @@
         </p:nvSpPr>
         <p:spPr>
           <a:xfrm>
-            <a:off x="2519084" y="5108556"/>
+            <a:off x="3027084" y="5108556"/>
             <a:ext cx="6396316" cy="369332"/>
           </a:xfrm>
           <a:prstGeom prst="rect">
@@ -9895,7 +9900,7 @@
         </p:nvSpPr>
         <p:spPr>
           <a:xfrm>
-            <a:off x="228600" y="98612"/>
+            <a:off x="736600" y="98612"/>
             <a:ext cx="8686800" cy="1425388"/>
           </a:xfrm>
         </p:spPr>
@@ -9953,7 +9958,7 @@
         </p:nvSpPr>
         <p:spPr>
           <a:xfrm>
-            <a:off x="228600" y="1679170"/>
+            <a:off x="736600" y="1679171"/>
             <a:ext cx="8686800" cy="3429387"/>
           </a:xfrm>
         </p:spPr>
@@ -10011,7 +10016,7 @@
         </p:nvSpPr>
         <p:spPr>
           <a:xfrm>
-            <a:off x="2519084" y="5108556"/>
+            <a:off x="3027084" y="5108556"/>
             <a:ext cx="6396316" cy="369332"/>
           </a:xfrm>
           <a:prstGeom prst="rect">
@@ -10122,7 +10127,7 @@
         </p:nvSpPr>
         <p:spPr>
           <a:xfrm>
-            <a:off x="313766" y="408214"/>
+            <a:off x="821767" y="408215"/>
             <a:ext cx="8516471" cy="4947557"/>
           </a:xfrm>
         </p:spPr>
@@ -10222,7 +10227,7 @@
         </p:nvSpPr>
         <p:spPr>
           <a:xfrm>
-            <a:off x="228600" y="309281"/>
+            <a:off x="736600" y="309282"/>
             <a:ext cx="8686800" cy="1160931"/>
           </a:xfrm>
         </p:spPr>
@@ -10269,7 +10274,7 @@
         </p:nvSpPr>
         <p:spPr>
           <a:xfrm>
-            <a:off x="228600" y="1604685"/>
+            <a:off x="736600" y="1604686"/>
             <a:ext cx="8686800" cy="3935505"/>
           </a:xfrm>
         </p:spPr>
@@ -10617,7 +10622,7 @@
         </p:nvSpPr>
         <p:spPr>
           <a:xfrm>
-            <a:off x="391887" y="309281"/>
+            <a:off x="899887" y="309282"/>
             <a:ext cx="8360228" cy="1160931"/>
           </a:xfrm>
         </p:spPr>
@@ -10664,7 +10669,7 @@
         </p:nvSpPr>
         <p:spPr>
           <a:xfrm>
-            <a:off x="391887" y="1604685"/>
+            <a:off x="899887" y="1604686"/>
             <a:ext cx="8360228" cy="3935505"/>
           </a:xfrm>
         </p:spPr>
@@ -11003,7 +11008,7 @@
         </p:nvSpPr>
         <p:spPr>
           <a:xfrm>
-            <a:off x="391887" y="309281"/>
+            <a:off x="899887" y="309282"/>
             <a:ext cx="8360228" cy="1160931"/>
           </a:xfrm>
         </p:spPr>
@@ -11050,13 +11055,13 @@
         </p:nvSpPr>
         <p:spPr>
           <a:xfrm>
-            <a:off x="391887" y="1604685"/>
+            <a:off x="899887" y="1604686"/>
             <a:ext cx="8360228" cy="3935505"/>
           </a:xfrm>
         </p:spPr>
         <p:txBody>
           <a:bodyPr anchor="ctr">
-            <a:normAutofit/>
+            <a:normAutofit lnSpcReduction="10000"/>
           </a:bodyPr>
           <a:lstStyle/>
           <a:p>
@@ -11368,7 +11373,7 @@
         </p:nvSpPr>
         <p:spPr>
           <a:xfrm>
-            <a:off x="391887" y="309281"/>
+            <a:off x="899887" y="309282"/>
             <a:ext cx="8360228" cy="1160931"/>
           </a:xfrm>
         </p:spPr>
@@ -11415,7 +11420,7 @@
         </p:nvSpPr>
         <p:spPr>
           <a:xfrm>
-            <a:off x="391887" y="1604685"/>
+            <a:off x="899887" y="1604686"/>
             <a:ext cx="8360228" cy="3935505"/>
           </a:xfrm>
         </p:spPr>
@@ -11721,7 +11726,7 @@
         </p:nvSpPr>
         <p:spPr>
           <a:xfrm>
-            <a:off x="391887" y="309281"/>
+            <a:off x="899887" y="309282"/>
             <a:ext cx="8360228" cy="1160931"/>
           </a:xfrm>
         </p:spPr>
@@ -11768,7 +11773,7 @@
         </p:nvSpPr>
         <p:spPr>
           <a:xfrm>
-            <a:off x="391887" y="1604685"/>
+            <a:off x="899887" y="1604686"/>
             <a:ext cx="8360228" cy="3935505"/>
           </a:xfrm>
         </p:spPr>
@@ -12091,7 +12096,7 @@
 </file>
 
 <file path=ppt/theme/theme1.xml><?xml version="1.0" encoding="utf-8"?>
-<a:theme xmlns:a="http://schemas.openxmlformats.org/drawingml/2006/main" name="Office Theme">
+<a:theme xmlns:a="http://schemas.openxmlformats.org/drawingml/2006/main" name="Tema de Office">
   <a:themeElements>
     <a:clrScheme name="Tema de Office">
       <a:dk1>
@@ -12345,7 +12350,7 @@
   <a:extraClrSchemeLst/>
   <a:extLst>
     <a:ext uri="{05A4C25C-085E-4340-85A3-A5531E510DB2}">
-      <thm15:themeFamily xmlns:thm15="http://schemas.microsoft.com/office/thememl/2012/main" name="Office Theme" id="{62F939B6-93AF-4DB8-9C6B-D6C7DFDC589F}" vid="{3E4F19A7-A959-40BB-972C-4880BAF8EB09}"/>
+      <thm15:themeFamily xmlns:thm15="http://schemas.microsoft.com/office/thememl/2012/main" name="Office Theme 2013 - 2022" id="{62F939B6-93AF-4DB8-9C6B-D6C7DFDC589F}" vid="{3E4F19A7-A959-40BB-972C-4880BAF8EB09}"/>
     </a:ext>
   </a:extLst>
 </a:theme>
